--- a/りざっと案件_仕様概要書.pptx
+++ b/りざっと案件_仕様概要書.pptx
@@ -5,7 +5,7 @@
     <p:sldMasterId id="2147483648" r:id="rId1"/>
   </p:sldMasterIdLst>
   <p:notesMasterIdLst>
-    <p:notesMasterId r:id="rId9"/>
+    <p:notesMasterId r:id="rId10"/>
   </p:notesMasterIdLst>
   <p:sldIdLst>
     <p:sldId id="256" r:id="rId2"/>
@@ -15,6 +15,7 @@
     <p:sldId id="259" r:id="rId6"/>
     <p:sldId id="260" r:id="rId7"/>
     <p:sldId id="262" r:id="rId8"/>
+    <p:sldId id="263" r:id="rId9"/>
   </p:sldIdLst>
   <p:sldSz cx="12192000" cy="6858000"/>
   <p:notesSz cx="6858000" cy="9144000"/>
@@ -793,6 +794,114 @@
     <p:extLst>
       <p:ext uri="{BB962C8B-B14F-4D97-AF65-F5344CB8AC3E}">
         <p14:creationId xmlns:p14="http://schemas.microsoft.com/office/powerpoint/2010/main" val="2021909102"/>
+      </p:ext>
+    </p:extLst>
+  </p:cSld>
+  <p:clrMapOvr>
+    <a:masterClrMapping/>
+  </p:clrMapOvr>
+</p:notes>
+</file>
+
+<file path=ppt/notesSlides/notesSlide4.xml><?xml version="1.0" encoding="utf-8"?>
+<p:notes xmlns:a="http://schemas.openxmlformats.org/drawingml/2006/main" xmlns:r="http://schemas.openxmlformats.org/officeDocument/2006/relationships" xmlns:p="http://schemas.openxmlformats.org/presentationml/2006/main">
+  <p:cSld>
+    <p:spTree>
+      <p:nvGrpSpPr>
+        <p:cNvPr id="1" name="">
+          <a:extLst>
+            <a:ext uri="{FF2B5EF4-FFF2-40B4-BE49-F238E27FC236}">
+              <a16:creationId xmlns:a16="http://schemas.microsoft.com/office/drawing/2014/main" id="{A6B2D490-41FA-20B7-36A2-292AC0727B54}"/>
+            </a:ext>
+          </a:extLst>
+        </p:cNvPr>
+        <p:cNvGrpSpPr/>
+        <p:nvPr/>
+      </p:nvGrpSpPr>
+      <p:grpSpPr>
+        <a:xfrm>
+          <a:off x="0" y="0"/>
+          <a:ext cx="0" cy="0"/>
+          <a:chOff x="0" y="0"/>
+          <a:chExt cx="0" cy="0"/>
+        </a:xfrm>
+      </p:grpSpPr>
+      <p:sp>
+        <p:nvSpPr>
+          <p:cNvPr id="2" name="スライド イメージ プレースホルダー 1">
+            <a:extLst>
+              <a:ext uri="{FF2B5EF4-FFF2-40B4-BE49-F238E27FC236}">
+                <a16:creationId xmlns:a16="http://schemas.microsoft.com/office/drawing/2014/main" id="{D576B4F5-49A5-4483-9C0E-24A283DA2F25}"/>
+              </a:ext>
+            </a:extLst>
+          </p:cNvPr>
+          <p:cNvSpPr>
+            <a:spLocks noGrp="1" noRot="1" noChangeAspect="1"/>
+          </p:cNvSpPr>
+          <p:nvPr>
+            <p:ph type="sldImg"/>
+          </p:nvPr>
+        </p:nvSpPr>
+        <p:spPr/>
+      </p:sp>
+      <p:sp>
+        <p:nvSpPr>
+          <p:cNvPr id="3" name="ノート プレースホルダー 2">
+            <a:extLst>
+              <a:ext uri="{FF2B5EF4-FFF2-40B4-BE49-F238E27FC236}">
+                <a16:creationId xmlns:a16="http://schemas.microsoft.com/office/drawing/2014/main" id="{E22AA3EB-8F1F-11B4-C69A-098959889290}"/>
+              </a:ext>
+            </a:extLst>
+          </p:cNvPr>
+          <p:cNvSpPr>
+            <a:spLocks noGrp="1"/>
+          </p:cNvSpPr>
+          <p:nvPr>
+            <p:ph type="body" idx="1"/>
+          </p:nvPr>
+        </p:nvSpPr>
+        <p:spPr/>
+        <p:txBody>
+          <a:bodyPr/>
+          <a:lstStyle/>
+          <a:p>
+            <a:endParaRPr kumimoji="1" lang="ja-JP" altLang="en-US" dirty="0"/>
+          </a:p>
+        </p:txBody>
+      </p:sp>
+      <p:sp>
+        <p:nvSpPr>
+          <p:cNvPr id="4" name="スライド番号プレースホルダー 3">
+            <a:extLst>
+              <a:ext uri="{FF2B5EF4-FFF2-40B4-BE49-F238E27FC236}">
+                <a16:creationId xmlns:a16="http://schemas.microsoft.com/office/drawing/2014/main" id="{257DFF2B-9CC5-2649-F408-86CA37A38451}"/>
+              </a:ext>
+            </a:extLst>
+          </p:cNvPr>
+          <p:cNvSpPr>
+            <a:spLocks noGrp="1"/>
+          </p:cNvSpPr>
+          <p:nvPr>
+            <p:ph type="sldNum" sz="quarter" idx="5"/>
+          </p:nvPr>
+        </p:nvSpPr>
+        <p:spPr/>
+        <p:txBody>
+          <a:bodyPr/>
+          <a:lstStyle/>
+          <a:p>
+            <a:fld id="{D3852200-3FC2-488E-A236-C880CACFFC59}" type="slidenum">
+              <a:rPr kumimoji="1" lang="ja-JP" altLang="en-US" smtClean="0"/>
+              <a:t>8</a:t>
+            </a:fld>
+            <a:endParaRPr kumimoji="1" lang="ja-JP" altLang="en-US"/>
+          </a:p>
+        </p:txBody>
+      </p:sp>
+    </p:spTree>
+    <p:extLst>
+      <p:ext uri="{BB962C8B-B14F-4D97-AF65-F5344CB8AC3E}">
+        <p14:creationId xmlns:p14="http://schemas.microsoft.com/office/powerpoint/2010/main" val="2764428274"/>
       </p:ext>
     </p:extLst>
   </p:cSld>
@@ -8803,6 +8912,2793 @@
     <p:extLst>
       <p:ext uri="{BB962C8B-B14F-4D97-AF65-F5344CB8AC3E}">
         <p14:creationId xmlns:p14="http://schemas.microsoft.com/office/powerpoint/2010/main" val="2928708400"/>
+      </p:ext>
+    </p:extLst>
+  </p:cSld>
+  <p:clrMapOvr>
+    <a:masterClrMapping/>
+  </p:clrMapOvr>
+</p:sld>
+</file>
+
+<file path=ppt/slides/slide8.xml><?xml version="1.0" encoding="utf-8"?>
+<p:sld xmlns:a="http://schemas.openxmlformats.org/drawingml/2006/main" xmlns:r="http://schemas.openxmlformats.org/officeDocument/2006/relationships" xmlns:p="http://schemas.openxmlformats.org/presentationml/2006/main">
+  <p:cSld>
+    <p:spTree>
+      <p:nvGrpSpPr>
+        <p:cNvPr id="1" name="">
+          <a:extLst>
+            <a:ext uri="{FF2B5EF4-FFF2-40B4-BE49-F238E27FC236}">
+              <a16:creationId xmlns:a16="http://schemas.microsoft.com/office/drawing/2014/main" id="{4A2B8BA7-55E3-3C20-7A19-4C1FF372B268}"/>
+            </a:ext>
+          </a:extLst>
+        </p:cNvPr>
+        <p:cNvGrpSpPr/>
+        <p:nvPr/>
+      </p:nvGrpSpPr>
+      <p:grpSpPr>
+        <a:xfrm>
+          <a:off x="0" y="0"/>
+          <a:ext cx="0" cy="0"/>
+          <a:chOff x="0" y="0"/>
+          <a:chExt cx="0" cy="0"/>
+        </a:xfrm>
+      </p:grpSpPr>
+      <p:sp>
+        <p:nvSpPr>
+          <p:cNvPr id="16" name="正方形/長方形 15">
+            <a:extLst>
+              <a:ext uri="{FF2B5EF4-FFF2-40B4-BE49-F238E27FC236}">
+                <a16:creationId xmlns:a16="http://schemas.microsoft.com/office/drawing/2014/main" id="{74617DF1-63CB-62B2-6418-C7BE0C343028}"/>
+              </a:ext>
+            </a:extLst>
+          </p:cNvPr>
+          <p:cNvSpPr/>
+          <p:nvPr/>
+        </p:nvSpPr>
+        <p:spPr>
+          <a:xfrm>
+            <a:off x="118353" y="904671"/>
+            <a:ext cx="11955293" cy="5832053"/>
+          </a:xfrm>
+          <a:prstGeom prst="rect">
+            <a:avLst/>
+          </a:prstGeom>
+          <a:solidFill>
+            <a:schemeClr val="bg1">
+              <a:lumMod val="95000"/>
+            </a:schemeClr>
+          </a:solidFill>
+          <a:ln>
+            <a:solidFill>
+              <a:schemeClr val="accent4">
+                <a:lumMod val="50000"/>
+              </a:schemeClr>
+            </a:solidFill>
+          </a:ln>
+        </p:spPr>
+        <p:style>
+          <a:lnRef idx="2">
+            <a:schemeClr val="accent1">
+              <a:shade val="15000"/>
+            </a:schemeClr>
+          </a:lnRef>
+          <a:fillRef idx="1">
+            <a:schemeClr val="accent1"/>
+          </a:fillRef>
+          <a:effectRef idx="0">
+            <a:schemeClr val="accent1"/>
+          </a:effectRef>
+          <a:fontRef idx="minor">
+            <a:schemeClr val="lt1"/>
+          </a:fontRef>
+        </p:style>
+        <p:txBody>
+          <a:bodyPr rtlCol="0" anchor="ctr"/>
+          <a:lstStyle/>
+          <a:p>
+            <a:pPr algn="ctr"/>
+            <a:endParaRPr kumimoji="1" lang="ja-JP" altLang="en-US"/>
+          </a:p>
+        </p:txBody>
+      </p:sp>
+      <p:sp>
+        <p:nvSpPr>
+          <p:cNvPr id="26" name="正方形/長方形 25">
+            <a:extLst>
+              <a:ext uri="{FF2B5EF4-FFF2-40B4-BE49-F238E27FC236}">
+                <a16:creationId xmlns:a16="http://schemas.microsoft.com/office/drawing/2014/main" id="{09378619-8919-C08D-09F1-12B458F9D80E}"/>
+              </a:ext>
+            </a:extLst>
+          </p:cNvPr>
+          <p:cNvSpPr/>
+          <p:nvPr/>
+        </p:nvSpPr>
+        <p:spPr>
+          <a:xfrm>
+            <a:off x="2633688" y="1474417"/>
+            <a:ext cx="5694951" cy="4897200"/>
+          </a:xfrm>
+          <a:prstGeom prst="rect">
+            <a:avLst/>
+          </a:prstGeom>
+          <a:solidFill>
+            <a:schemeClr val="tx2">
+              <a:lumMod val="10000"/>
+              <a:lumOff val="90000"/>
+            </a:schemeClr>
+          </a:solidFill>
+          <a:ln w="38100">
+            <a:solidFill>
+              <a:schemeClr val="accent4">
+                <a:lumMod val="50000"/>
+              </a:schemeClr>
+            </a:solidFill>
+          </a:ln>
+        </p:spPr>
+        <p:style>
+          <a:lnRef idx="2">
+            <a:schemeClr val="accent1">
+              <a:shade val="15000"/>
+            </a:schemeClr>
+          </a:lnRef>
+          <a:fillRef idx="1">
+            <a:schemeClr val="accent1"/>
+          </a:fillRef>
+          <a:effectRef idx="0">
+            <a:schemeClr val="accent1"/>
+          </a:effectRef>
+          <a:fontRef idx="minor">
+            <a:schemeClr val="lt1"/>
+          </a:fontRef>
+        </p:style>
+        <p:txBody>
+          <a:bodyPr rtlCol="0" anchor="ctr"/>
+          <a:lstStyle/>
+          <a:p>
+            <a:pPr algn="ctr"/>
+            <a:endParaRPr kumimoji="1" lang="ja-JP" altLang="en-US"/>
+          </a:p>
+        </p:txBody>
+      </p:sp>
+      <p:sp>
+        <p:nvSpPr>
+          <p:cNvPr id="47" name="正方形/長方形 46">
+            <a:extLst>
+              <a:ext uri="{FF2B5EF4-FFF2-40B4-BE49-F238E27FC236}">
+                <a16:creationId xmlns:a16="http://schemas.microsoft.com/office/drawing/2014/main" id="{3D83A48D-C23B-B798-B0C1-80812893E938}"/>
+              </a:ext>
+            </a:extLst>
+          </p:cNvPr>
+          <p:cNvSpPr/>
+          <p:nvPr/>
+        </p:nvSpPr>
+        <p:spPr>
+          <a:xfrm>
+            <a:off x="2907712" y="3068685"/>
+            <a:ext cx="1342190" cy="1550767"/>
+          </a:xfrm>
+          <a:prstGeom prst="rect">
+            <a:avLst/>
+          </a:prstGeom>
+          <a:solidFill>
+            <a:schemeClr val="bg1"/>
+          </a:solidFill>
+          <a:ln w="38100">
+            <a:solidFill>
+              <a:schemeClr val="accent4">
+                <a:lumMod val="50000"/>
+              </a:schemeClr>
+            </a:solidFill>
+          </a:ln>
+        </p:spPr>
+        <p:style>
+          <a:lnRef idx="2">
+            <a:schemeClr val="accent1">
+              <a:shade val="15000"/>
+            </a:schemeClr>
+          </a:lnRef>
+          <a:fillRef idx="1">
+            <a:schemeClr val="accent1"/>
+          </a:fillRef>
+          <a:effectRef idx="0">
+            <a:schemeClr val="accent1"/>
+          </a:effectRef>
+          <a:fontRef idx="minor">
+            <a:schemeClr val="lt1"/>
+          </a:fontRef>
+        </p:style>
+        <p:txBody>
+          <a:bodyPr rtlCol="0" anchor="ctr"/>
+          <a:lstStyle/>
+          <a:p>
+            <a:pPr algn="ctr"/>
+            <a:endParaRPr kumimoji="1" lang="ja-JP" altLang="en-US"/>
+          </a:p>
+        </p:txBody>
+      </p:sp>
+      <p:sp>
+        <p:nvSpPr>
+          <p:cNvPr id="3" name="字幕 2">
+            <a:extLst>
+              <a:ext uri="{FF2B5EF4-FFF2-40B4-BE49-F238E27FC236}">
+                <a16:creationId xmlns:a16="http://schemas.microsoft.com/office/drawing/2014/main" id="{CFD71324-81EF-43E2-B5AF-317ED2BE4D39}"/>
+              </a:ext>
+            </a:extLst>
+          </p:cNvPr>
+          <p:cNvSpPr>
+            <a:spLocks noGrp="1"/>
+          </p:cNvSpPr>
+          <p:nvPr>
+            <p:ph type="subTitle" idx="1"/>
+          </p:nvPr>
+        </p:nvSpPr>
+        <p:spPr>
+          <a:xfrm>
+            <a:off x="0" y="0"/>
+            <a:ext cx="2001068" cy="318986"/>
+          </a:xfrm>
+        </p:spPr>
+        <p:txBody>
+          <a:bodyPr>
+            <a:normAutofit/>
+          </a:bodyPr>
+          <a:lstStyle/>
+          <a:p>
+            <a:pPr algn="l"/>
+            <a:r>
+              <a:rPr lang="ja-JP" altLang="en-US" sz="1400" dirty="0">
+                <a:latin typeface="HGS明朝E" panose="02020900000000000000" pitchFamily="18" charset="-128"/>
+                <a:ea typeface="HGS明朝E" panose="02020900000000000000" pitchFamily="18" charset="-128"/>
+              </a:rPr>
+              <a:t>チケット予約システム</a:t>
+            </a:r>
+            <a:endParaRPr kumimoji="1" lang="ja-JP" altLang="en-US" sz="1400" dirty="0">
+              <a:latin typeface="HGS明朝E" panose="02020900000000000000" pitchFamily="18" charset="-128"/>
+              <a:ea typeface="HGS明朝E" panose="02020900000000000000" pitchFamily="18" charset="-128"/>
+            </a:endParaRPr>
+          </a:p>
+        </p:txBody>
+      </p:sp>
+      <p:pic>
+        <p:nvPicPr>
+          <p:cNvPr id="4" name="図 3" descr="黒い背景に白い文字がある&#10;&#10;低い精度で自動的に生成された説明">
+            <a:extLst>
+              <a:ext uri="{FF2B5EF4-FFF2-40B4-BE49-F238E27FC236}">
+                <a16:creationId xmlns:a16="http://schemas.microsoft.com/office/drawing/2014/main" id="{4EEFE459-E05E-586E-D660-445F24CD1C4F}"/>
+              </a:ext>
+            </a:extLst>
+          </p:cNvPr>
+          <p:cNvPicPr>
+            <a:picLocks noChangeAspect="1"/>
+          </p:cNvPicPr>
+          <p:nvPr/>
+        </p:nvPicPr>
+        <p:blipFill>
+          <a:blip r:embed="rId3">
+            <a:extLst>
+              <a:ext uri="{28A0092B-C50C-407E-A947-70E740481C1C}">
+                <a14:useLocalDpi xmlns:a14="http://schemas.microsoft.com/office/drawing/2010/main" val="0"/>
+              </a:ext>
+            </a:extLst>
+          </a:blip>
+          <a:stretch>
+            <a:fillRect/>
+          </a:stretch>
+        </p:blipFill>
+        <p:spPr>
+          <a:xfrm>
+            <a:off x="9982230" y="121271"/>
+            <a:ext cx="2001068" cy="636703"/>
+          </a:xfrm>
+          <a:prstGeom prst="rect">
+            <a:avLst/>
+          </a:prstGeom>
+        </p:spPr>
+      </p:pic>
+      <p:cxnSp>
+        <p:nvCxnSpPr>
+          <p:cNvPr id="9" name="直線コネクタ 8">
+            <a:extLst>
+              <a:ext uri="{FF2B5EF4-FFF2-40B4-BE49-F238E27FC236}">
+                <a16:creationId xmlns:a16="http://schemas.microsoft.com/office/drawing/2014/main" id="{C5AC3375-903F-2506-6958-E77F9513756C}"/>
+              </a:ext>
+            </a:extLst>
+          </p:cNvPr>
+          <p:cNvCxnSpPr>
+            <a:cxnSpLocks/>
+          </p:cNvCxnSpPr>
+          <p:nvPr/>
+        </p:nvCxnSpPr>
+        <p:spPr>
+          <a:xfrm>
+            <a:off x="0" y="757974"/>
+            <a:ext cx="9513651" cy="0"/>
+          </a:xfrm>
+          <a:prstGeom prst="line">
+            <a:avLst/>
+          </a:prstGeom>
+          <a:ln>
+            <a:solidFill>
+              <a:schemeClr val="accent4">
+                <a:lumMod val="50000"/>
+              </a:schemeClr>
+            </a:solidFill>
+          </a:ln>
+        </p:spPr>
+        <p:style>
+          <a:lnRef idx="2">
+            <a:schemeClr val="accent1"/>
+          </a:lnRef>
+          <a:fillRef idx="0">
+            <a:schemeClr val="accent1"/>
+          </a:fillRef>
+          <a:effectRef idx="1">
+            <a:schemeClr val="accent1"/>
+          </a:effectRef>
+          <a:fontRef idx="minor">
+            <a:schemeClr val="tx1"/>
+          </a:fontRef>
+        </p:style>
+      </p:cxnSp>
+      <p:sp>
+        <p:nvSpPr>
+          <p:cNvPr id="15" name="テキスト ボックス 14">
+            <a:extLst>
+              <a:ext uri="{FF2B5EF4-FFF2-40B4-BE49-F238E27FC236}">
+                <a16:creationId xmlns:a16="http://schemas.microsoft.com/office/drawing/2014/main" id="{EF338AAB-C178-E288-9DE9-41904E99D52B}"/>
+              </a:ext>
+            </a:extLst>
+          </p:cNvPr>
+          <p:cNvSpPr txBox="1"/>
+          <p:nvPr/>
+        </p:nvSpPr>
+        <p:spPr>
+          <a:xfrm>
+            <a:off x="1050587" y="233464"/>
+            <a:ext cx="8463063" cy="523220"/>
+          </a:xfrm>
+          <a:prstGeom prst="rect">
+            <a:avLst/>
+          </a:prstGeom>
+          <a:noFill/>
+        </p:spPr>
+        <p:txBody>
+          <a:bodyPr wrap="square" rtlCol="0">
+            <a:spAutoFit/>
+          </a:bodyPr>
+          <a:lstStyle/>
+          <a:p>
+            <a:r>
+              <a:rPr kumimoji="1" lang="en-US" altLang="ja-JP" sz="2800" dirty="0">
+                <a:latin typeface="HGS明朝E" panose="02020900000000000000" pitchFamily="18" charset="-128"/>
+                <a:ea typeface="HGS明朝E" panose="02020900000000000000" pitchFamily="18" charset="-128"/>
+              </a:rPr>
+              <a:t>Chapter 2 : </a:t>
+            </a:r>
+            <a:r>
+              <a:rPr kumimoji="1" lang="ja-JP" altLang="en-US" sz="2800" dirty="0">
+                <a:latin typeface="HGS明朝E" panose="02020900000000000000" pitchFamily="18" charset="-128"/>
+                <a:ea typeface="HGS明朝E" panose="02020900000000000000" pitchFamily="18" charset="-128"/>
+              </a:rPr>
+              <a:t>システム概要</a:t>
+            </a:r>
+          </a:p>
+        </p:txBody>
+      </p:sp>
+      <p:sp>
+        <p:nvSpPr>
+          <p:cNvPr id="5" name="正方形/長方形 4">
+            <a:extLst>
+              <a:ext uri="{FF2B5EF4-FFF2-40B4-BE49-F238E27FC236}">
+                <a16:creationId xmlns:a16="http://schemas.microsoft.com/office/drawing/2014/main" id="{B4E866A2-4558-05E8-96C2-175577307A1C}"/>
+              </a:ext>
+            </a:extLst>
+          </p:cNvPr>
+          <p:cNvSpPr/>
+          <p:nvPr/>
+        </p:nvSpPr>
+        <p:spPr>
+          <a:xfrm>
+            <a:off x="9401915" y="1474417"/>
+            <a:ext cx="2459345" cy="1954584"/>
+          </a:xfrm>
+          <a:prstGeom prst="rect">
+            <a:avLst/>
+          </a:prstGeom>
+          <a:solidFill>
+            <a:schemeClr val="accent6">
+              <a:lumMod val="20000"/>
+              <a:lumOff val="80000"/>
+            </a:schemeClr>
+          </a:solidFill>
+          <a:ln w="38100">
+            <a:solidFill>
+              <a:schemeClr val="accent4">
+                <a:lumMod val="50000"/>
+              </a:schemeClr>
+            </a:solidFill>
+          </a:ln>
+        </p:spPr>
+        <p:style>
+          <a:lnRef idx="2">
+            <a:schemeClr val="accent1">
+              <a:shade val="15000"/>
+            </a:schemeClr>
+          </a:lnRef>
+          <a:fillRef idx="1">
+            <a:schemeClr val="accent1"/>
+          </a:fillRef>
+          <a:effectRef idx="0">
+            <a:schemeClr val="accent1"/>
+          </a:effectRef>
+          <a:fontRef idx="minor">
+            <a:schemeClr val="lt1"/>
+          </a:fontRef>
+        </p:style>
+        <p:txBody>
+          <a:bodyPr rtlCol="0" anchor="ctr"/>
+          <a:lstStyle/>
+          <a:p>
+            <a:pPr algn="ctr"/>
+            <a:endParaRPr kumimoji="1" lang="ja-JP" altLang="en-US"/>
+          </a:p>
+        </p:txBody>
+      </p:sp>
+      <p:pic>
+        <p:nvPicPr>
+          <p:cNvPr id="13" name="図 12" descr="おもちゃ, 時計, 記号 が含まれている画像&#10;&#10;AI によって生成されたコンテンツは間違っている可能性があります。">
+            <a:extLst>
+              <a:ext uri="{FF2B5EF4-FFF2-40B4-BE49-F238E27FC236}">
+                <a16:creationId xmlns:a16="http://schemas.microsoft.com/office/drawing/2014/main" id="{475DE8F3-70D5-E6F2-B1A1-EFB7AA486EC9}"/>
+              </a:ext>
+            </a:extLst>
+          </p:cNvPr>
+          <p:cNvPicPr>
+            <a:picLocks noChangeAspect="1"/>
+          </p:cNvPicPr>
+          <p:nvPr/>
+        </p:nvPicPr>
+        <p:blipFill>
+          <a:blip r:embed="rId4">
+            <a:extLst>
+              <a:ext uri="{28A0092B-C50C-407E-A947-70E740481C1C}">
+                <a14:useLocalDpi xmlns:a14="http://schemas.microsoft.com/office/drawing/2010/main" val="0"/>
+              </a:ext>
+            </a:extLst>
+          </a:blip>
+          <a:stretch>
+            <a:fillRect/>
+          </a:stretch>
+        </p:blipFill>
+        <p:spPr>
+          <a:xfrm>
+            <a:off x="330740" y="2002478"/>
+            <a:ext cx="1042154" cy="1138966"/>
+          </a:xfrm>
+          <a:prstGeom prst="rect">
+            <a:avLst/>
+          </a:prstGeom>
+        </p:spPr>
+      </p:pic>
+      <p:pic>
+        <p:nvPicPr>
+          <p:cNvPr id="14" name="図 13">
+            <a:extLst>
+              <a:ext uri="{FF2B5EF4-FFF2-40B4-BE49-F238E27FC236}">
+                <a16:creationId xmlns:a16="http://schemas.microsoft.com/office/drawing/2014/main" id="{FE3B2FCC-E38A-8918-D1E3-5D5110491BB4}"/>
+              </a:ext>
+            </a:extLst>
+          </p:cNvPr>
+          <p:cNvPicPr>
+            <a:picLocks noChangeAspect="1"/>
+          </p:cNvPicPr>
+          <p:nvPr/>
+        </p:nvPicPr>
+        <p:blipFill>
+          <a:blip r:embed="rId5">
+            <a:extLst>
+              <a:ext uri="{28A0092B-C50C-407E-A947-70E740481C1C}">
+                <a14:useLocalDpi xmlns:a14="http://schemas.microsoft.com/office/drawing/2010/main" val="0"/>
+              </a:ext>
+            </a:extLst>
+          </a:blip>
+          <a:srcRect/>
+          <a:stretch/>
+        </p:blipFill>
+        <p:spPr>
+          <a:xfrm>
+            <a:off x="357819" y="4577804"/>
+            <a:ext cx="908325" cy="1138966"/>
+          </a:xfrm>
+          <a:prstGeom prst="rect">
+            <a:avLst/>
+          </a:prstGeom>
+        </p:spPr>
+      </p:pic>
+      <p:sp>
+        <p:nvSpPr>
+          <p:cNvPr id="20" name="テキスト ボックス 19">
+            <a:extLst>
+              <a:ext uri="{FF2B5EF4-FFF2-40B4-BE49-F238E27FC236}">
+                <a16:creationId xmlns:a16="http://schemas.microsoft.com/office/drawing/2014/main" id="{675D4030-8665-7EEF-292A-660FB4BF10E8}"/>
+              </a:ext>
+            </a:extLst>
+          </p:cNvPr>
+          <p:cNvSpPr txBox="1"/>
+          <p:nvPr/>
+        </p:nvSpPr>
+        <p:spPr>
+          <a:xfrm>
+            <a:off x="384900" y="3141444"/>
+            <a:ext cx="854165" cy="338554"/>
+          </a:xfrm>
+          <a:prstGeom prst="rect">
+            <a:avLst/>
+          </a:prstGeom>
+          <a:noFill/>
+        </p:spPr>
+        <p:txBody>
+          <a:bodyPr wrap="square" rtlCol="0">
+            <a:spAutoFit/>
+          </a:bodyPr>
+          <a:lstStyle/>
+          <a:p>
+            <a:pPr algn="ctr"/>
+            <a:r>
+              <a:rPr lang="ja-JP" altLang="en-US" sz="1600" dirty="0">
+                <a:latin typeface="HGS明朝E" panose="02020900000000000000" pitchFamily="18" charset="-128"/>
+                <a:ea typeface="HGS明朝E" panose="02020900000000000000" pitchFamily="18" charset="-128"/>
+              </a:rPr>
+              <a:t>管理者</a:t>
+            </a:r>
+            <a:endParaRPr lang="en-US" altLang="ja-JP" sz="1600" dirty="0">
+              <a:latin typeface="HGS明朝E" panose="02020900000000000000" pitchFamily="18" charset="-128"/>
+              <a:ea typeface="HGS明朝E" panose="02020900000000000000" pitchFamily="18" charset="-128"/>
+            </a:endParaRPr>
+          </a:p>
+        </p:txBody>
+      </p:sp>
+      <p:sp>
+        <p:nvSpPr>
+          <p:cNvPr id="22" name="テキスト ボックス 21">
+            <a:extLst>
+              <a:ext uri="{FF2B5EF4-FFF2-40B4-BE49-F238E27FC236}">
+                <a16:creationId xmlns:a16="http://schemas.microsoft.com/office/drawing/2014/main" id="{465894A0-3BF6-0C64-03AE-D6F5D786A1A6}"/>
+              </a:ext>
+            </a:extLst>
+          </p:cNvPr>
+          <p:cNvSpPr txBox="1"/>
+          <p:nvPr/>
+        </p:nvSpPr>
+        <p:spPr>
+          <a:xfrm>
+            <a:off x="384900" y="5716770"/>
+            <a:ext cx="854165" cy="338554"/>
+          </a:xfrm>
+          <a:prstGeom prst="rect">
+            <a:avLst/>
+          </a:prstGeom>
+          <a:noFill/>
+        </p:spPr>
+        <p:txBody>
+          <a:bodyPr wrap="square" rtlCol="0">
+            <a:spAutoFit/>
+          </a:bodyPr>
+          <a:lstStyle/>
+          <a:p>
+            <a:pPr algn="ctr"/>
+            <a:r>
+              <a:rPr lang="ja-JP" altLang="en-US" sz="1600" dirty="0">
+                <a:latin typeface="HGS明朝E" panose="02020900000000000000" pitchFamily="18" charset="-128"/>
+                <a:ea typeface="HGS明朝E" panose="02020900000000000000" pitchFamily="18" charset="-128"/>
+              </a:rPr>
+              <a:t>予約者</a:t>
+            </a:r>
+            <a:endParaRPr lang="en-US" altLang="ja-JP" sz="1600" dirty="0">
+              <a:latin typeface="HGS明朝E" panose="02020900000000000000" pitchFamily="18" charset="-128"/>
+              <a:ea typeface="HGS明朝E" panose="02020900000000000000" pitchFamily="18" charset="-128"/>
+            </a:endParaRPr>
+          </a:p>
+        </p:txBody>
+      </p:sp>
+      <p:sp>
+        <p:nvSpPr>
+          <p:cNvPr id="11" name="テキスト ボックス 10">
+            <a:extLst>
+              <a:ext uri="{FF2B5EF4-FFF2-40B4-BE49-F238E27FC236}">
+                <a16:creationId xmlns:a16="http://schemas.microsoft.com/office/drawing/2014/main" id="{1CACEF55-30E6-D437-1093-F4D8A84E32E6}"/>
+              </a:ext>
+            </a:extLst>
+          </p:cNvPr>
+          <p:cNvSpPr txBox="1"/>
+          <p:nvPr/>
+        </p:nvSpPr>
+        <p:spPr>
+          <a:xfrm>
+            <a:off x="2967545" y="3120497"/>
+            <a:ext cx="1153742" cy="338554"/>
+          </a:xfrm>
+          <a:prstGeom prst="rect">
+            <a:avLst/>
+          </a:prstGeom>
+          <a:noFill/>
+        </p:spPr>
+        <p:txBody>
+          <a:bodyPr wrap="square" rtlCol="0">
+            <a:spAutoFit/>
+          </a:bodyPr>
+          <a:lstStyle/>
+          <a:p>
+            <a:pPr algn="ctr"/>
+            <a:r>
+              <a:rPr lang="en-US" altLang="ja-JP" sz="1600" dirty="0">
+                <a:latin typeface="HGS明朝E" panose="02020900000000000000" pitchFamily="18" charset="-128"/>
+                <a:ea typeface="HGS明朝E" panose="02020900000000000000" pitchFamily="18" charset="-128"/>
+              </a:rPr>
+              <a:t>Controller</a:t>
+            </a:r>
+          </a:p>
+        </p:txBody>
+      </p:sp>
+      <p:sp>
+        <p:nvSpPr>
+          <p:cNvPr id="19" name="テキスト ボックス 18">
+            <a:extLst>
+              <a:ext uri="{FF2B5EF4-FFF2-40B4-BE49-F238E27FC236}">
+                <a16:creationId xmlns:a16="http://schemas.microsoft.com/office/drawing/2014/main" id="{4102EA15-2154-090C-9915-F19940A75E74}"/>
+              </a:ext>
+            </a:extLst>
+          </p:cNvPr>
+          <p:cNvSpPr txBox="1"/>
+          <p:nvPr/>
+        </p:nvSpPr>
+        <p:spPr>
+          <a:xfrm>
+            <a:off x="4382156" y="1135864"/>
+            <a:ext cx="2198014" cy="338554"/>
+          </a:xfrm>
+          <a:prstGeom prst="rect">
+            <a:avLst/>
+          </a:prstGeom>
+          <a:noFill/>
+        </p:spPr>
+        <p:txBody>
+          <a:bodyPr wrap="square" rtlCol="0">
+            <a:spAutoFit/>
+          </a:bodyPr>
+          <a:lstStyle/>
+          <a:p>
+            <a:pPr algn="ctr"/>
+            <a:r>
+              <a:rPr lang="en-US" altLang="ja-JP" sz="1600" dirty="0">
+                <a:latin typeface="HGS明朝E" panose="02020900000000000000" pitchFamily="18" charset="-128"/>
+                <a:ea typeface="HGS明朝E" panose="02020900000000000000" pitchFamily="18" charset="-128"/>
+              </a:rPr>
+              <a:t>Java(Spring boot)</a:t>
+            </a:r>
+          </a:p>
+        </p:txBody>
+      </p:sp>
+      <p:sp>
+        <p:nvSpPr>
+          <p:cNvPr id="29" name="テキスト ボックス 28">
+            <a:extLst>
+              <a:ext uri="{FF2B5EF4-FFF2-40B4-BE49-F238E27FC236}">
+                <a16:creationId xmlns:a16="http://schemas.microsoft.com/office/drawing/2014/main" id="{4C1399A0-5797-F0E8-9910-7F7BBF7CCC37}"/>
+              </a:ext>
+            </a:extLst>
+          </p:cNvPr>
+          <p:cNvSpPr txBox="1"/>
+          <p:nvPr/>
+        </p:nvSpPr>
+        <p:spPr>
+          <a:xfrm>
+            <a:off x="2967545" y="3583370"/>
+            <a:ext cx="1228515" cy="954107"/>
+          </a:xfrm>
+          <a:prstGeom prst="rect">
+            <a:avLst/>
+          </a:prstGeom>
+          <a:noFill/>
+        </p:spPr>
+        <p:txBody>
+          <a:bodyPr wrap="square" rtlCol="0">
+            <a:spAutoFit/>
+          </a:bodyPr>
+          <a:lstStyle/>
+          <a:p>
+            <a:pPr marL="171450" indent="-171450">
+              <a:buFont typeface="Arial" panose="020B0604020202020204" pitchFamily="34" charset="0"/>
+              <a:buChar char="•"/>
+            </a:pPr>
+            <a:r>
+              <a:rPr lang="en-US" altLang="ja-JP" sz="1400" dirty="0">
+                <a:latin typeface="HGS明朝E" panose="02020900000000000000" pitchFamily="18" charset="-128"/>
+                <a:ea typeface="HGS明朝E" panose="02020900000000000000" pitchFamily="18" charset="-128"/>
+              </a:rPr>
+              <a:t>Java</a:t>
+            </a:r>
+          </a:p>
+          <a:p>
+            <a:endParaRPr lang="en-US" altLang="ja-JP" sz="1400" dirty="0">
+              <a:latin typeface="HGS明朝E" panose="02020900000000000000" pitchFamily="18" charset="-128"/>
+              <a:ea typeface="HGS明朝E" panose="02020900000000000000" pitchFamily="18" charset="-128"/>
+            </a:endParaRPr>
+          </a:p>
+          <a:p>
+            <a:r>
+              <a:rPr lang="ja-JP" altLang="en-US" sz="1400" dirty="0">
+                <a:latin typeface="HGS明朝E" panose="02020900000000000000" pitchFamily="18" charset="-128"/>
+                <a:ea typeface="HGS明朝E" panose="02020900000000000000" pitchFamily="18" charset="-128"/>
+              </a:rPr>
+              <a:t>クラス</a:t>
+            </a:r>
+            <a:endParaRPr lang="en-US" altLang="ja-JP" sz="1400" dirty="0">
+              <a:latin typeface="HGS明朝E" panose="02020900000000000000" pitchFamily="18" charset="-128"/>
+              <a:ea typeface="HGS明朝E" panose="02020900000000000000" pitchFamily="18" charset="-128"/>
+            </a:endParaRPr>
+          </a:p>
+          <a:p>
+            <a:pPr marL="171450" indent="-171450">
+              <a:buFont typeface="Arial" panose="020B0604020202020204" pitchFamily="34" charset="0"/>
+              <a:buChar char="•"/>
+            </a:pPr>
+            <a:r>
+              <a:rPr lang="en-US" altLang="ja-JP" sz="1400" dirty="0">
+                <a:latin typeface="HGS明朝E" panose="02020900000000000000" pitchFamily="18" charset="-128"/>
+                <a:ea typeface="HGS明朝E" panose="02020900000000000000" pitchFamily="18" charset="-128"/>
+              </a:rPr>
+              <a:t>Controller</a:t>
+            </a:r>
+          </a:p>
+        </p:txBody>
+      </p:sp>
+      <p:pic>
+        <p:nvPicPr>
+          <p:cNvPr id="32" name="図 31" descr="図形">
+            <a:extLst>
+              <a:ext uri="{FF2B5EF4-FFF2-40B4-BE49-F238E27FC236}">
+                <a16:creationId xmlns:a16="http://schemas.microsoft.com/office/drawing/2014/main" id="{BBF8C84F-BB47-0377-5452-B898B1F25950}"/>
+              </a:ext>
+            </a:extLst>
+          </p:cNvPr>
+          <p:cNvPicPr>
+            <a:picLocks noChangeAspect="1"/>
+          </p:cNvPicPr>
+          <p:nvPr/>
+        </p:nvPicPr>
+        <p:blipFill>
+          <a:blip r:embed="rId6">
+            <a:extLst>
+              <a:ext uri="{28A0092B-C50C-407E-A947-70E740481C1C}">
+                <a14:useLocalDpi xmlns:a14="http://schemas.microsoft.com/office/drawing/2010/main" val="0"/>
+              </a:ext>
+              <a:ext uri="{837473B0-CC2E-450A-ABE3-18F120FF3D39}">
+                <a1611:picAttrSrcUrl xmlns:a1611="http://schemas.microsoft.com/office/drawing/2016/11/main" r:id="rId7"/>
+              </a:ext>
+            </a:extLst>
+          </a:blip>
+          <a:stretch>
+            <a:fillRect/>
+          </a:stretch>
+        </p:blipFill>
+        <p:spPr>
+          <a:xfrm>
+            <a:off x="9096149" y="1135864"/>
+            <a:ext cx="637217" cy="637217"/>
+          </a:xfrm>
+          <a:prstGeom prst="rect">
+            <a:avLst/>
+          </a:prstGeom>
+        </p:spPr>
+      </p:pic>
+      <p:pic>
+        <p:nvPicPr>
+          <p:cNvPr id="35" name="図 34" descr="アイコン&#10;&#10;AI によって生成されたコンテンツは間違っている可能性があります。">
+            <a:extLst>
+              <a:ext uri="{FF2B5EF4-FFF2-40B4-BE49-F238E27FC236}">
+                <a16:creationId xmlns:a16="http://schemas.microsoft.com/office/drawing/2014/main" id="{BD02EC60-E89C-A6F7-DCAC-615E625496F6}"/>
+              </a:ext>
+            </a:extLst>
+          </p:cNvPr>
+          <p:cNvPicPr>
+            <a:picLocks noChangeAspect="1"/>
+          </p:cNvPicPr>
+          <p:nvPr/>
+        </p:nvPicPr>
+        <p:blipFill>
+          <a:blip r:embed="rId8">
+            <a:extLst>
+              <a:ext uri="{28A0092B-C50C-407E-A947-70E740481C1C}">
+                <a14:useLocalDpi xmlns:a14="http://schemas.microsoft.com/office/drawing/2010/main" val="0"/>
+              </a:ext>
+              <a:ext uri="{837473B0-CC2E-450A-ABE3-18F120FF3D39}">
+                <a1611:picAttrSrcUrl xmlns:a1611="http://schemas.microsoft.com/office/drawing/2016/11/main" r:id="rId9"/>
+              </a:ext>
+            </a:extLst>
+          </a:blip>
+          <a:stretch>
+            <a:fillRect/>
+          </a:stretch>
+        </p:blipFill>
+        <p:spPr>
+          <a:xfrm>
+            <a:off x="2264355" y="1225898"/>
+            <a:ext cx="738664" cy="738664"/>
+          </a:xfrm>
+          <a:prstGeom prst="rect">
+            <a:avLst/>
+          </a:prstGeom>
+        </p:spPr>
+      </p:pic>
+      <p:sp>
+        <p:nvSpPr>
+          <p:cNvPr id="37" name="テキスト ボックス 36">
+            <a:extLst>
+              <a:ext uri="{FF2B5EF4-FFF2-40B4-BE49-F238E27FC236}">
+                <a16:creationId xmlns:a16="http://schemas.microsoft.com/office/drawing/2014/main" id="{84BA08EA-46CC-6565-8927-36682E977FE5}"/>
+              </a:ext>
+            </a:extLst>
+          </p:cNvPr>
+          <p:cNvSpPr txBox="1"/>
+          <p:nvPr/>
+        </p:nvSpPr>
+        <p:spPr>
+          <a:xfrm>
+            <a:off x="9532580" y="1115467"/>
+            <a:ext cx="2198014" cy="338554"/>
+          </a:xfrm>
+          <a:prstGeom prst="rect">
+            <a:avLst/>
+          </a:prstGeom>
+          <a:noFill/>
+        </p:spPr>
+        <p:txBody>
+          <a:bodyPr wrap="square" rtlCol="0">
+            <a:spAutoFit/>
+          </a:bodyPr>
+          <a:lstStyle/>
+          <a:p>
+            <a:pPr algn="ctr"/>
+            <a:r>
+              <a:rPr lang="en-US" altLang="ja-JP" sz="1600" dirty="0">
+                <a:latin typeface="HGS明朝E" panose="02020900000000000000" pitchFamily="18" charset="-128"/>
+                <a:ea typeface="HGS明朝E" panose="02020900000000000000" pitchFamily="18" charset="-128"/>
+              </a:rPr>
+              <a:t>DB(MySQL)</a:t>
+            </a:r>
+          </a:p>
+        </p:txBody>
+      </p:sp>
+      <p:sp>
+        <p:nvSpPr>
+          <p:cNvPr id="40" name="テキスト ボックス 39">
+            <a:extLst>
+              <a:ext uri="{FF2B5EF4-FFF2-40B4-BE49-F238E27FC236}">
+                <a16:creationId xmlns:a16="http://schemas.microsoft.com/office/drawing/2014/main" id="{6E8283B5-4855-4767-20AD-9FDA173D655F}"/>
+              </a:ext>
+            </a:extLst>
+          </p:cNvPr>
+          <p:cNvSpPr txBox="1"/>
+          <p:nvPr/>
+        </p:nvSpPr>
+        <p:spPr>
+          <a:xfrm rot="1654270">
+            <a:off x="1606842" y="2513757"/>
+            <a:ext cx="1367200" cy="276999"/>
+          </a:xfrm>
+          <a:prstGeom prst="rect">
+            <a:avLst/>
+          </a:prstGeom>
+          <a:noFill/>
+        </p:spPr>
+        <p:txBody>
+          <a:bodyPr wrap="square" rtlCol="0">
+            <a:spAutoFit/>
+          </a:bodyPr>
+          <a:lstStyle/>
+          <a:p>
+            <a:r>
+              <a:rPr lang="ja-JP" altLang="en-US" sz="1200" dirty="0">
+                <a:latin typeface="HGS明朝E" panose="02020900000000000000" pitchFamily="18" charset="-128"/>
+                <a:ea typeface="HGS明朝E" panose="02020900000000000000" pitchFamily="18" charset="-128"/>
+              </a:rPr>
+              <a:t>リクエスト</a:t>
+            </a:r>
+            <a:endParaRPr lang="en-US" altLang="ja-JP" sz="1200" dirty="0">
+              <a:latin typeface="HGS明朝E" panose="02020900000000000000" pitchFamily="18" charset="-128"/>
+              <a:ea typeface="HGS明朝E" panose="02020900000000000000" pitchFamily="18" charset="-128"/>
+            </a:endParaRPr>
+          </a:p>
+        </p:txBody>
+      </p:sp>
+      <p:sp>
+        <p:nvSpPr>
+          <p:cNvPr id="41" name="テキスト ボックス 40">
+            <a:extLst>
+              <a:ext uri="{FF2B5EF4-FFF2-40B4-BE49-F238E27FC236}">
+                <a16:creationId xmlns:a16="http://schemas.microsoft.com/office/drawing/2014/main" id="{45D88747-18FC-3F2E-B5B8-510C4CE22EC3}"/>
+              </a:ext>
+            </a:extLst>
+          </p:cNvPr>
+          <p:cNvSpPr txBox="1"/>
+          <p:nvPr/>
+        </p:nvSpPr>
+        <p:spPr>
+          <a:xfrm rot="1737503">
+            <a:off x="1548256" y="2992917"/>
+            <a:ext cx="1042154" cy="276999"/>
+          </a:xfrm>
+          <a:prstGeom prst="rect">
+            <a:avLst/>
+          </a:prstGeom>
+          <a:noFill/>
+        </p:spPr>
+        <p:txBody>
+          <a:bodyPr wrap="square" rtlCol="0">
+            <a:spAutoFit/>
+          </a:bodyPr>
+          <a:lstStyle/>
+          <a:p>
+            <a:pPr algn="r"/>
+            <a:r>
+              <a:rPr lang="ja-JP" altLang="en-US" sz="1200" dirty="0">
+                <a:latin typeface="HGS明朝E" panose="02020900000000000000" pitchFamily="18" charset="-128"/>
+                <a:ea typeface="HGS明朝E" panose="02020900000000000000" pitchFamily="18" charset="-128"/>
+              </a:rPr>
+              <a:t>レスポンス</a:t>
+            </a:r>
+            <a:endParaRPr lang="en-US" altLang="ja-JP" sz="1200" dirty="0">
+              <a:latin typeface="HGS明朝E" panose="02020900000000000000" pitchFamily="18" charset="-128"/>
+              <a:ea typeface="HGS明朝E" panose="02020900000000000000" pitchFamily="18" charset="-128"/>
+            </a:endParaRPr>
+          </a:p>
+        </p:txBody>
+      </p:sp>
+      <p:sp>
+        <p:nvSpPr>
+          <p:cNvPr id="56" name="矢印: 右 55">
+            <a:extLst>
+              <a:ext uri="{FF2B5EF4-FFF2-40B4-BE49-F238E27FC236}">
+                <a16:creationId xmlns:a16="http://schemas.microsoft.com/office/drawing/2014/main" id="{C9E4B77D-2861-2736-D746-92D81F621262}"/>
+              </a:ext>
+            </a:extLst>
+          </p:cNvPr>
+          <p:cNvSpPr/>
+          <p:nvPr/>
+        </p:nvSpPr>
+        <p:spPr>
+          <a:xfrm rot="1709345">
+            <a:off x="1343789" y="2684352"/>
+            <a:ext cx="1541328" cy="185721"/>
+          </a:xfrm>
+          <a:prstGeom prst="rightArrow">
+            <a:avLst/>
+          </a:prstGeom>
+        </p:spPr>
+        <p:style>
+          <a:lnRef idx="2">
+            <a:schemeClr val="accent1">
+              <a:shade val="15000"/>
+            </a:schemeClr>
+          </a:lnRef>
+          <a:fillRef idx="1">
+            <a:schemeClr val="accent1"/>
+          </a:fillRef>
+          <a:effectRef idx="0">
+            <a:schemeClr val="accent1"/>
+          </a:effectRef>
+          <a:fontRef idx="minor">
+            <a:schemeClr val="lt1"/>
+          </a:fontRef>
+        </p:style>
+        <p:txBody>
+          <a:bodyPr rtlCol="0" anchor="ctr"/>
+          <a:lstStyle/>
+          <a:p>
+            <a:pPr algn="ctr"/>
+            <a:endParaRPr kumimoji="1" lang="ja-JP" altLang="en-US"/>
+          </a:p>
+        </p:txBody>
+      </p:sp>
+      <p:sp>
+        <p:nvSpPr>
+          <p:cNvPr id="57" name="矢印: 右 56">
+            <a:extLst>
+              <a:ext uri="{FF2B5EF4-FFF2-40B4-BE49-F238E27FC236}">
+                <a16:creationId xmlns:a16="http://schemas.microsoft.com/office/drawing/2014/main" id="{1FBDD7EA-DFF9-3E5C-1B95-771A23F44D17}"/>
+              </a:ext>
+            </a:extLst>
+          </p:cNvPr>
+          <p:cNvSpPr/>
+          <p:nvPr/>
+        </p:nvSpPr>
+        <p:spPr>
+          <a:xfrm rot="12463811">
+            <a:off x="1339841" y="3249702"/>
+            <a:ext cx="1541328" cy="185721"/>
+          </a:xfrm>
+          <a:prstGeom prst="rightArrow">
+            <a:avLst/>
+          </a:prstGeom>
+        </p:spPr>
+        <p:style>
+          <a:lnRef idx="2">
+            <a:schemeClr val="accent1">
+              <a:shade val="15000"/>
+            </a:schemeClr>
+          </a:lnRef>
+          <a:fillRef idx="1">
+            <a:schemeClr val="accent1"/>
+          </a:fillRef>
+          <a:effectRef idx="0">
+            <a:schemeClr val="accent1"/>
+          </a:effectRef>
+          <a:fontRef idx="minor">
+            <a:schemeClr val="lt1"/>
+          </a:fontRef>
+        </p:style>
+        <p:txBody>
+          <a:bodyPr rtlCol="0" anchor="ctr"/>
+          <a:lstStyle/>
+          <a:p>
+            <a:pPr algn="ctr"/>
+            <a:endParaRPr kumimoji="1" lang="ja-JP" altLang="en-US"/>
+          </a:p>
+        </p:txBody>
+      </p:sp>
+      <p:sp>
+        <p:nvSpPr>
+          <p:cNvPr id="58" name="テキスト ボックス 57">
+            <a:extLst>
+              <a:ext uri="{FF2B5EF4-FFF2-40B4-BE49-F238E27FC236}">
+                <a16:creationId xmlns:a16="http://schemas.microsoft.com/office/drawing/2014/main" id="{0D367B5E-4B1B-0561-C1D4-CEC868D095FE}"/>
+              </a:ext>
+            </a:extLst>
+          </p:cNvPr>
+          <p:cNvSpPr txBox="1"/>
+          <p:nvPr/>
+        </p:nvSpPr>
+        <p:spPr>
+          <a:xfrm rot="19584061">
+            <a:off x="1554732" y="4003871"/>
+            <a:ext cx="1367200" cy="276999"/>
+          </a:xfrm>
+          <a:prstGeom prst="rect">
+            <a:avLst/>
+          </a:prstGeom>
+          <a:noFill/>
+        </p:spPr>
+        <p:txBody>
+          <a:bodyPr wrap="square" rtlCol="0">
+            <a:spAutoFit/>
+          </a:bodyPr>
+          <a:lstStyle/>
+          <a:p>
+            <a:r>
+              <a:rPr lang="ja-JP" altLang="en-US" sz="1200" dirty="0">
+                <a:latin typeface="HGS明朝E" panose="02020900000000000000" pitchFamily="18" charset="-128"/>
+                <a:ea typeface="HGS明朝E" panose="02020900000000000000" pitchFamily="18" charset="-128"/>
+              </a:rPr>
+              <a:t>リクエスト</a:t>
+            </a:r>
+            <a:endParaRPr lang="en-US" altLang="ja-JP" sz="1200" dirty="0">
+              <a:latin typeface="HGS明朝E" panose="02020900000000000000" pitchFamily="18" charset="-128"/>
+              <a:ea typeface="HGS明朝E" panose="02020900000000000000" pitchFamily="18" charset="-128"/>
+            </a:endParaRPr>
+          </a:p>
+        </p:txBody>
+      </p:sp>
+      <p:sp>
+        <p:nvSpPr>
+          <p:cNvPr id="59" name="テキスト ボックス 58">
+            <a:extLst>
+              <a:ext uri="{FF2B5EF4-FFF2-40B4-BE49-F238E27FC236}">
+                <a16:creationId xmlns:a16="http://schemas.microsoft.com/office/drawing/2014/main" id="{DBA963BC-C9F0-EED1-21A0-68B96A53270A}"/>
+              </a:ext>
+            </a:extLst>
+          </p:cNvPr>
+          <p:cNvSpPr txBox="1"/>
+          <p:nvPr/>
+        </p:nvSpPr>
+        <p:spPr>
+          <a:xfrm rot="19667294">
+            <a:off x="1547746" y="4693401"/>
+            <a:ext cx="1042154" cy="276999"/>
+          </a:xfrm>
+          <a:prstGeom prst="rect">
+            <a:avLst/>
+          </a:prstGeom>
+          <a:noFill/>
+        </p:spPr>
+        <p:txBody>
+          <a:bodyPr wrap="square" rtlCol="0">
+            <a:spAutoFit/>
+          </a:bodyPr>
+          <a:lstStyle/>
+          <a:p>
+            <a:pPr algn="r"/>
+            <a:r>
+              <a:rPr lang="ja-JP" altLang="en-US" sz="1200" dirty="0">
+                <a:latin typeface="HGS明朝E" panose="02020900000000000000" pitchFamily="18" charset="-128"/>
+                <a:ea typeface="HGS明朝E" panose="02020900000000000000" pitchFamily="18" charset="-128"/>
+              </a:rPr>
+              <a:t>レスポンス</a:t>
+            </a:r>
+            <a:endParaRPr lang="en-US" altLang="ja-JP" sz="1200" dirty="0">
+              <a:latin typeface="HGS明朝E" panose="02020900000000000000" pitchFamily="18" charset="-128"/>
+              <a:ea typeface="HGS明朝E" panose="02020900000000000000" pitchFamily="18" charset="-128"/>
+            </a:endParaRPr>
+          </a:p>
+        </p:txBody>
+      </p:sp>
+      <p:sp>
+        <p:nvSpPr>
+          <p:cNvPr id="60" name="矢印: 右 59">
+            <a:extLst>
+              <a:ext uri="{FF2B5EF4-FFF2-40B4-BE49-F238E27FC236}">
+                <a16:creationId xmlns:a16="http://schemas.microsoft.com/office/drawing/2014/main" id="{A82F194B-5136-5199-5392-EA67393A86AC}"/>
+              </a:ext>
+            </a:extLst>
+          </p:cNvPr>
+          <p:cNvSpPr/>
+          <p:nvPr/>
+        </p:nvSpPr>
+        <p:spPr>
+          <a:xfrm rot="19639136">
+            <a:off x="1343279" y="4384836"/>
+            <a:ext cx="1541328" cy="185721"/>
+          </a:xfrm>
+          <a:prstGeom prst="rightArrow">
+            <a:avLst/>
+          </a:prstGeom>
+        </p:spPr>
+        <p:style>
+          <a:lnRef idx="2">
+            <a:schemeClr val="accent1">
+              <a:shade val="15000"/>
+            </a:schemeClr>
+          </a:lnRef>
+          <a:fillRef idx="1">
+            <a:schemeClr val="accent1"/>
+          </a:fillRef>
+          <a:effectRef idx="0">
+            <a:schemeClr val="accent1"/>
+          </a:effectRef>
+          <a:fontRef idx="minor">
+            <a:schemeClr val="lt1"/>
+          </a:fontRef>
+        </p:style>
+        <p:txBody>
+          <a:bodyPr rtlCol="0" anchor="ctr"/>
+          <a:lstStyle/>
+          <a:p>
+            <a:pPr algn="ctr"/>
+            <a:endParaRPr kumimoji="1" lang="ja-JP" altLang="en-US"/>
+          </a:p>
+        </p:txBody>
+      </p:sp>
+      <p:sp>
+        <p:nvSpPr>
+          <p:cNvPr id="61" name="矢印: 右 60">
+            <a:extLst>
+              <a:ext uri="{FF2B5EF4-FFF2-40B4-BE49-F238E27FC236}">
+                <a16:creationId xmlns:a16="http://schemas.microsoft.com/office/drawing/2014/main" id="{E5E1C634-29D7-1500-2933-612AB0819942}"/>
+              </a:ext>
+            </a:extLst>
+          </p:cNvPr>
+          <p:cNvSpPr/>
+          <p:nvPr/>
+        </p:nvSpPr>
+        <p:spPr>
+          <a:xfrm rot="8793602">
+            <a:off x="1339331" y="4950186"/>
+            <a:ext cx="1541328" cy="185721"/>
+          </a:xfrm>
+          <a:prstGeom prst="rightArrow">
+            <a:avLst/>
+          </a:prstGeom>
+        </p:spPr>
+        <p:style>
+          <a:lnRef idx="2">
+            <a:schemeClr val="accent1">
+              <a:shade val="15000"/>
+            </a:schemeClr>
+          </a:lnRef>
+          <a:fillRef idx="1">
+            <a:schemeClr val="accent1"/>
+          </a:fillRef>
+          <a:effectRef idx="0">
+            <a:schemeClr val="accent1"/>
+          </a:effectRef>
+          <a:fontRef idx="minor">
+            <a:schemeClr val="lt1"/>
+          </a:fontRef>
+        </p:style>
+        <p:txBody>
+          <a:bodyPr rtlCol="0" anchor="ctr"/>
+          <a:lstStyle/>
+          <a:p>
+            <a:pPr algn="ctr"/>
+            <a:endParaRPr kumimoji="1" lang="ja-JP" altLang="en-US"/>
+          </a:p>
+        </p:txBody>
+      </p:sp>
+      <p:sp>
+        <p:nvSpPr>
+          <p:cNvPr id="62" name="正方形/長方形 61">
+            <a:extLst>
+              <a:ext uri="{FF2B5EF4-FFF2-40B4-BE49-F238E27FC236}">
+                <a16:creationId xmlns:a16="http://schemas.microsoft.com/office/drawing/2014/main" id="{7E2B15BC-C407-75C6-695D-CF3AEFEC91F0}"/>
+              </a:ext>
+            </a:extLst>
+          </p:cNvPr>
+          <p:cNvSpPr/>
+          <p:nvPr/>
+        </p:nvSpPr>
+        <p:spPr>
+          <a:xfrm>
+            <a:off x="5617446" y="4619452"/>
+            <a:ext cx="1342190" cy="1550767"/>
+          </a:xfrm>
+          <a:prstGeom prst="rect">
+            <a:avLst/>
+          </a:prstGeom>
+          <a:solidFill>
+            <a:schemeClr val="bg1"/>
+          </a:solidFill>
+          <a:ln w="38100">
+            <a:solidFill>
+              <a:schemeClr val="accent4">
+                <a:lumMod val="50000"/>
+              </a:schemeClr>
+            </a:solidFill>
+          </a:ln>
+        </p:spPr>
+        <p:style>
+          <a:lnRef idx="2">
+            <a:schemeClr val="accent1">
+              <a:shade val="15000"/>
+            </a:schemeClr>
+          </a:lnRef>
+          <a:fillRef idx="1">
+            <a:schemeClr val="accent1"/>
+          </a:fillRef>
+          <a:effectRef idx="0">
+            <a:schemeClr val="accent1"/>
+          </a:effectRef>
+          <a:fontRef idx="minor">
+            <a:schemeClr val="lt1"/>
+          </a:fontRef>
+        </p:style>
+        <p:txBody>
+          <a:bodyPr rtlCol="0" anchor="ctr"/>
+          <a:lstStyle/>
+          <a:p>
+            <a:pPr algn="ctr"/>
+            <a:endParaRPr kumimoji="1" lang="ja-JP" altLang="en-US"/>
+          </a:p>
+        </p:txBody>
+      </p:sp>
+      <p:sp>
+        <p:nvSpPr>
+          <p:cNvPr id="63" name="テキスト ボックス 62">
+            <a:extLst>
+              <a:ext uri="{FF2B5EF4-FFF2-40B4-BE49-F238E27FC236}">
+                <a16:creationId xmlns:a16="http://schemas.microsoft.com/office/drawing/2014/main" id="{3D0FB264-2D69-0BC9-D0E2-AFE5C90D5108}"/>
+              </a:ext>
+            </a:extLst>
+          </p:cNvPr>
+          <p:cNvSpPr txBox="1"/>
+          <p:nvPr/>
+        </p:nvSpPr>
+        <p:spPr>
+          <a:xfrm>
+            <a:off x="5677279" y="4671264"/>
+            <a:ext cx="1153742" cy="338554"/>
+          </a:xfrm>
+          <a:prstGeom prst="rect">
+            <a:avLst/>
+          </a:prstGeom>
+          <a:noFill/>
+        </p:spPr>
+        <p:txBody>
+          <a:bodyPr wrap="square" rtlCol="0">
+            <a:spAutoFit/>
+          </a:bodyPr>
+          <a:lstStyle/>
+          <a:p>
+            <a:pPr algn="ctr"/>
+            <a:r>
+              <a:rPr lang="en-US" altLang="ja-JP" sz="1600" dirty="0">
+                <a:latin typeface="HGS明朝E" panose="02020900000000000000" pitchFamily="18" charset="-128"/>
+                <a:ea typeface="HGS明朝E" panose="02020900000000000000" pitchFamily="18" charset="-128"/>
+              </a:rPr>
+              <a:t>View</a:t>
+            </a:r>
+          </a:p>
+        </p:txBody>
+      </p:sp>
+      <p:sp>
+        <p:nvSpPr>
+          <p:cNvPr id="64" name="テキスト ボックス 63">
+            <a:extLst>
+              <a:ext uri="{FF2B5EF4-FFF2-40B4-BE49-F238E27FC236}">
+                <a16:creationId xmlns:a16="http://schemas.microsoft.com/office/drawing/2014/main" id="{DA720501-E87F-404F-3298-05A82ACA572B}"/>
+              </a:ext>
+            </a:extLst>
+          </p:cNvPr>
+          <p:cNvSpPr txBox="1"/>
+          <p:nvPr/>
+        </p:nvSpPr>
+        <p:spPr>
+          <a:xfrm>
+            <a:off x="5677279" y="5134137"/>
+            <a:ext cx="1228515" cy="738664"/>
+          </a:xfrm>
+          <a:prstGeom prst="rect">
+            <a:avLst/>
+          </a:prstGeom>
+          <a:noFill/>
+        </p:spPr>
+        <p:txBody>
+          <a:bodyPr wrap="square" rtlCol="0">
+            <a:spAutoFit/>
+          </a:bodyPr>
+          <a:lstStyle/>
+          <a:p>
+            <a:pPr marL="171450" indent="-171450">
+              <a:buFont typeface="Arial" panose="020B0604020202020204" pitchFamily="34" charset="0"/>
+              <a:buChar char="•"/>
+            </a:pPr>
+            <a:r>
+              <a:rPr lang="en-US" altLang="ja-JP" sz="1400" dirty="0">
+                <a:latin typeface="HGS明朝E" panose="02020900000000000000" pitchFamily="18" charset="-128"/>
+                <a:ea typeface="HGS明朝E" panose="02020900000000000000" pitchFamily="18" charset="-128"/>
+              </a:rPr>
+              <a:t>html</a:t>
+            </a:r>
+          </a:p>
+          <a:p>
+            <a:pPr marL="171450" indent="-171450">
+              <a:buFont typeface="Arial" panose="020B0604020202020204" pitchFamily="34" charset="0"/>
+              <a:buChar char="•"/>
+            </a:pPr>
+            <a:r>
+              <a:rPr lang="en-US" altLang="ja-JP" sz="1400" dirty="0" err="1">
+                <a:latin typeface="HGS明朝E" panose="02020900000000000000" pitchFamily="18" charset="-128"/>
+                <a:ea typeface="HGS明朝E" panose="02020900000000000000" pitchFamily="18" charset="-128"/>
+              </a:rPr>
+              <a:t>css</a:t>
+            </a:r>
+            <a:endParaRPr lang="en-US" altLang="ja-JP" sz="1400" dirty="0">
+              <a:latin typeface="HGS明朝E" panose="02020900000000000000" pitchFamily="18" charset="-128"/>
+              <a:ea typeface="HGS明朝E" panose="02020900000000000000" pitchFamily="18" charset="-128"/>
+            </a:endParaRPr>
+          </a:p>
+          <a:p>
+            <a:pPr marL="171450" indent="-171450">
+              <a:buFont typeface="Arial" panose="020B0604020202020204" pitchFamily="34" charset="0"/>
+              <a:buChar char="•"/>
+            </a:pPr>
+            <a:r>
+              <a:rPr lang="en-US" altLang="ja-JP" sz="1400" dirty="0" err="1">
+                <a:latin typeface="HGS明朝E" panose="02020900000000000000" pitchFamily="18" charset="-128"/>
+                <a:ea typeface="HGS明朝E" panose="02020900000000000000" pitchFamily="18" charset="-128"/>
+              </a:rPr>
+              <a:t>javascript</a:t>
+            </a:r>
+            <a:endParaRPr lang="en-US" altLang="ja-JP" sz="1400" dirty="0">
+              <a:latin typeface="HGS明朝E" panose="02020900000000000000" pitchFamily="18" charset="-128"/>
+              <a:ea typeface="HGS明朝E" panose="02020900000000000000" pitchFamily="18" charset="-128"/>
+            </a:endParaRPr>
+          </a:p>
+        </p:txBody>
+      </p:sp>
+      <p:sp>
+        <p:nvSpPr>
+          <p:cNvPr id="65" name="正方形/長方形 64">
+            <a:extLst>
+              <a:ext uri="{FF2B5EF4-FFF2-40B4-BE49-F238E27FC236}">
+                <a16:creationId xmlns:a16="http://schemas.microsoft.com/office/drawing/2014/main" id="{A25C5529-20EB-4504-99B1-320D803EF59A}"/>
+              </a:ext>
+            </a:extLst>
+          </p:cNvPr>
+          <p:cNvSpPr/>
+          <p:nvPr/>
+        </p:nvSpPr>
+        <p:spPr>
+          <a:xfrm>
+            <a:off x="5616219" y="1675662"/>
+            <a:ext cx="1342190" cy="1550767"/>
+          </a:xfrm>
+          <a:prstGeom prst="rect">
+            <a:avLst/>
+          </a:prstGeom>
+          <a:solidFill>
+            <a:schemeClr val="bg1"/>
+          </a:solidFill>
+          <a:ln w="38100">
+            <a:solidFill>
+              <a:schemeClr val="accent4">
+                <a:lumMod val="50000"/>
+              </a:schemeClr>
+            </a:solidFill>
+          </a:ln>
+        </p:spPr>
+        <p:style>
+          <a:lnRef idx="2">
+            <a:schemeClr val="accent1">
+              <a:shade val="15000"/>
+            </a:schemeClr>
+          </a:lnRef>
+          <a:fillRef idx="1">
+            <a:schemeClr val="accent1"/>
+          </a:fillRef>
+          <a:effectRef idx="0">
+            <a:schemeClr val="accent1"/>
+          </a:effectRef>
+          <a:fontRef idx="minor">
+            <a:schemeClr val="lt1"/>
+          </a:fontRef>
+        </p:style>
+        <p:txBody>
+          <a:bodyPr rtlCol="0" anchor="ctr"/>
+          <a:lstStyle/>
+          <a:p>
+            <a:pPr algn="ctr"/>
+            <a:endParaRPr kumimoji="1" lang="ja-JP" altLang="en-US"/>
+          </a:p>
+        </p:txBody>
+      </p:sp>
+      <p:sp>
+        <p:nvSpPr>
+          <p:cNvPr id="66" name="テキスト ボックス 65">
+            <a:extLst>
+              <a:ext uri="{FF2B5EF4-FFF2-40B4-BE49-F238E27FC236}">
+                <a16:creationId xmlns:a16="http://schemas.microsoft.com/office/drawing/2014/main" id="{D88C1D97-09C4-A70B-9A9E-187C5033D6E2}"/>
+              </a:ext>
+            </a:extLst>
+          </p:cNvPr>
+          <p:cNvSpPr txBox="1"/>
+          <p:nvPr/>
+        </p:nvSpPr>
+        <p:spPr>
+          <a:xfrm>
+            <a:off x="5676052" y="1727474"/>
+            <a:ext cx="1153742" cy="338554"/>
+          </a:xfrm>
+          <a:prstGeom prst="rect">
+            <a:avLst/>
+          </a:prstGeom>
+          <a:noFill/>
+        </p:spPr>
+        <p:txBody>
+          <a:bodyPr wrap="square" rtlCol="0">
+            <a:spAutoFit/>
+          </a:bodyPr>
+          <a:lstStyle/>
+          <a:p>
+            <a:pPr algn="ctr"/>
+            <a:r>
+              <a:rPr lang="en-US" altLang="ja-JP" sz="1600" dirty="0">
+                <a:latin typeface="HGS明朝E" panose="02020900000000000000" pitchFamily="18" charset="-128"/>
+                <a:ea typeface="HGS明朝E" panose="02020900000000000000" pitchFamily="18" charset="-128"/>
+              </a:rPr>
+              <a:t>Model</a:t>
+            </a:r>
+          </a:p>
+        </p:txBody>
+      </p:sp>
+      <p:sp>
+        <p:nvSpPr>
+          <p:cNvPr id="67" name="テキスト ボックス 66">
+            <a:extLst>
+              <a:ext uri="{FF2B5EF4-FFF2-40B4-BE49-F238E27FC236}">
+                <a16:creationId xmlns:a16="http://schemas.microsoft.com/office/drawing/2014/main" id="{6A6DBC19-C5DF-C671-E38E-749E81646FBB}"/>
+              </a:ext>
+            </a:extLst>
+          </p:cNvPr>
+          <p:cNvSpPr txBox="1"/>
+          <p:nvPr/>
+        </p:nvSpPr>
+        <p:spPr>
+          <a:xfrm>
+            <a:off x="5676052" y="2190347"/>
+            <a:ext cx="1228515" cy="954107"/>
+          </a:xfrm>
+          <a:prstGeom prst="rect">
+            <a:avLst/>
+          </a:prstGeom>
+          <a:noFill/>
+        </p:spPr>
+        <p:txBody>
+          <a:bodyPr wrap="square" rtlCol="0">
+            <a:spAutoFit/>
+          </a:bodyPr>
+          <a:lstStyle/>
+          <a:p>
+            <a:pPr marL="171450" indent="-171450">
+              <a:buFont typeface="Arial" panose="020B0604020202020204" pitchFamily="34" charset="0"/>
+              <a:buChar char="•"/>
+            </a:pPr>
+            <a:r>
+              <a:rPr lang="en-US" altLang="ja-JP" sz="1400" dirty="0">
+                <a:latin typeface="HGS明朝E" panose="02020900000000000000" pitchFamily="18" charset="-128"/>
+                <a:ea typeface="HGS明朝E" panose="02020900000000000000" pitchFamily="18" charset="-128"/>
+              </a:rPr>
+              <a:t>Java</a:t>
+            </a:r>
+          </a:p>
+          <a:p>
+            <a:pPr marL="171450" indent="-171450">
+              <a:buFont typeface="Arial" panose="020B0604020202020204" pitchFamily="34" charset="0"/>
+              <a:buChar char="•"/>
+            </a:pPr>
+            <a:r>
+              <a:rPr lang="en-US" altLang="ja-JP" sz="1400" dirty="0">
+                <a:latin typeface="HGS明朝E" panose="02020900000000000000" pitchFamily="18" charset="-128"/>
+                <a:ea typeface="HGS明朝E" panose="02020900000000000000" pitchFamily="18" charset="-128"/>
+              </a:rPr>
+              <a:t>Service</a:t>
+            </a:r>
+          </a:p>
+          <a:p>
+            <a:pPr marL="171450" indent="-171450">
+              <a:buFont typeface="Arial" panose="020B0604020202020204" pitchFamily="34" charset="0"/>
+              <a:buChar char="•"/>
+            </a:pPr>
+            <a:r>
+              <a:rPr lang="en-US" altLang="ja-JP" sz="1400" dirty="0">
+                <a:latin typeface="HGS明朝E" panose="02020900000000000000" pitchFamily="18" charset="-128"/>
+                <a:ea typeface="HGS明朝E" panose="02020900000000000000" pitchFamily="18" charset="-128"/>
+              </a:rPr>
+              <a:t>Repository</a:t>
+            </a:r>
+          </a:p>
+          <a:p>
+            <a:pPr marL="171450" indent="-171450">
+              <a:buFont typeface="Arial" panose="020B0604020202020204" pitchFamily="34" charset="0"/>
+              <a:buChar char="•"/>
+            </a:pPr>
+            <a:r>
+              <a:rPr lang="en-US" altLang="ja-JP" sz="1400" dirty="0">
+                <a:latin typeface="HGS明朝E" panose="02020900000000000000" pitchFamily="18" charset="-128"/>
+                <a:ea typeface="HGS明朝E" panose="02020900000000000000" pitchFamily="18" charset="-128"/>
+              </a:rPr>
+              <a:t>Entity</a:t>
+            </a:r>
+          </a:p>
+        </p:txBody>
+      </p:sp>
+      <p:sp>
+        <p:nvSpPr>
+          <p:cNvPr id="68" name="テキスト ボックス 67">
+            <a:extLst>
+              <a:ext uri="{FF2B5EF4-FFF2-40B4-BE49-F238E27FC236}">
+                <a16:creationId xmlns:a16="http://schemas.microsoft.com/office/drawing/2014/main" id="{234222E4-33FB-5C82-42ED-3C9B668E4821}"/>
+              </a:ext>
+            </a:extLst>
+          </p:cNvPr>
+          <p:cNvSpPr txBox="1"/>
+          <p:nvPr/>
+        </p:nvSpPr>
+        <p:spPr>
+          <a:xfrm rot="19584061">
+            <a:off x="4369489" y="1734020"/>
+            <a:ext cx="1367200" cy="276999"/>
+          </a:xfrm>
+          <a:prstGeom prst="rect">
+            <a:avLst/>
+          </a:prstGeom>
+          <a:noFill/>
+        </p:spPr>
+        <p:txBody>
+          <a:bodyPr wrap="square" rtlCol="0">
+            <a:spAutoFit/>
+          </a:bodyPr>
+          <a:lstStyle/>
+          <a:p>
+            <a:r>
+              <a:rPr lang="ja-JP" altLang="en-US" sz="1200" dirty="0">
+                <a:latin typeface="HGS明朝E" panose="02020900000000000000" pitchFamily="18" charset="-128"/>
+                <a:ea typeface="HGS明朝E" panose="02020900000000000000" pitchFamily="18" charset="-128"/>
+              </a:rPr>
+              <a:t>処理を指示</a:t>
+            </a:r>
+            <a:endParaRPr lang="en-US" altLang="ja-JP" sz="1200" dirty="0">
+              <a:latin typeface="HGS明朝E" panose="02020900000000000000" pitchFamily="18" charset="-128"/>
+              <a:ea typeface="HGS明朝E" panose="02020900000000000000" pitchFamily="18" charset="-128"/>
+            </a:endParaRPr>
+          </a:p>
+        </p:txBody>
+      </p:sp>
+      <p:sp>
+        <p:nvSpPr>
+          <p:cNvPr id="69" name="テキスト ボックス 68">
+            <a:extLst>
+              <a:ext uri="{FF2B5EF4-FFF2-40B4-BE49-F238E27FC236}">
+                <a16:creationId xmlns:a16="http://schemas.microsoft.com/office/drawing/2014/main" id="{0632FF5D-97B1-042A-B47B-6EC90225E864}"/>
+              </a:ext>
+            </a:extLst>
+          </p:cNvPr>
+          <p:cNvSpPr txBox="1"/>
+          <p:nvPr/>
+        </p:nvSpPr>
+        <p:spPr>
+          <a:xfrm rot="19667294">
+            <a:off x="4362503" y="2423550"/>
+            <a:ext cx="1042154" cy="276999"/>
+          </a:xfrm>
+          <a:prstGeom prst="rect">
+            <a:avLst/>
+          </a:prstGeom>
+          <a:noFill/>
+        </p:spPr>
+        <p:txBody>
+          <a:bodyPr wrap="square" rtlCol="0">
+            <a:spAutoFit/>
+          </a:bodyPr>
+          <a:lstStyle/>
+          <a:p>
+            <a:pPr algn="r"/>
+            <a:r>
+              <a:rPr lang="ja-JP" altLang="en-US" sz="1200" dirty="0">
+                <a:latin typeface="HGS明朝E" panose="02020900000000000000" pitchFamily="18" charset="-128"/>
+                <a:ea typeface="HGS明朝E" panose="02020900000000000000" pitchFamily="18" charset="-128"/>
+              </a:rPr>
+              <a:t>処理結果</a:t>
+            </a:r>
+            <a:endParaRPr lang="en-US" altLang="ja-JP" sz="1200" dirty="0">
+              <a:latin typeface="HGS明朝E" panose="02020900000000000000" pitchFamily="18" charset="-128"/>
+              <a:ea typeface="HGS明朝E" panose="02020900000000000000" pitchFamily="18" charset="-128"/>
+            </a:endParaRPr>
+          </a:p>
+        </p:txBody>
+      </p:sp>
+      <p:sp>
+        <p:nvSpPr>
+          <p:cNvPr id="70" name="矢印: 右 69">
+            <a:extLst>
+              <a:ext uri="{FF2B5EF4-FFF2-40B4-BE49-F238E27FC236}">
+                <a16:creationId xmlns:a16="http://schemas.microsoft.com/office/drawing/2014/main" id="{4AAD18B2-98CF-A703-BF05-935B1BCC8D74}"/>
+              </a:ext>
+            </a:extLst>
+          </p:cNvPr>
+          <p:cNvSpPr/>
+          <p:nvPr/>
+        </p:nvSpPr>
+        <p:spPr>
+          <a:xfrm rot="19639136">
+            <a:off x="4158036" y="2114985"/>
+            <a:ext cx="1541328" cy="185721"/>
+          </a:xfrm>
+          <a:prstGeom prst="rightArrow">
+            <a:avLst/>
+          </a:prstGeom>
+        </p:spPr>
+        <p:style>
+          <a:lnRef idx="2">
+            <a:schemeClr val="accent1">
+              <a:shade val="15000"/>
+            </a:schemeClr>
+          </a:lnRef>
+          <a:fillRef idx="1">
+            <a:schemeClr val="accent1"/>
+          </a:fillRef>
+          <a:effectRef idx="0">
+            <a:schemeClr val="accent1"/>
+          </a:effectRef>
+          <a:fontRef idx="minor">
+            <a:schemeClr val="lt1"/>
+          </a:fontRef>
+        </p:style>
+        <p:txBody>
+          <a:bodyPr rtlCol="0" anchor="ctr"/>
+          <a:lstStyle/>
+          <a:p>
+            <a:pPr algn="ctr"/>
+            <a:endParaRPr kumimoji="1" lang="ja-JP" altLang="en-US"/>
+          </a:p>
+        </p:txBody>
+      </p:sp>
+      <p:sp>
+        <p:nvSpPr>
+          <p:cNvPr id="71" name="矢印: 右 70">
+            <a:extLst>
+              <a:ext uri="{FF2B5EF4-FFF2-40B4-BE49-F238E27FC236}">
+                <a16:creationId xmlns:a16="http://schemas.microsoft.com/office/drawing/2014/main" id="{52559271-03D1-8BB3-88A1-5623B25A2051}"/>
+              </a:ext>
+            </a:extLst>
+          </p:cNvPr>
+          <p:cNvSpPr/>
+          <p:nvPr/>
+        </p:nvSpPr>
+        <p:spPr>
+          <a:xfrm rot="8793602">
+            <a:off x="4154088" y="2680335"/>
+            <a:ext cx="1541328" cy="185721"/>
+          </a:xfrm>
+          <a:prstGeom prst="rightArrow">
+            <a:avLst/>
+          </a:prstGeom>
+        </p:spPr>
+        <p:style>
+          <a:lnRef idx="2">
+            <a:schemeClr val="accent1">
+              <a:shade val="15000"/>
+            </a:schemeClr>
+          </a:lnRef>
+          <a:fillRef idx="1">
+            <a:schemeClr val="accent1"/>
+          </a:fillRef>
+          <a:effectRef idx="0">
+            <a:schemeClr val="accent1"/>
+          </a:effectRef>
+          <a:fontRef idx="minor">
+            <a:schemeClr val="lt1"/>
+          </a:fontRef>
+        </p:style>
+        <p:txBody>
+          <a:bodyPr rtlCol="0" anchor="ctr"/>
+          <a:lstStyle/>
+          <a:p>
+            <a:pPr algn="ctr"/>
+            <a:endParaRPr kumimoji="1" lang="ja-JP" altLang="en-US"/>
+          </a:p>
+        </p:txBody>
+      </p:sp>
+      <p:sp>
+        <p:nvSpPr>
+          <p:cNvPr id="72" name="テキスト ボックス 71">
+            <a:extLst>
+              <a:ext uri="{FF2B5EF4-FFF2-40B4-BE49-F238E27FC236}">
+                <a16:creationId xmlns:a16="http://schemas.microsoft.com/office/drawing/2014/main" id="{256CC15E-DCAC-8735-64A4-56FE6143E58A}"/>
+              </a:ext>
+            </a:extLst>
+          </p:cNvPr>
+          <p:cNvSpPr txBox="1"/>
+          <p:nvPr/>
+        </p:nvSpPr>
+        <p:spPr>
+          <a:xfrm rot="1654270">
+            <a:off x="4368629" y="4833486"/>
+            <a:ext cx="1367200" cy="276999"/>
+          </a:xfrm>
+          <a:prstGeom prst="rect">
+            <a:avLst/>
+          </a:prstGeom>
+          <a:noFill/>
+        </p:spPr>
+        <p:txBody>
+          <a:bodyPr wrap="square" rtlCol="0">
+            <a:spAutoFit/>
+          </a:bodyPr>
+          <a:lstStyle/>
+          <a:p>
+            <a:r>
+              <a:rPr lang="ja-JP" altLang="en-US" sz="1200" dirty="0">
+                <a:latin typeface="HGS明朝E" panose="02020900000000000000" pitchFamily="18" charset="-128"/>
+                <a:ea typeface="HGS明朝E" panose="02020900000000000000" pitchFamily="18" charset="-128"/>
+              </a:rPr>
+              <a:t>画面表示を指示</a:t>
+            </a:r>
+            <a:endParaRPr lang="en-US" altLang="ja-JP" sz="1200" dirty="0">
+              <a:latin typeface="HGS明朝E" panose="02020900000000000000" pitchFamily="18" charset="-128"/>
+              <a:ea typeface="HGS明朝E" panose="02020900000000000000" pitchFamily="18" charset="-128"/>
+            </a:endParaRPr>
+          </a:p>
+        </p:txBody>
+      </p:sp>
+      <p:sp>
+        <p:nvSpPr>
+          <p:cNvPr id="73" name="テキスト ボックス 72">
+            <a:extLst>
+              <a:ext uri="{FF2B5EF4-FFF2-40B4-BE49-F238E27FC236}">
+                <a16:creationId xmlns:a16="http://schemas.microsoft.com/office/drawing/2014/main" id="{260D841C-69E6-5A4E-43FE-36457A1048C4}"/>
+              </a:ext>
+            </a:extLst>
+          </p:cNvPr>
+          <p:cNvSpPr txBox="1"/>
+          <p:nvPr/>
+        </p:nvSpPr>
+        <p:spPr>
+          <a:xfrm rot="1737503">
+            <a:off x="4310043" y="5312646"/>
+            <a:ext cx="1042154" cy="276999"/>
+          </a:xfrm>
+          <a:prstGeom prst="rect">
+            <a:avLst/>
+          </a:prstGeom>
+          <a:noFill/>
+        </p:spPr>
+        <p:txBody>
+          <a:bodyPr wrap="square" rtlCol="0">
+            <a:spAutoFit/>
+          </a:bodyPr>
+          <a:lstStyle/>
+          <a:p>
+            <a:pPr algn="r"/>
+            <a:r>
+              <a:rPr lang="ja-JP" altLang="en-US" sz="1200" dirty="0">
+                <a:latin typeface="HGS明朝E" panose="02020900000000000000" pitchFamily="18" charset="-128"/>
+                <a:ea typeface="HGS明朝E" panose="02020900000000000000" pitchFamily="18" charset="-128"/>
+              </a:rPr>
+              <a:t>画面表示</a:t>
+            </a:r>
+            <a:endParaRPr lang="en-US" altLang="ja-JP" sz="1200" dirty="0">
+              <a:latin typeface="HGS明朝E" panose="02020900000000000000" pitchFamily="18" charset="-128"/>
+              <a:ea typeface="HGS明朝E" panose="02020900000000000000" pitchFamily="18" charset="-128"/>
+            </a:endParaRPr>
+          </a:p>
+        </p:txBody>
+      </p:sp>
+      <p:sp>
+        <p:nvSpPr>
+          <p:cNvPr id="74" name="矢印: 右 73">
+            <a:extLst>
+              <a:ext uri="{FF2B5EF4-FFF2-40B4-BE49-F238E27FC236}">
+                <a16:creationId xmlns:a16="http://schemas.microsoft.com/office/drawing/2014/main" id="{13945A8A-4479-2DEC-880F-BB972106AAE8}"/>
+              </a:ext>
+            </a:extLst>
+          </p:cNvPr>
+          <p:cNvSpPr/>
+          <p:nvPr/>
+        </p:nvSpPr>
+        <p:spPr>
+          <a:xfrm rot="1709345">
+            <a:off x="4105576" y="5004081"/>
+            <a:ext cx="1541328" cy="185721"/>
+          </a:xfrm>
+          <a:prstGeom prst="rightArrow">
+            <a:avLst/>
+          </a:prstGeom>
+        </p:spPr>
+        <p:style>
+          <a:lnRef idx="2">
+            <a:schemeClr val="accent1">
+              <a:shade val="15000"/>
+            </a:schemeClr>
+          </a:lnRef>
+          <a:fillRef idx="1">
+            <a:schemeClr val="accent1"/>
+          </a:fillRef>
+          <a:effectRef idx="0">
+            <a:schemeClr val="accent1"/>
+          </a:effectRef>
+          <a:fontRef idx="minor">
+            <a:schemeClr val="lt1"/>
+          </a:fontRef>
+        </p:style>
+        <p:txBody>
+          <a:bodyPr rtlCol="0" anchor="ctr"/>
+          <a:lstStyle/>
+          <a:p>
+            <a:pPr algn="ctr"/>
+            <a:endParaRPr kumimoji="1" lang="ja-JP" altLang="en-US"/>
+          </a:p>
+        </p:txBody>
+      </p:sp>
+      <p:sp>
+        <p:nvSpPr>
+          <p:cNvPr id="75" name="矢印: 右 74">
+            <a:extLst>
+              <a:ext uri="{FF2B5EF4-FFF2-40B4-BE49-F238E27FC236}">
+                <a16:creationId xmlns:a16="http://schemas.microsoft.com/office/drawing/2014/main" id="{EED23AE1-66D9-D19A-5572-3D00D049F0F8}"/>
+              </a:ext>
+            </a:extLst>
+          </p:cNvPr>
+          <p:cNvSpPr/>
+          <p:nvPr/>
+        </p:nvSpPr>
+        <p:spPr>
+          <a:xfrm rot="12463811">
+            <a:off x="4101628" y="5569431"/>
+            <a:ext cx="1541328" cy="185721"/>
+          </a:xfrm>
+          <a:prstGeom prst="rightArrow">
+            <a:avLst/>
+          </a:prstGeom>
+        </p:spPr>
+        <p:style>
+          <a:lnRef idx="2">
+            <a:schemeClr val="accent1">
+              <a:shade val="15000"/>
+            </a:schemeClr>
+          </a:lnRef>
+          <a:fillRef idx="1">
+            <a:schemeClr val="accent1"/>
+          </a:fillRef>
+          <a:effectRef idx="0">
+            <a:schemeClr val="accent1"/>
+          </a:effectRef>
+          <a:fontRef idx="minor">
+            <a:schemeClr val="lt1"/>
+          </a:fontRef>
+        </p:style>
+        <p:txBody>
+          <a:bodyPr rtlCol="0" anchor="ctr"/>
+          <a:lstStyle/>
+          <a:p>
+            <a:pPr algn="ctr"/>
+            <a:endParaRPr kumimoji="1" lang="ja-JP" altLang="en-US"/>
+          </a:p>
+        </p:txBody>
+      </p:sp>
+      <p:sp>
+        <p:nvSpPr>
+          <p:cNvPr id="76" name="テキスト ボックス 75">
+            <a:extLst>
+              <a:ext uri="{FF2B5EF4-FFF2-40B4-BE49-F238E27FC236}">
+                <a16:creationId xmlns:a16="http://schemas.microsoft.com/office/drawing/2014/main" id="{CA03D476-25AF-6337-83BF-93E53AFBB387}"/>
+              </a:ext>
+            </a:extLst>
+          </p:cNvPr>
+          <p:cNvSpPr txBox="1"/>
+          <p:nvPr/>
+        </p:nvSpPr>
+        <p:spPr>
+          <a:xfrm>
+            <a:off x="8344140" y="1777358"/>
+            <a:ext cx="1367200" cy="276999"/>
+          </a:xfrm>
+          <a:prstGeom prst="rect">
+            <a:avLst/>
+          </a:prstGeom>
+          <a:noFill/>
+        </p:spPr>
+        <p:txBody>
+          <a:bodyPr wrap="square" rtlCol="0">
+            <a:spAutoFit/>
+          </a:bodyPr>
+          <a:lstStyle/>
+          <a:p>
+            <a:r>
+              <a:rPr lang="ja-JP" altLang="en-US" sz="1200" dirty="0">
+                <a:latin typeface="HGS明朝E" panose="02020900000000000000" pitchFamily="18" charset="-128"/>
+                <a:ea typeface="HGS明朝E" panose="02020900000000000000" pitchFamily="18" charset="-128"/>
+              </a:rPr>
+              <a:t>データ保存</a:t>
+            </a:r>
+            <a:endParaRPr lang="en-US" altLang="ja-JP" sz="1200" dirty="0">
+              <a:latin typeface="HGS明朝E" panose="02020900000000000000" pitchFamily="18" charset="-128"/>
+              <a:ea typeface="HGS明朝E" panose="02020900000000000000" pitchFamily="18" charset="-128"/>
+            </a:endParaRPr>
+          </a:p>
+        </p:txBody>
+      </p:sp>
+      <p:sp>
+        <p:nvSpPr>
+          <p:cNvPr id="77" name="テキスト ボックス 76">
+            <a:extLst>
+              <a:ext uri="{FF2B5EF4-FFF2-40B4-BE49-F238E27FC236}">
+                <a16:creationId xmlns:a16="http://schemas.microsoft.com/office/drawing/2014/main" id="{52859506-0D82-AAB5-ACF8-6AFC6E52C418}"/>
+              </a:ext>
+            </a:extLst>
+          </p:cNvPr>
+          <p:cNvSpPr txBox="1"/>
+          <p:nvPr/>
+        </p:nvSpPr>
+        <p:spPr>
+          <a:xfrm>
+            <a:off x="7110957" y="2359781"/>
+            <a:ext cx="1042154" cy="276999"/>
+          </a:xfrm>
+          <a:prstGeom prst="rect">
+            <a:avLst/>
+          </a:prstGeom>
+          <a:noFill/>
+        </p:spPr>
+        <p:txBody>
+          <a:bodyPr wrap="square" rtlCol="0">
+            <a:spAutoFit/>
+          </a:bodyPr>
+          <a:lstStyle/>
+          <a:p>
+            <a:pPr algn="r"/>
+            <a:r>
+              <a:rPr lang="ja-JP" altLang="en-US" sz="1200" dirty="0">
+                <a:latin typeface="HGS明朝E" panose="02020900000000000000" pitchFamily="18" charset="-128"/>
+                <a:ea typeface="HGS明朝E" panose="02020900000000000000" pitchFamily="18" charset="-128"/>
+              </a:rPr>
+              <a:t>データ取得</a:t>
+            </a:r>
+            <a:endParaRPr lang="en-US" altLang="ja-JP" sz="1200" dirty="0">
+              <a:latin typeface="HGS明朝E" panose="02020900000000000000" pitchFamily="18" charset="-128"/>
+              <a:ea typeface="HGS明朝E" panose="02020900000000000000" pitchFamily="18" charset="-128"/>
+            </a:endParaRPr>
+          </a:p>
+        </p:txBody>
+      </p:sp>
+      <p:sp>
+        <p:nvSpPr>
+          <p:cNvPr id="78" name="矢印: 右 77">
+            <a:extLst>
+              <a:ext uri="{FF2B5EF4-FFF2-40B4-BE49-F238E27FC236}">
+                <a16:creationId xmlns:a16="http://schemas.microsoft.com/office/drawing/2014/main" id="{0B3FECE0-CA91-1CA0-50E4-F993F49CBE6A}"/>
+              </a:ext>
+            </a:extLst>
+          </p:cNvPr>
+          <p:cNvSpPr/>
+          <p:nvPr/>
+        </p:nvSpPr>
+        <p:spPr>
+          <a:xfrm>
+            <a:off x="7082527" y="2051215"/>
+            <a:ext cx="2256659" cy="185721"/>
+          </a:xfrm>
+          <a:prstGeom prst="rightArrow">
+            <a:avLst/>
+          </a:prstGeom>
+        </p:spPr>
+        <p:style>
+          <a:lnRef idx="2">
+            <a:schemeClr val="accent1">
+              <a:shade val="15000"/>
+            </a:schemeClr>
+          </a:lnRef>
+          <a:fillRef idx="1">
+            <a:schemeClr val="accent1"/>
+          </a:fillRef>
+          <a:effectRef idx="0">
+            <a:schemeClr val="accent1"/>
+          </a:effectRef>
+          <a:fontRef idx="minor">
+            <a:schemeClr val="lt1"/>
+          </a:fontRef>
+        </p:style>
+        <p:txBody>
+          <a:bodyPr rtlCol="0" anchor="ctr"/>
+          <a:lstStyle/>
+          <a:p>
+            <a:pPr algn="ctr"/>
+            <a:endParaRPr kumimoji="1" lang="ja-JP" altLang="en-US"/>
+          </a:p>
+        </p:txBody>
+      </p:sp>
+      <p:sp>
+        <p:nvSpPr>
+          <p:cNvPr id="79" name="矢印: 右 78">
+            <a:extLst>
+              <a:ext uri="{FF2B5EF4-FFF2-40B4-BE49-F238E27FC236}">
+                <a16:creationId xmlns:a16="http://schemas.microsoft.com/office/drawing/2014/main" id="{9277FB52-12BC-7875-A616-72B78204BCE8}"/>
+              </a:ext>
+            </a:extLst>
+          </p:cNvPr>
+          <p:cNvSpPr/>
+          <p:nvPr/>
+        </p:nvSpPr>
+        <p:spPr>
+          <a:xfrm rot="10809541">
+            <a:off x="7078579" y="2616565"/>
+            <a:ext cx="2256659" cy="185721"/>
+          </a:xfrm>
+          <a:prstGeom prst="rightArrow">
+            <a:avLst/>
+          </a:prstGeom>
+        </p:spPr>
+        <p:style>
+          <a:lnRef idx="2">
+            <a:schemeClr val="accent1">
+              <a:shade val="15000"/>
+            </a:schemeClr>
+          </a:lnRef>
+          <a:fillRef idx="1">
+            <a:schemeClr val="accent1"/>
+          </a:fillRef>
+          <a:effectRef idx="0">
+            <a:schemeClr val="accent1"/>
+          </a:effectRef>
+          <a:fontRef idx="minor">
+            <a:schemeClr val="lt1"/>
+          </a:fontRef>
+        </p:style>
+        <p:txBody>
+          <a:bodyPr rtlCol="0" anchor="ctr"/>
+          <a:lstStyle/>
+          <a:p>
+            <a:pPr algn="ctr"/>
+            <a:endParaRPr kumimoji="1" lang="ja-JP" altLang="en-US"/>
+          </a:p>
+        </p:txBody>
+      </p:sp>
+      <p:sp>
+        <p:nvSpPr>
+          <p:cNvPr id="80" name="テキスト ボックス 79">
+            <a:extLst>
+              <a:ext uri="{FF2B5EF4-FFF2-40B4-BE49-F238E27FC236}">
+                <a16:creationId xmlns:a16="http://schemas.microsoft.com/office/drawing/2014/main" id="{973ADDC1-80D2-6734-EB47-A93724C5DD11}"/>
+              </a:ext>
+            </a:extLst>
+          </p:cNvPr>
+          <p:cNvSpPr txBox="1"/>
+          <p:nvPr/>
+        </p:nvSpPr>
+        <p:spPr>
+          <a:xfrm>
+            <a:off x="9627698" y="1773081"/>
+            <a:ext cx="2102896" cy="1169551"/>
+          </a:xfrm>
+          <a:prstGeom prst="rect">
+            <a:avLst/>
+          </a:prstGeom>
+          <a:noFill/>
+        </p:spPr>
+        <p:txBody>
+          <a:bodyPr wrap="square" rtlCol="0">
+            <a:spAutoFit/>
+          </a:bodyPr>
+          <a:lstStyle/>
+          <a:p>
+            <a:pPr marL="171450" indent="-171450">
+              <a:buFont typeface="Arial" panose="020B0604020202020204" pitchFamily="34" charset="0"/>
+              <a:buChar char="•"/>
+            </a:pPr>
+            <a:r>
+              <a:rPr lang="ja-JP" altLang="en-US" sz="1400" dirty="0">
+                <a:latin typeface="HGS明朝E" panose="02020900000000000000" pitchFamily="18" charset="-128"/>
+                <a:ea typeface="HGS明朝E" panose="02020900000000000000" pitchFamily="18" charset="-128"/>
+              </a:rPr>
+              <a:t>個人アカウント</a:t>
+            </a:r>
+            <a:endParaRPr lang="en-US" altLang="ja-JP" sz="1400" dirty="0">
+              <a:latin typeface="HGS明朝E" panose="02020900000000000000" pitchFamily="18" charset="-128"/>
+              <a:ea typeface="HGS明朝E" panose="02020900000000000000" pitchFamily="18" charset="-128"/>
+            </a:endParaRPr>
+          </a:p>
+          <a:p>
+            <a:pPr marL="171450" indent="-171450">
+              <a:buFont typeface="Arial" panose="020B0604020202020204" pitchFamily="34" charset="0"/>
+              <a:buChar char="•"/>
+            </a:pPr>
+            <a:r>
+              <a:rPr lang="ja-JP" altLang="en-US" sz="1400" dirty="0">
+                <a:latin typeface="HGS明朝E" panose="02020900000000000000" pitchFamily="18" charset="-128"/>
+                <a:ea typeface="HGS明朝E" panose="02020900000000000000" pitchFamily="18" charset="-128"/>
+              </a:rPr>
+              <a:t>団体アカウント</a:t>
+            </a:r>
+            <a:endParaRPr lang="en-US" altLang="ja-JP" sz="1400" dirty="0">
+              <a:latin typeface="HGS明朝E" panose="02020900000000000000" pitchFamily="18" charset="-128"/>
+              <a:ea typeface="HGS明朝E" panose="02020900000000000000" pitchFamily="18" charset="-128"/>
+            </a:endParaRPr>
+          </a:p>
+          <a:p>
+            <a:pPr marL="171450" indent="-171450">
+              <a:buFont typeface="Arial" panose="020B0604020202020204" pitchFamily="34" charset="0"/>
+              <a:buChar char="•"/>
+            </a:pPr>
+            <a:r>
+              <a:rPr lang="ja-JP" altLang="en-US" sz="1400" dirty="0">
+                <a:latin typeface="HGS明朝E" panose="02020900000000000000" pitchFamily="18" charset="-128"/>
+                <a:ea typeface="HGS明朝E" panose="02020900000000000000" pitchFamily="18" charset="-128"/>
+              </a:rPr>
+              <a:t>公演情報</a:t>
+            </a:r>
+            <a:endParaRPr lang="en-US" altLang="ja-JP" sz="1400" dirty="0">
+              <a:latin typeface="HGS明朝E" panose="02020900000000000000" pitchFamily="18" charset="-128"/>
+              <a:ea typeface="HGS明朝E" panose="02020900000000000000" pitchFamily="18" charset="-128"/>
+            </a:endParaRPr>
+          </a:p>
+          <a:p>
+            <a:pPr marL="171450" indent="-171450">
+              <a:buFont typeface="Arial" panose="020B0604020202020204" pitchFamily="34" charset="0"/>
+              <a:buChar char="•"/>
+            </a:pPr>
+            <a:r>
+              <a:rPr lang="ja-JP" altLang="en-US" sz="1400" dirty="0">
+                <a:latin typeface="HGS明朝E" panose="02020900000000000000" pitchFamily="18" charset="-128"/>
+                <a:ea typeface="HGS明朝E" panose="02020900000000000000" pitchFamily="18" charset="-128"/>
+              </a:rPr>
+              <a:t>予約情報</a:t>
+            </a:r>
+            <a:endParaRPr lang="en-US" altLang="ja-JP" sz="1400" dirty="0">
+              <a:latin typeface="HGS明朝E" panose="02020900000000000000" pitchFamily="18" charset="-128"/>
+              <a:ea typeface="HGS明朝E" panose="02020900000000000000" pitchFamily="18" charset="-128"/>
+            </a:endParaRPr>
+          </a:p>
+          <a:p>
+            <a:pPr marL="171450" indent="-171450">
+              <a:buFont typeface="Arial" panose="020B0604020202020204" pitchFamily="34" charset="0"/>
+              <a:buChar char="•"/>
+            </a:pPr>
+            <a:r>
+              <a:rPr lang="en-US" altLang="ja-JP" sz="1400" dirty="0">
+                <a:latin typeface="HGS明朝E" panose="02020900000000000000" pitchFamily="18" charset="-128"/>
+                <a:ea typeface="HGS明朝E" panose="02020900000000000000" pitchFamily="18" charset="-128"/>
+              </a:rPr>
+              <a:t>…</a:t>
+            </a:r>
+            <a:r>
+              <a:rPr lang="en-US" altLang="ja-JP" sz="1400" dirty="0" err="1">
+                <a:latin typeface="HGS明朝E" panose="02020900000000000000" pitchFamily="18" charset="-128"/>
+                <a:ea typeface="HGS明朝E" panose="02020900000000000000" pitchFamily="18" charset="-128"/>
+              </a:rPr>
+              <a:t>etc</a:t>
+            </a:r>
+            <a:endParaRPr lang="en-US" altLang="ja-JP" sz="1400" dirty="0">
+              <a:latin typeface="HGS明朝E" panose="02020900000000000000" pitchFamily="18" charset="-128"/>
+              <a:ea typeface="HGS明朝E" panose="02020900000000000000" pitchFamily="18" charset="-128"/>
+            </a:endParaRPr>
+          </a:p>
+        </p:txBody>
+      </p:sp>
+      <p:sp>
+        <p:nvSpPr>
+          <p:cNvPr id="83" name="正方形/長方形 82">
+            <a:extLst>
+              <a:ext uri="{FF2B5EF4-FFF2-40B4-BE49-F238E27FC236}">
+                <a16:creationId xmlns:a16="http://schemas.microsoft.com/office/drawing/2014/main" id="{9D60A163-9AF6-9CFD-7B07-460B800E51EF}"/>
+              </a:ext>
+            </a:extLst>
+          </p:cNvPr>
+          <p:cNvSpPr/>
+          <p:nvPr/>
+        </p:nvSpPr>
+        <p:spPr>
+          <a:xfrm>
+            <a:off x="9401914" y="3895650"/>
+            <a:ext cx="2459345" cy="1076057"/>
+          </a:xfrm>
+          <a:prstGeom prst="rect">
+            <a:avLst/>
+          </a:prstGeom>
+          <a:solidFill>
+            <a:schemeClr val="accent6">
+              <a:lumMod val="20000"/>
+              <a:lumOff val="80000"/>
+            </a:schemeClr>
+          </a:solidFill>
+          <a:ln w="38100">
+            <a:solidFill>
+              <a:schemeClr val="accent4">
+                <a:lumMod val="50000"/>
+              </a:schemeClr>
+            </a:solidFill>
+          </a:ln>
+        </p:spPr>
+        <p:style>
+          <a:lnRef idx="2">
+            <a:schemeClr val="accent1">
+              <a:shade val="15000"/>
+            </a:schemeClr>
+          </a:lnRef>
+          <a:fillRef idx="1">
+            <a:schemeClr val="accent1"/>
+          </a:fillRef>
+          <a:effectRef idx="0">
+            <a:schemeClr val="accent1"/>
+          </a:effectRef>
+          <a:fontRef idx="minor">
+            <a:schemeClr val="lt1"/>
+          </a:fontRef>
+        </p:style>
+        <p:txBody>
+          <a:bodyPr rtlCol="0" anchor="ctr"/>
+          <a:lstStyle/>
+          <a:p>
+            <a:pPr algn="ctr"/>
+            <a:endParaRPr kumimoji="1" lang="ja-JP" altLang="en-US" dirty="0"/>
+          </a:p>
+        </p:txBody>
+      </p:sp>
+      <p:pic>
+        <p:nvPicPr>
+          <p:cNvPr id="82" name="図 81" descr="図形, 矢印&#10;&#10;AI によって生成されたコンテンツは間違っている可能性があります。">
+            <a:extLst>
+              <a:ext uri="{FF2B5EF4-FFF2-40B4-BE49-F238E27FC236}">
+                <a16:creationId xmlns:a16="http://schemas.microsoft.com/office/drawing/2014/main" id="{E78C3A2B-9B3C-A597-F4B0-9B7EDAA540AD}"/>
+              </a:ext>
+            </a:extLst>
+          </p:cNvPr>
+          <p:cNvPicPr>
+            <a:picLocks noChangeAspect="1"/>
+          </p:cNvPicPr>
+          <p:nvPr/>
+        </p:nvPicPr>
+        <p:blipFill>
+          <a:blip r:embed="rId10">
+            <a:extLst>
+              <a:ext uri="{28A0092B-C50C-407E-A947-70E740481C1C}">
+                <a14:useLocalDpi xmlns:a14="http://schemas.microsoft.com/office/drawing/2010/main" val="0"/>
+              </a:ext>
+              <a:ext uri="{837473B0-CC2E-450A-ABE3-18F120FF3D39}">
+                <a1611:picAttrSrcUrl xmlns:a1611="http://schemas.microsoft.com/office/drawing/2016/11/main" r:id="rId11"/>
+              </a:ext>
+            </a:extLst>
+          </a:blip>
+          <a:stretch>
+            <a:fillRect/>
+          </a:stretch>
+        </p:blipFill>
+        <p:spPr>
+          <a:xfrm>
+            <a:off x="9075555" y="3645634"/>
+            <a:ext cx="678403" cy="412695"/>
+          </a:xfrm>
+          <a:prstGeom prst="rect">
+            <a:avLst/>
+          </a:prstGeom>
+        </p:spPr>
+      </p:pic>
+      <p:sp>
+        <p:nvSpPr>
+          <p:cNvPr id="84" name="テキスト ボックス 83">
+            <a:extLst>
+              <a:ext uri="{FF2B5EF4-FFF2-40B4-BE49-F238E27FC236}">
+                <a16:creationId xmlns:a16="http://schemas.microsoft.com/office/drawing/2014/main" id="{E57C483C-724E-364A-BC89-E29ACEC50D94}"/>
+              </a:ext>
+            </a:extLst>
+          </p:cNvPr>
+          <p:cNvSpPr txBox="1"/>
+          <p:nvPr/>
+        </p:nvSpPr>
+        <p:spPr>
+          <a:xfrm>
+            <a:off x="9627698" y="4171453"/>
+            <a:ext cx="2102896" cy="738664"/>
+          </a:xfrm>
+          <a:prstGeom prst="rect">
+            <a:avLst/>
+          </a:prstGeom>
+          <a:noFill/>
+        </p:spPr>
+        <p:txBody>
+          <a:bodyPr wrap="square" rtlCol="0">
+            <a:spAutoFit/>
+          </a:bodyPr>
+          <a:lstStyle/>
+          <a:p>
+            <a:pPr marL="171450" indent="-171450">
+              <a:buFont typeface="Arial" panose="020B0604020202020204" pitchFamily="34" charset="0"/>
+              <a:buChar char="•"/>
+            </a:pPr>
+            <a:r>
+              <a:rPr lang="ja-JP" altLang="en-US" sz="1400" dirty="0">
+                <a:latin typeface="HGS明朝E" panose="02020900000000000000" pitchFamily="18" charset="-128"/>
+                <a:ea typeface="HGS明朝E" panose="02020900000000000000" pitchFamily="18" charset="-128"/>
+              </a:rPr>
+              <a:t>予約完了</a:t>
+            </a:r>
+            <a:endParaRPr lang="en-US" altLang="ja-JP" sz="1400" dirty="0">
+              <a:latin typeface="HGS明朝E" panose="02020900000000000000" pitchFamily="18" charset="-128"/>
+              <a:ea typeface="HGS明朝E" panose="02020900000000000000" pitchFamily="18" charset="-128"/>
+            </a:endParaRPr>
+          </a:p>
+          <a:p>
+            <a:pPr marL="171450" indent="-171450">
+              <a:buFont typeface="Arial" panose="020B0604020202020204" pitchFamily="34" charset="0"/>
+              <a:buChar char="•"/>
+            </a:pPr>
+            <a:r>
+              <a:rPr lang="ja-JP" altLang="en-US" sz="1400" dirty="0">
+                <a:latin typeface="HGS明朝E" panose="02020900000000000000" pitchFamily="18" charset="-128"/>
+                <a:ea typeface="HGS明朝E" panose="02020900000000000000" pitchFamily="18" charset="-128"/>
+              </a:rPr>
+              <a:t>予約通知</a:t>
+            </a:r>
+            <a:endParaRPr lang="en-US" altLang="ja-JP" sz="1400" dirty="0">
+              <a:latin typeface="HGS明朝E" panose="02020900000000000000" pitchFamily="18" charset="-128"/>
+              <a:ea typeface="HGS明朝E" panose="02020900000000000000" pitchFamily="18" charset="-128"/>
+            </a:endParaRPr>
+          </a:p>
+          <a:p>
+            <a:pPr marL="171450" indent="-171450">
+              <a:buFont typeface="Arial" panose="020B0604020202020204" pitchFamily="34" charset="0"/>
+              <a:buChar char="•"/>
+            </a:pPr>
+            <a:r>
+              <a:rPr lang="ja-JP" altLang="en-US" sz="1400" dirty="0">
+                <a:latin typeface="HGS明朝E" panose="02020900000000000000" pitchFamily="18" charset="-128"/>
+                <a:ea typeface="HGS明朝E" panose="02020900000000000000" pitchFamily="18" charset="-128"/>
+              </a:rPr>
+              <a:t>その他</a:t>
+            </a:r>
+            <a:endParaRPr lang="en-US" altLang="ja-JP" sz="1400" dirty="0">
+              <a:latin typeface="HGS明朝E" panose="02020900000000000000" pitchFamily="18" charset="-128"/>
+              <a:ea typeface="HGS明朝E" panose="02020900000000000000" pitchFamily="18" charset="-128"/>
+            </a:endParaRPr>
+          </a:p>
+        </p:txBody>
+      </p:sp>
+      <p:sp>
+        <p:nvSpPr>
+          <p:cNvPr id="85" name="テキスト ボックス 84">
+            <a:extLst>
+              <a:ext uri="{FF2B5EF4-FFF2-40B4-BE49-F238E27FC236}">
+                <a16:creationId xmlns:a16="http://schemas.microsoft.com/office/drawing/2014/main" id="{8C8EC190-1C8C-5E2A-1F9D-14E4F58C3DC0}"/>
+              </a:ext>
+            </a:extLst>
+          </p:cNvPr>
+          <p:cNvSpPr txBox="1"/>
+          <p:nvPr/>
+        </p:nvSpPr>
+        <p:spPr>
+          <a:xfrm>
+            <a:off x="9528291" y="3507434"/>
+            <a:ext cx="2198014" cy="338554"/>
+          </a:xfrm>
+          <a:prstGeom prst="rect">
+            <a:avLst/>
+          </a:prstGeom>
+          <a:noFill/>
+        </p:spPr>
+        <p:txBody>
+          <a:bodyPr wrap="square" rtlCol="0">
+            <a:spAutoFit/>
+          </a:bodyPr>
+          <a:lstStyle/>
+          <a:p>
+            <a:pPr algn="ctr"/>
+            <a:r>
+              <a:rPr lang="en-US" altLang="ja-JP" sz="1600" dirty="0">
+                <a:latin typeface="HGS明朝E" panose="02020900000000000000" pitchFamily="18" charset="-128"/>
+                <a:ea typeface="HGS明朝E" panose="02020900000000000000" pitchFamily="18" charset="-128"/>
+              </a:rPr>
+              <a:t>Google Mail</a:t>
+            </a:r>
+          </a:p>
+        </p:txBody>
+      </p:sp>
+      <p:sp>
+        <p:nvSpPr>
+          <p:cNvPr id="86" name="矢印: 右 85">
+            <a:extLst>
+              <a:ext uri="{FF2B5EF4-FFF2-40B4-BE49-F238E27FC236}">
+                <a16:creationId xmlns:a16="http://schemas.microsoft.com/office/drawing/2014/main" id="{99893BD5-1ADE-2A86-6164-030545F63FAD}"/>
+              </a:ext>
+            </a:extLst>
+          </p:cNvPr>
+          <p:cNvSpPr/>
+          <p:nvPr/>
+        </p:nvSpPr>
+        <p:spPr>
+          <a:xfrm rot="1214460">
+            <a:off x="6970421" y="3678326"/>
+            <a:ext cx="2256659" cy="185721"/>
+          </a:xfrm>
+          <a:prstGeom prst="rightArrow">
+            <a:avLst/>
+          </a:prstGeom>
+        </p:spPr>
+        <p:style>
+          <a:lnRef idx="2">
+            <a:schemeClr val="accent1">
+              <a:shade val="15000"/>
+            </a:schemeClr>
+          </a:lnRef>
+          <a:fillRef idx="1">
+            <a:schemeClr val="accent1"/>
+          </a:fillRef>
+          <a:effectRef idx="0">
+            <a:schemeClr val="accent1"/>
+          </a:effectRef>
+          <a:fontRef idx="minor">
+            <a:schemeClr val="lt1"/>
+          </a:fontRef>
+        </p:style>
+        <p:txBody>
+          <a:bodyPr rtlCol="0" anchor="ctr"/>
+          <a:lstStyle/>
+          <a:p>
+            <a:pPr algn="ctr"/>
+            <a:endParaRPr kumimoji="1" lang="ja-JP" altLang="en-US"/>
+          </a:p>
+        </p:txBody>
+      </p:sp>
+      <p:sp>
+        <p:nvSpPr>
+          <p:cNvPr id="87" name="テキスト ボックス 86">
+            <a:extLst>
+              <a:ext uri="{FF2B5EF4-FFF2-40B4-BE49-F238E27FC236}">
+                <a16:creationId xmlns:a16="http://schemas.microsoft.com/office/drawing/2014/main" id="{AE3DF14E-80F5-5E7E-725E-563750E0A21C}"/>
+              </a:ext>
+            </a:extLst>
+          </p:cNvPr>
+          <p:cNvSpPr txBox="1"/>
+          <p:nvPr/>
+        </p:nvSpPr>
+        <p:spPr>
+          <a:xfrm rot="1215017">
+            <a:off x="8239486" y="3723674"/>
+            <a:ext cx="1367200" cy="276999"/>
+          </a:xfrm>
+          <a:prstGeom prst="rect">
+            <a:avLst/>
+          </a:prstGeom>
+          <a:noFill/>
+        </p:spPr>
+        <p:txBody>
+          <a:bodyPr wrap="square" rtlCol="0">
+            <a:spAutoFit/>
+          </a:bodyPr>
+          <a:lstStyle/>
+          <a:p>
+            <a:r>
+              <a:rPr lang="ja-JP" altLang="en-US" sz="1200" dirty="0">
+                <a:latin typeface="HGS明朝E" panose="02020900000000000000" pitchFamily="18" charset="-128"/>
+                <a:ea typeface="HGS明朝E" panose="02020900000000000000" pitchFamily="18" charset="-128"/>
+              </a:rPr>
+              <a:t>データ送信</a:t>
+            </a:r>
+            <a:endParaRPr lang="en-US" altLang="ja-JP" sz="1200" dirty="0">
+              <a:latin typeface="HGS明朝E" panose="02020900000000000000" pitchFamily="18" charset="-128"/>
+              <a:ea typeface="HGS明朝E" panose="02020900000000000000" pitchFamily="18" charset="-128"/>
+            </a:endParaRPr>
+          </a:p>
+        </p:txBody>
+      </p:sp>
+      <p:sp>
+        <p:nvSpPr>
+          <p:cNvPr id="88" name="正方形/長方形 87">
+            <a:extLst>
+              <a:ext uri="{FF2B5EF4-FFF2-40B4-BE49-F238E27FC236}">
+                <a16:creationId xmlns:a16="http://schemas.microsoft.com/office/drawing/2014/main" id="{7449DEE8-3D7D-751E-C9A9-9EEF3B1A458C}"/>
+              </a:ext>
+            </a:extLst>
+          </p:cNvPr>
+          <p:cNvSpPr/>
+          <p:nvPr/>
+        </p:nvSpPr>
+        <p:spPr>
+          <a:xfrm>
+            <a:off x="9408206" y="5370439"/>
+            <a:ext cx="2459345" cy="1076057"/>
+          </a:xfrm>
+          <a:prstGeom prst="rect">
+            <a:avLst/>
+          </a:prstGeom>
+          <a:solidFill>
+            <a:schemeClr val="accent6">
+              <a:lumMod val="20000"/>
+              <a:lumOff val="80000"/>
+            </a:schemeClr>
+          </a:solidFill>
+          <a:ln w="38100">
+            <a:solidFill>
+              <a:schemeClr val="accent4">
+                <a:lumMod val="50000"/>
+              </a:schemeClr>
+            </a:solidFill>
+          </a:ln>
+        </p:spPr>
+        <p:style>
+          <a:lnRef idx="2">
+            <a:schemeClr val="accent1">
+              <a:shade val="15000"/>
+            </a:schemeClr>
+          </a:lnRef>
+          <a:fillRef idx="1">
+            <a:schemeClr val="accent1"/>
+          </a:fillRef>
+          <a:effectRef idx="0">
+            <a:schemeClr val="accent1"/>
+          </a:effectRef>
+          <a:fontRef idx="minor">
+            <a:schemeClr val="lt1"/>
+          </a:fontRef>
+        </p:style>
+        <p:txBody>
+          <a:bodyPr rtlCol="0" anchor="ctr"/>
+          <a:lstStyle/>
+          <a:p>
+            <a:pPr algn="ctr"/>
+            <a:endParaRPr kumimoji="1" lang="ja-JP" altLang="en-US" dirty="0"/>
+          </a:p>
+        </p:txBody>
+      </p:sp>
+      <p:sp>
+        <p:nvSpPr>
+          <p:cNvPr id="89" name="テキスト ボックス 88">
+            <a:extLst>
+              <a:ext uri="{FF2B5EF4-FFF2-40B4-BE49-F238E27FC236}">
+                <a16:creationId xmlns:a16="http://schemas.microsoft.com/office/drawing/2014/main" id="{F0B67200-BD4E-4E24-CD4A-12586A824A79}"/>
+              </a:ext>
+            </a:extLst>
+          </p:cNvPr>
+          <p:cNvSpPr txBox="1"/>
+          <p:nvPr/>
+        </p:nvSpPr>
+        <p:spPr>
+          <a:xfrm>
+            <a:off x="9633990" y="5646242"/>
+            <a:ext cx="2102896" cy="738664"/>
+          </a:xfrm>
+          <a:prstGeom prst="rect">
+            <a:avLst/>
+          </a:prstGeom>
+          <a:noFill/>
+        </p:spPr>
+        <p:txBody>
+          <a:bodyPr wrap="square" rtlCol="0">
+            <a:spAutoFit/>
+          </a:bodyPr>
+          <a:lstStyle/>
+          <a:p>
+            <a:pPr marL="171450" indent="-171450">
+              <a:buFont typeface="Arial" panose="020B0604020202020204" pitchFamily="34" charset="0"/>
+              <a:buChar char="•"/>
+            </a:pPr>
+            <a:r>
+              <a:rPr lang="ja-JP" altLang="en-US" sz="1400" dirty="0">
+                <a:latin typeface="HGS明朝E" panose="02020900000000000000" pitchFamily="18" charset="-128"/>
+                <a:ea typeface="HGS明朝E" panose="02020900000000000000" pitchFamily="18" charset="-128"/>
+              </a:rPr>
+              <a:t>予約リスト</a:t>
+            </a:r>
+            <a:endParaRPr lang="en-US" altLang="ja-JP" sz="1400" dirty="0">
+              <a:latin typeface="HGS明朝E" panose="02020900000000000000" pitchFamily="18" charset="-128"/>
+              <a:ea typeface="HGS明朝E" panose="02020900000000000000" pitchFamily="18" charset="-128"/>
+            </a:endParaRPr>
+          </a:p>
+          <a:p>
+            <a:pPr marL="171450" indent="-171450">
+              <a:buFont typeface="Arial" panose="020B0604020202020204" pitchFamily="34" charset="0"/>
+              <a:buChar char="•"/>
+            </a:pPr>
+            <a:r>
+              <a:rPr lang="ja-JP" altLang="en-US" sz="1400" dirty="0">
+                <a:latin typeface="HGS明朝E" panose="02020900000000000000" pitchFamily="18" charset="-128"/>
+                <a:ea typeface="HGS明朝E" panose="02020900000000000000" pitchFamily="18" charset="-128"/>
+              </a:rPr>
+              <a:t>チケット</a:t>
+            </a:r>
+            <a:endParaRPr lang="en-US" altLang="ja-JP" sz="1400" dirty="0">
+              <a:latin typeface="HGS明朝E" panose="02020900000000000000" pitchFamily="18" charset="-128"/>
+              <a:ea typeface="HGS明朝E" panose="02020900000000000000" pitchFamily="18" charset="-128"/>
+            </a:endParaRPr>
+          </a:p>
+          <a:p>
+            <a:pPr marL="171450" indent="-171450">
+              <a:buFont typeface="Arial" panose="020B0604020202020204" pitchFamily="34" charset="0"/>
+              <a:buChar char="•"/>
+            </a:pPr>
+            <a:r>
+              <a:rPr lang="ja-JP" altLang="en-US" sz="1400" dirty="0">
+                <a:latin typeface="HGS明朝E" panose="02020900000000000000" pitchFamily="18" charset="-128"/>
+                <a:ea typeface="HGS明朝E" panose="02020900000000000000" pitchFamily="18" charset="-128"/>
+              </a:rPr>
+              <a:t>その他</a:t>
+            </a:r>
+            <a:endParaRPr lang="en-US" altLang="ja-JP" sz="1400" dirty="0">
+              <a:latin typeface="HGS明朝E" panose="02020900000000000000" pitchFamily="18" charset="-128"/>
+              <a:ea typeface="HGS明朝E" panose="02020900000000000000" pitchFamily="18" charset="-128"/>
+            </a:endParaRPr>
+          </a:p>
+        </p:txBody>
+      </p:sp>
+      <p:sp>
+        <p:nvSpPr>
+          <p:cNvPr id="90" name="テキスト ボックス 89">
+            <a:extLst>
+              <a:ext uri="{FF2B5EF4-FFF2-40B4-BE49-F238E27FC236}">
+                <a16:creationId xmlns:a16="http://schemas.microsoft.com/office/drawing/2014/main" id="{2598C1E8-DCC6-307C-0ACB-395DAE4E3D48}"/>
+              </a:ext>
+            </a:extLst>
+          </p:cNvPr>
+          <p:cNvSpPr txBox="1"/>
+          <p:nvPr/>
+        </p:nvSpPr>
+        <p:spPr>
+          <a:xfrm>
+            <a:off x="9534583" y="5009818"/>
+            <a:ext cx="2198014" cy="338554"/>
+          </a:xfrm>
+          <a:prstGeom prst="rect">
+            <a:avLst/>
+          </a:prstGeom>
+          <a:noFill/>
+        </p:spPr>
+        <p:txBody>
+          <a:bodyPr wrap="square" rtlCol="0">
+            <a:spAutoFit/>
+          </a:bodyPr>
+          <a:lstStyle/>
+          <a:p>
+            <a:pPr algn="ctr"/>
+            <a:r>
+              <a:rPr lang="en-US" altLang="ja-JP" sz="1600" dirty="0">
+                <a:latin typeface="HGS明朝E" panose="02020900000000000000" pitchFamily="18" charset="-128"/>
+                <a:ea typeface="HGS明朝E" panose="02020900000000000000" pitchFamily="18" charset="-128"/>
+              </a:rPr>
+              <a:t>Excel</a:t>
+            </a:r>
+          </a:p>
+        </p:txBody>
+      </p:sp>
+      <p:sp>
+        <p:nvSpPr>
+          <p:cNvPr id="91" name="矢印: 右 90">
+            <a:extLst>
+              <a:ext uri="{FF2B5EF4-FFF2-40B4-BE49-F238E27FC236}">
+                <a16:creationId xmlns:a16="http://schemas.microsoft.com/office/drawing/2014/main" id="{2266B772-512F-57B1-4B49-7F53E73FC146}"/>
+              </a:ext>
+            </a:extLst>
+          </p:cNvPr>
+          <p:cNvSpPr/>
+          <p:nvPr/>
+        </p:nvSpPr>
+        <p:spPr>
+          <a:xfrm rot="2293486">
+            <a:off x="6067824" y="4380610"/>
+            <a:ext cx="3634373" cy="185721"/>
+          </a:xfrm>
+          <a:prstGeom prst="rightArrow">
+            <a:avLst/>
+          </a:prstGeom>
+        </p:spPr>
+        <p:style>
+          <a:lnRef idx="2">
+            <a:schemeClr val="accent1">
+              <a:shade val="15000"/>
+            </a:schemeClr>
+          </a:lnRef>
+          <a:fillRef idx="1">
+            <a:schemeClr val="accent1"/>
+          </a:fillRef>
+          <a:effectRef idx="0">
+            <a:schemeClr val="accent1"/>
+          </a:effectRef>
+          <a:fontRef idx="minor">
+            <a:schemeClr val="lt1"/>
+          </a:fontRef>
+        </p:style>
+        <p:txBody>
+          <a:bodyPr rtlCol="0" anchor="ctr"/>
+          <a:lstStyle/>
+          <a:p>
+            <a:pPr algn="ctr"/>
+            <a:endParaRPr kumimoji="1" lang="ja-JP" altLang="en-US"/>
+          </a:p>
+        </p:txBody>
+      </p:sp>
+      <p:sp>
+        <p:nvSpPr>
+          <p:cNvPr id="92" name="テキスト ボックス 91">
+            <a:extLst>
+              <a:ext uri="{FF2B5EF4-FFF2-40B4-BE49-F238E27FC236}">
+                <a16:creationId xmlns:a16="http://schemas.microsoft.com/office/drawing/2014/main" id="{DFAE3869-41D9-DC16-C2EA-812B38691C39}"/>
+              </a:ext>
+            </a:extLst>
+          </p:cNvPr>
+          <p:cNvSpPr txBox="1"/>
+          <p:nvPr/>
+        </p:nvSpPr>
+        <p:spPr>
+          <a:xfrm rot="2196053">
+            <a:off x="8307563" y="4961083"/>
+            <a:ext cx="1367200" cy="276999"/>
+          </a:xfrm>
+          <a:prstGeom prst="rect">
+            <a:avLst/>
+          </a:prstGeom>
+          <a:noFill/>
+        </p:spPr>
+        <p:txBody>
+          <a:bodyPr wrap="square" rtlCol="0">
+            <a:spAutoFit/>
+          </a:bodyPr>
+          <a:lstStyle/>
+          <a:p>
+            <a:r>
+              <a:rPr lang="ja-JP" altLang="en-US" sz="1200" dirty="0">
+                <a:latin typeface="HGS明朝E" panose="02020900000000000000" pitchFamily="18" charset="-128"/>
+                <a:ea typeface="HGS明朝E" panose="02020900000000000000" pitchFamily="18" charset="-128"/>
+              </a:rPr>
+              <a:t>データ送信</a:t>
+            </a:r>
+            <a:endParaRPr lang="en-US" altLang="ja-JP" sz="1200" dirty="0">
+              <a:latin typeface="HGS明朝E" panose="02020900000000000000" pitchFamily="18" charset="-128"/>
+              <a:ea typeface="HGS明朝E" panose="02020900000000000000" pitchFamily="18" charset="-128"/>
+            </a:endParaRPr>
+          </a:p>
+        </p:txBody>
+      </p:sp>
+    </p:spTree>
+    <p:extLst>
+      <p:ext uri="{BB962C8B-B14F-4D97-AF65-F5344CB8AC3E}">
+        <p14:creationId xmlns:p14="http://schemas.microsoft.com/office/powerpoint/2010/main" val="1424593308"/>
       </p:ext>
     </p:extLst>
   </p:cSld>

--- a/りざっと案件_仕様概要書.pptx
+++ b/りざっと案件_仕様概要書.pptx
@@ -9373,7 +9373,7 @@
         </p:blipFill>
         <p:spPr>
           <a:xfrm>
-            <a:off x="330740" y="2002478"/>
+            <a:off x="330740" y="2190347"/>
             <a:ext cx="1042154" cy="1138966"/>
           </a:xfrm>
           <a:prstGeom prst="rect">
@@ -9408,7 +9408,7 @@
         </p:blipFill>
         <p:spPr>
           <a:xfrm>
-            <a:off x="357819" y="4577804"/>
+            <a:off x="357819" y="3771151"/>
             <a:ext cx="908325" cy="1138966"/>
           </a:xfrm>
           <a:prstGeom prst="rect">
@@ -9430,7 +9430,7 @@
         </p:nvSpPr>
         <p:spPr>
           <a:xfrm>
-            <a:off x="384900" y="3141444"/>
+            <a:off x="384900" y="3329313"/>
             <a:ext cx="854165" cy="338554"/>
           </a:xfrm>
           <a:prstGeom prst="rect">
@@ -9473,7 +9473,7 @@
         </p:nvSpPr>
         <p:spPr>
           <a:xfrm>
-            <a:off x="384900" y="5716770"/>
+            <a:off x="384900" y="4910117"/>
             <a:ext cx="854165" cy="338554"/>
           </a:xfrm>
           <a:prstGeom prst="rect">
@@ -9784,8 +9784,8 @@
           <p:nvPr/>
         </p:nvSpPr>
         <p:spPr>
-          <a:xfrm rot="1654270">
-            <a:off x="1606842" y="2513757"/>
+          <a:xfrm>
+            <a:off x="1408141" y="3096006"/>
             <a:ext cx="1367200" cy="276999"/>
           </a:xfrm>
           <a:prstGeom prst="rect">
@@ -9826,8 +9826,8 @@
           <p:nvPr/>
         </p:nvSpPr>
         <p:spPr>
-          <a:xfrm rot="1737503">
-            <a:off x="1548256" y="2992917"/>
+          <a:xfrm>
+            <a:off x="1586547" y="4058329"/>
             <a:ext cx="1042154" cy="276999"/>
           </a:xfrm>
           <a:prstGeom prst="rect">
@@ -9869,9 +9869,9 @@
           <p:nvPr/>
         </p:nvSpPr>
         <p:spPr>
-          <a:xfrm rot="1709345">
-            <a:off x="1343789" y="2684352"/>
-            <a:ext cx="1541328" cy="185721"/>
+          <a:xfrm>
+            <a:off x="1413850" y="3370824"/>
+            <a:ext cx="1401207" cy="185721"/>
           </a:xfrm>
           <a:prstGeom prst="rightArrow">
             <a:avLst/>
@@ -9915,9 +9915,9 @@
           <p:nvPr/>
         </p:nvSpPr>
         <p:spPr>
-          <a:xfrm rot="12463811">
-            <a:off x="1339841" y="3249702"/>
-            <a:ext cx="1541328" cy="185721"/>
+          <a:xfrm rot="10800000">
+            <a:off x="1409902" y="4310623"/>
+            <a:ext cx="1401207" cy="185721"/>
           </a:xfrm>
           <a:prstGeom prst="rightArrow">
             <a:avLst/>
@@ -9950,109 +9950,34 @@
       </p:sp>
       <p:sp>
         <p:nvSpPr>
-          <p:cNvPr id="58" name="テキスト ボックス 57">
-            <a:extLst>
-              <a:ext uri="{FF2B5EF4-FFF2-40B4-BE49-F238E27FC236}">
-                <a16:creationId xmlns:a16="http://schemas.microsoft.com/office/drawing/2014/main" id="{0D367B5E-4B1B-0561-C1D4-CEC868D095FE}"/>
-              </a:ext>
-            </a:extLst>
-          </p:cNvPr>
-          <p:cNvSpPr txBox="1"/>
-          <p:nvPr/>
-        </p:nvSpPr>
-        <p:spPr>
-          <a:xfrm rot="19584061">
-            <a:off x="1554732" y="4003871"/>
-            <a:ext cx="1367200" cy="276999"/>
+          <p:cNvPr id="62" name="正方形/長方形 61">
+            <a:extLst>
+              <a:ext uri="{FF2B5EF4-FFF2-40B4-BE49-F238E27FC236}">
+                <a16:creationId xmlns:a16="http://schemas.microsoft.com/office/drawing/2014/main" id="{7E2B15BC-C407-75C6-695D-CF3AEFEC91F0}"/>
+              </a:ext>
+            </a:extLst>
+          </p:cNvPr>
+          <p:cNvSpPr/>
+          <p:nvPr/>
+        </p:nvSpPr>
+        <p:spPr>
+          <a:xfrm>
+            <a:off x="5617446" y="4619452"/>
+            <a:ext cx="1342190" cy="1550767"/>
           </a:xfrm>
           <a:prstGeom prst="rect">
             <a:avLst/>
           </a:prstGeom>
-          <a:noFill/>
-        </p:spPr>
-        <p:txBody>
-          <a:bodyPr wrap="square" rtlCol="0">
-            <a:spAutoFit/>
-          </a:bodyPr>
-          <a:lstStyle/>
-          <a:p>
-            <a:r>
-              <a:rPr lang="ja-JP" altLang="en-US" sz="1200" dirty="0">
-                <a:latin typeface="HGS明朝E" panose="02020900000000000000" pitchFamily="18" charset="-128"/>
-                <a:ea typeface="HGS明朝E" panose="02020900000000000000" pitchFamily="18" charset="-128"/>
-              </a:rPr>
-              <a:t>リクエスト</a:t>
-            </a:r>
-            <a:endParaRPr lang="en-US" altLang="ja-JP" sz="1200" dirty="0">
-              <a:latin typeface="HGS明朝E" panose="02020900000000000000" pitchFamily="18" charset="-128"/>
-              <a:ea typeface="HGS明朝E" panose="02020900000000000000" pitchFamily="18" charset="-128"/>
-            </a:endParaRPr>
-          </a:p>
-        </p:txBody>
-      </p:sp>
-      <p:sp>
-        <p:nvSpPr>
-          <p:cNvPr id="59" name="テキスト ボックス 58">
-            <a:extLst>
-              <a:ext uri="{FF2B5EF4-FFF2-40B4-BE49-F238E27FC236}">
-                <a16:creationId xmlns:a16="http://schemas.microsoft.com/office/drawing/2014/main" id="{DBA963BC-C9F0-EED1-21A0-68B96A53270A}"/>
-              </a:ext>
-            </a:extLst>
-          </p:cNvPr>
-          <p:cNvSpPr txBox="1"/>
-          <p:nvPr/>
-        </p:nvSpPr>
-        <p:spPr>
-          <a:xfrm rot="19667294">
-            <a:off x="1547746" y="4693401"/>
-            <a:ext cx="1042154" cy="276999"/>
-          </a:xfrm>
-          <a:prstGeom prst="rect">
-            <a:avLst/>
-          </a:prstGeom>
-          <a:noFill/>
-        </p:spPr>
-        <p:txBody>
-          <a:bodyPr wrap="square" rtlCol="0">
-            <a:spAutoFit/>
-          </a:bodyPr>
-          <a:lstStyle/>
-          <a:p>
-            <a:pPr algn="r"/>
-            <a:r>
-              <a:rPr lang="ja-JP" altLang="en-US" sz="1200" dirty="0">
-                <a:latin typeface="HGS明朝E" panose="02020900000000000000" pitchFamily="18" charset="-128"/>
-                <a:ea typeface="HGS明朝E" panose="02020900000000000000" pitchFamily="18" charset="-128"/>
-              </a:rPr>
-              <a:t>レスポンス</a:t>
-            </a:r>
-            <a:endParaRPr lang="en-US" altLang="ja-JP" sz="1200" dirty="0">
-              <a:latin typeface="HGS明朝E" panose="02020900000000000000" pitchFamily="18" charset="-128"/>
-              <a:ea typeface="HGS明朝E" panose="02020900000000000000" pitchFamily="18" charset="-128"/>
-            </a:endParaRPr>
-          </a:p>
-        </p:txBody>
-      </p:sp>
-      <p:sp>
-        <p:nvSpPr>
-          <p:cNvPr id="60" name="矢印: 右 59">
-            <a:extLst>
-              <a:ext uri="{FF2B5EF4-FFF2-40B4-BE49-F238E27FC236}">
-                <a16:creationId xmlns:a16="http://schemas.microsoft.com/office/drawing/2014/main" id="{A82F194B-5136-5199-5392-EA67393A86AC}"/>
-              </a:ext>
-            </a:extLst>
-          </p:cNvPr>
-          <p:cNvSpPr/>
-          <p:nvPr/>
-        </p:nvSpPr>
-        <p:spPr>
-          <a:xfrm rot="19639136">
-            <a:off x="1343279" y="4384836"/>
-            <a:ext cx="1541328" cy="185721"/>
-          </a:xfrm>
-          <a:prstGeom prst="rightArrow">
-            <a:avLst/>
-          </a:prstGeom>
+          <a:solidFill>
+            <a:schemeClr val="bg1"/>
+          </a:solidFill>
+          <a:ln w="38100">
+            <a:solidFill>
+              <a:schemeClr val="accent4">
+                <a:lumMod val="50000"/>
+              </a:schemeClr>
+            </a:solidFill>
+          </a:ln>
         </p:spPr>
         <p:style>
           <a:lnRef idx="2">
@@ -10081,10 +10006,125 @@
       </p:sp>
       <p:sp>
         <p:nvSpPr>
-          <p:cNvPr id="61" name="矢印: 右 60">
-            <a:extLst>
-              <a:ext uri="{FF2B5EF4-FFF2-40B4-BE49-F238E27FC236}">
-                <a16:creationId xmlns:a16="http://schemas.microsoft.com/office/drawing/2014/main" id="{E5E1C634-29D7-1500-2933-612AB0819942}"/>
+          <p:cNvPr id="63" name="テキスト ボックス 62">
+            <a:extLst>
+              <a:ext uri="{FF2B5EF4-FFF2-40B4-BE49-F238E27FC236}">
+                <a16:creationId xmlns:a16="http://schemas.microsoft.com/office/drawing/2014/main" id="{3D0FB264-2D69-0BC9-D0E2-AFE5C90D5108}"/>
+              </a:ext>
+            </a:extLst>
+          </p:cNvPr>
+          <p:cNvSpPr txBox="1"/>
+          <p:nvPr/>
+        </p:nvSpPr>
+        <p:spPr>
+          <a:xfrm>
+            <a:off x="5677279" y="4671264"/>
+            <a:ext cx="1153742" cy="338554"/>
+          </a:xfrm>
+          <a:prstGeom prst="rect">
+            <a:avLst/>
+          </a:prstGeom>
+          <a:noFill/>
+        </p:spPr>
+        <p:txBody>
+          <a:bodyPr wrap="square" rtlCol="0">
+            <a:spAutoFit/>
+          </a:bodyPr>
+          <a:lstStyle/>
+          <a:p>
+            <a:pPr algn="ctr"/>
+            <a:r>
+              <a:rPr lang="en-US" altLang="ja-JP" sz="1600" dirty="0">
+                <a:latin typeface="HGS明朝E" panose="02020900000000000000" pitchFamily="18" charset="-128"/>
+                <a:ea typeface="HGS明朝E" panose="02020900000000000000" pitchFamily="18" charset="-128"/>
+              </a:rPr>
+              <a:t>View</a:t>
+            </a:r>
+          </a:p>
+        </p:txBody>
+      </p:sp>
+      <p:sp>
+        <p:nvSpPr>
+          <p:cNvPr id="64" name="テキスト ボックス 63">
+            <a:extLst>
+              <a:ext uri="{FF2B5EF4-FFF2-40B4-BE49-F238E27FC236}">
+                <a16:creationId xmlns:a16="http://schemas.microsoft.com/office/drawing/2014/main" id="{DA720501-E87F-404F-3298-05A82ACA572B}"/>
+              </a:ext>
+            </a:extLst>
+          </p:cNvPr>
+          <p:cNvSpPr txBox="1"/>
+          <p:nvPr/>
+        </p:nvSpPr>
+        <p:spPr>
+          <a:xfrm>
+            <a:off x="5677279" y="5134137"/>
+            <a:ext cx="1228515" cy="738664"/>
+          </a:xfrm>
+          <a:prstGeom prst="rect">
+            <a:avLst/>
+          </a:prstGeom>
+          <a:noFill/>
+        </p:spPr>
+        <p:txBody>
+          <a:bodyPr wrap="square" rtlCol="0">
+            <a:spAutoFit/>
+          </a:bodyPr>
+          <a:lstStyle/>
+          <a:p>
+            <a:pPr marL="171450" indent="-171450">
+              <a:buFont typeface="Arial" panose="020B0604020202020204" pitchFamily="34" charset="0"/>
+              <a:buChar char="•"/>
+            </a:pPr>
+            <a:r>
+              <a:rPr lang="en-US" altLang="ja-JP" sz="1400" dirty="0">
+                <a:latin typeface="HGS明朝E" panose="02020900000000000000" pitchFamily="18" charset="-128"/>
+                <a:ea typeface="HGS明朝E" panose="02020900000000000000" pitchFamily="18" charset="-128"/>
+              </a:rPr>
+              <a:t>html</a:t>
+            </a:r>
+          </a:p>
+          <a:p>
+            <a:pPr marL="171450" indent="-171450">
+              <a:buFont typeface="Arial" panose="020B0604020202020204" pitchFamily="34" charset="0"/>
+              <a:buChar char="•"/>
+            </a:pPr>
+            <a:r>
+              <a:rPr lang="en-US" altLang="ja-JP" sz="1400" dirty="0" err="1">
+                <a:latin typeface="HGS明朝E" panose="02020900000000000000" pitchFamily="18" charset="-128"/>
+                <a:ea typeface="HGS明朝E" panose="02020900000000000000" pitchFamily="18" charset="-128"/>
+              </a:rPr>
+              <a:t>css</a:t>
+            </a:r>
+            <a:endParaRPr lang="en-US" altLang="ja-JP" sz="1400" dirty="0">
+              <a:latin typeface="HGS明朝E" panose="02020900000000000000" pitchFamily="18" charset="-128"/>
+              <a:ea typeface="HGS明朝E" panose="02020900000000000000" pitchFamily="18" charset="-128"/>
+            </a:endParaRPr>
+          </a:p>
+          <a:p>
+            <a:pPr marL="171450" indent="-171450">
+              <a:buFont typeface="Arial" panose="020B0604020202020204" pitchFamily="34" charset="0"/>
+              <a:buChar char="•"/>
+            </a:pPr>
+            <a:r>
+              <a:rPr lang="en-US" altLang="ja-JP" sz="1400" dirty="0" err="1">
+                <a:latin typeface="HGS明朝E" panose="02020900000000000000" pitchFamily="18" charset="-128"/>
+                <a:ea typeface="HGS明朝E" panose="02020900000000000000" pitchFamily="18" charset="-128"/>
+              </a:rPr>
+              <a:t>javascript</a:t>
+            </a:r>
+            <a:endParaRPr lang="en-US" altLang="ja-JP" sz="1400" dirty="0">
+              <a:latin typeface="HGS明朝E" panose="02020900000000000000" pitchFamily="18" charset="-128"/>
+              <a:ea typeface="HGS明朝E" panose="02020900000000000000" pitchFamily="18" charset="-128"/>
+            </a:endParaRPr>
+          </a:p>
+        </p:txBody>
+      </p:sp>
+      <p:sp>
+        <p:nvSpPr>
+          <p:cNvPr id="65" name="正方形/長方形 64">
+            <a:extLst>
+              <a:ext uri="{FF2B5EF4-FFF2-40B4-BE49-F238E27FC236}">
+                <a16:creationId xmlns:a16="http://schemas.microsoft.com/office/drawing/2014/main" id="{A25C5529-20EB-4504-99B1-320D803EF59A}"/>
               </a:ext>
             </a:extLst>
           </p:cNvPr>
@@ -10092,13 +10132,23 @@
           <p:nvPr/>
         </p:nvSpPr>
         <p:spPr>
-          <a:xfrm rot="8793602">
-            <a:off x="1339331" y="4950186"/>
-            <a:ext cx="1541328" cy="185721"/>
-          </a:xfrm>
-          <a:prstGeom prst="rightArrow">
-            <a:avLst/>
-          </a:prstGeom>
+          <a:xfrm>
+            <a:off x="5616219" y="1675662"/>
+            <a:ext cx="1342190" cy="1906970"/>
+          </a:xfrm>
+          <a:prstGeom prst="rect">
+            <a:avLst/>
+          </a:prstGeom>
+          <a:solidFill>
+            <a:schemeClr val="bg1"/>
+          </a:solidFill>
+          <a:ln w="38100">
+            <a:solidFill>
+              <a:schemeClr val="accent4">
+                <a:lumMod val="50000"/>
+              </a:schemeClr>
+            </a:solidFill>
+          </a:ln>
         </p:spPr>
         <p:style>
           <a:lnRef idx="2">
@@ -10127,10 +10177,321 @@
       </p:sp>
       <p:sp>
         <p:nvSpPr>
-          <p:cNvPr id="62" name="正方形/長方形 61">
-            <a:extLst>
-              <a:ext uri="{FF2B5EF4-FFF2-40B4-BE49-F238E27FC236}">
-                <a16:creationId xmlns:a16="http://schemas.microsoft.com/office/drawing/2014/main" id="{7E2B15BC-C407-75C6-695D-CF3AEFEC91F0}"/>
+          <p:cNvPr id="66" name="テキスト ボックス 65">
+            <a:extLst>
+              <a:ext uri="{FF2B5EF4-FFF2-40B4-BE49-F238E27FC236}">
+                <a16:creationId xmlns:a16="http://schemas.microsoft.com/office/drawing/2014/main" id="{D88C1D97-09C4-A70B-9A9E-187C5033D6E2}"/>
+              </a:ext>
+            </a:extLst>
+          </p:cNvPr>
+          <p:cNvSpPr txBox="1"/>
+          <p:nvPr/>
+        </p:nvSpPr>
+        <p:spPr>
+          <a:xfrm>
+            <a:off x="5676052" y="1727474"/>
+            <a:ext cx="1153742" cy="338554"/>
+          </a:xfrm>
+          <a:prstGeom prst="rect">
+            <a:avLst/>
+          </a:prstGeom>
+          <a:noFill/>
+        </p:spPr>
+        <p:txBody>
+          <a:bodyPr wrap="square" rtlCol="0">
+            <a:spAutoFit/>
+          </a:bodyPr>
+          <a:lstStyle/>
+          <a:p>
+            <a:pPr algn="ctr"/>
+            <a:r>
+              <a:rPr lang="en-US" altLang="ja-JP" sz="1600" dirty="0">
+                <a:latin typeface="HGS明朝E" panose="02020900000000000000" pitchFamily="18" charset="-128"/>
+                <a:ea typeface="HGS明朝E" panose="02020900000000000000" pitchFamily="18" charset="-128"/>
+              </a:rPr>
+              <a:t>Model</a:t>
+            </a:r>
+          </a:p>
+        </p:txBody>
+      </p:sp>
+      <p:sp>
+        <p:nvSpPr>
+          <p:cNvPr id="67" name="テキスト ボックス 66">
+            <a:extLst>
+              <a:ext uri="{FF2B5EF4-FFF2-40B4-BE49-F238E27FC236}">
+                <a16:creationId xmlns:a16="http://schemas.microsoft.com/office/drawing/2014/main" id="{6A6DBC19-C5DF-C671-E38E-749E81646FBB}"/>
+              </a:ext>
+            </a:extLst>
+          </p:cNvPr>
+          <p:cNvSpPr txBox="1"/>
+          <p:nvPr/>
+        </p:nvSpPr>
+        <p:spPr>
+          <a:xfrm>
+            <a:off x="5676052" y="2190347"/>
+            <a:ext cx="1228515" cy="1384995"/>
+          </a:xfrm>
+          <a:prstGeom prst="rect">
+            <a:avLst/>
+          </a:prstGeom>
+          <a:noFill/>
+        </p:spPr>
+        <p:txBody>
+          <a:bodyPr wrap="square" rtlCol="0">
+            <a:spAutoFit/>
+          </a:bodyPr>
+          <a:lstStyle/>
+          <a:p>
+            <a:pPr marL="171450" indent="-171450">
+              <a:buFont typeface="Arial" panose="020B0604020202020204" pitchFamily="34" charset="0"/>
+              <a:buChar char="•"/>
+            </a:pPr>
+            <a:r>
+              <a:rPr lang="en-US" altLang="ja-JP" sz="1400" dirty="0">
+                <a:latin typeface="HGS明朝E" panose="02020900000000000000" pitchFamily="18" charset="-128"/>
+                <a:ea typeface="HGS明朝E" panose="02020900000000000000" pitchFamily="18" charset="-128"/>
+              </a:rPr>
+              <a:t>Java</a:t>
+            </a:r>
+          </a:p>
+          <a:p>
+            <a:endParaRPr lang="en-US" altLang="ja-JP" sz="1400" dirty="0">
+              <a:latin typeface="HGS明朝E" panose="02020900000000000000" pitchFamily="18" charset="-128"/>
+              <a:ea typeface="HGS明朝E" panose="02020900000000000000" pitchFamily="18" charset="-128"/>
+            </a:endParaRPr>
+          </a:p>
+          <a:p>
+            <a:r>
+              <a:rPr lang="ja-JP" altLang="en-US" sz="1400" dirty="0">
+                <a:latin typeface="HGS明朝E" panose="02020900000000000000" pitchFamily="18" charset="-128"/>
+                <a:ea typeface="HGS明朝E" panose="02020900000000000000" pitchFamily="18" charset="-128"/>
+              </a:rPr>
+              <a:t>クラス</a:t>
+            </a:r>
+            <a:endParaRPr lang="en-US" altLang="ja-JP" sz="1400" dirty="0">
+              <a:latin typeface="HGS明朝E" panose="02020900000000000000" pitchFamily="18" charset="-128"/>
+              <a:ea typeface="HGS明朝E" panose="02020900000000000000" pitchFamily="18" charset="-128"/>
+            </a:endParaRPr>
+          </a:p>
+          <a:p>
+            <a:pPr marL="171450" indent="-171450">
+              <a:buFont typeface="Arial" panose="020B0604020202020204" pitchFamily="34" charset="0"/>
+              <a:buChar char="•"/>
+            </a:pPr>
+            <a:r>
+              <a:rPr lang="en-US" altLang="ja-JP" sz="1400" dirty="0">
+                <a:latin typeface="HGS明朝E" panose="02020900000000000000" pitchFamily="18" charset="-128"/>
+                <a:ea typeface="HGS明朝E" panose="02020900000000000000" pitchFamily="18" charset="-128"/>
+              </a:rPr>
+              <a:t>Service</a:t>
+            </a:r>
+          </a:p>
+          <a:p>
+            <a:pPr marL="171450" indent="-171450">
+              <a:buFont typeface="Arial" panose="020B0604020202020204" pitchFamily="34" charset="0"/>
+              <a:buChar char="•"/>
+            </a:pPr>
+            <a:r>
+              <a:rPr lang="en-US" altLang="ja-JP" sz="1400" dirty="0">
+                <a:latin typeface="HGS明朝E" panose="02020900000000000000" pitchFamily="18" charset="-128"/>
+                <a:ea typeface="HGS明朝E" panose="02020900000000000000" pitchFamily="18" charset="-128"/>
+              </a:rPr>
+              <a:t>Repository</a:t>
+            </a:r>
+          </a:p>
+          <a:p>
+            <a:pPr marL="171450" indent="-171450">
+              <a:buFont typeface="Arial" panose="020B0604020202020204" pitchFamily="34" charset="0"/>
+              <a:buChar char="•"/>
+            </a:pPr>
+            <a:r>
+              <a:rPr lang="en-US" altLang="ja-JP" sz="1400" dirty="0">
+                <a:latin typeface="HGS明朝E" panose="02020900000000000000" pitchFamily="18" charset="-128"/>
+                <a:ea typeface="HGS明朝E" panose="02020900000000000000" pitchFamily="18" charset="-128"/>
+              </a:rPr>
+              <a:t>Entity</a:t>
+            </a:r>
+          </a:p>
+        </p:txBody>
+      </p:sp>
+      <p:sp>
+        <p:nvSpPr>
+          <p:cNvPr id="68" name="テキスト ボックス 67">
+            <a:extLst>
+              <a:ext uri="{FF2B5EF4-FFF2-40B4-BE49-F238E27FC236}">
+                <a16:creationId xmlns:a16="http://schemas.microsoft.com/office/drawing/2014/main" id="{234222E4-33FB-5C82-42ED-3C9B668E4821}"/>
+              </a:ext>
+            </a:extLst>
+          </p:cNvPr>
+          <p:cNvSpPr txBox="1"/>
+          <p:nvPr/>
+        </p:nvSpPr>
+        <p:spPr>
+          <a:xfrm>
+            <a:off x="3853052" y="2367926"/>
+            <a:ext cx="1367200" cy="276999"/>
+          </a:xfrm>
+          <a:prstGeom prst="rect">
+            <a:avLst/>
+          </a:prstGeom>
+          <a:noFill/>
+        </p:spPr>
+        <p:txBody>
+          <a:bodyPr wrap="square" rtlCol="0">
+            <a:spAutoFit/>
+          </a:bodyPr>
+          <a:lstStyle/>
+          <a:p>
+            <a:pPr algn="ctr"/>
+            <a:r>
+              <a:rPr lang="ja-JP" altLang="en-US" sz="1200" dirty="0">
+                <a:latin typeface="HGS明朝E" panose="02020900000000000000" pitchFamily="18" charset="-128"/>
+                <a:ea typeface="HGS明朝E" panose="02020900000000000000" pitchFamily="18" charset="-128"/>
+              </a:rPr>
+              <a:t>処理を指示</a:t>
+            </a:r>
+            <a:endParaRPr lang="en-US" altLang="ja-JP" sz="1200" dirty="0">
+              <a:latin typeface="HGS明朝E" panose="02020900000000000000" pitchFamily="18" charset="-128"/>
+              <a:ea typeface="HGS明朝E" panose="02020900000000000000" pitchFamily="18" charset="-128"/>
+            </a:endParaRPr>
+          </a:p>
+        </p:txBody>
+      </p:sp>
+      <p:sp>
+        <p:nvSpPr>
+          <p:cNvPr id="69" name="テキスト ボックス 68">
+            <a:extLst>
+              <a:ext uri="{FF2B5EF4-FFF2-40B4-BE49-F238E27FC236}">
+                <a16:creationId xmlns:a16="http://schemas.microsoft.com/office/drawing/2014/main" id="{0632FF5D-97B1-042A-B47B-6EC90225E864}"/>
+              </a:ext>
+            </a:extLst>
+          </p:cNvPr>
+          <p:cNvSpPr txBox="1"/>
+          <p:nvPr/>
+        </p:nvSpPr>
+        <p:spPr>
+          <a:xfrm>
+            <a:off x="3693019" y="1751852"/>
+            <a:ext cx="1042154" cy="276999"/>
+          </a:xfrm>
+          <a:prstGeom prst="rect">
+            <a:avLst/>
+          </a:prstGeom>
+          <a:noFill/>
+        </p:spPr>
+        <p:txBody>
+          <a:bodyPr wrap="square" rtlCol="0">
+            <a:spAutoFit/>
+          </a:bodyPr>
+          <a:lstStyle/>
+          <a:p>
+            <a:pPr algn="ctr"/>
+            <a:r>
+              <a:rPr lang="ja-JP" altLang="en-US" sz="1200" dirty="0">
+                <a:latin typeface="HGS明朝E" panose="02020900000000000000" pitchFamily="18" charset="-128"/>
+                <a:ea typeface="HGS明朝E" panose="02020900000000000000" pitchFamily="18" charset="-128"/>
+              </a:rPr>
+              <a:t>処理結果</a:t>
+            </a:r>
+            <a:endParaRPr lang="en-US" altLang="ja-JP" sz="1200" dirty="0">
+              <a:latin typeface="HGS明朝E" panose="02020900000000000000" pitchFamily="18" charset="-128"/>
+              <a:ea typeface="HGS明朝E" panose="02020900000000000000" pitchFamily="18" charset="-128"/>
+            </a:endParaRPr>
+          </a:p>
+        </p:txBody>
+      </p:sp>
+      <p:sp>
+        <p:nvSpPr>
+          <p:cNvPr id="72" name="テキスト ボックス 71">
+            <a:extLst>
+              <a:ext uri="{FF2B5EF4-FFF2-40B4-BE49-F238E27FC236}">
+                <a16:creationId xmlns:a16="http://schemas.microsoft.com/office/drawing/2014/main" id="{256CC15E-DCAC-8735-64A4-56FE6143E58A}"/>
+              </a:ext>
+            </a:extLst>
+          </p:cNvPr>
+          <p:cNvSpPr txBox="1"/>
+          <p:nvPr/>
+        </p:nvSpPr>
+        <p:spPr>
+          <a:xfrm>
+            <a:off x="3833881" y="4746922"/>
+            <a:ext cx="1367200" cy="276999"/>
+          </a:xfrm>
+          <a:prstGeom prst="rect">
+            <a:avLst/>
+          </a:prstGeom>
+          <a:noFill/>
+        </p:spPr>
+        <p:txBody>
+          <a:bodyPr wrap="square" rtlCol="0">
+            <a:spAutoFit/>
+          </a:bodyPr>
+          <a:lstStyle/>
+          <a:p>
+            <a:pPr algn="ctr"/>
+            <a:r>
+              <a:rPr lang="ja-JP" altLang="en-US" sz="1200" dirty="0">
+                <a:latin typeface="HGS明朝E" panose="02020900000000000000" pitchFamily="18" charset="-128"/>
+                <a:ea typeface="HGS明朝E" panose="02020900000000000000" pitchFamily="18" charset="-128"/>
+              </a:rPr>
+              <a:t>画面表示を指示</a:t>
+            </a:r>
+            <a:endParaRPr lang="en-US" altLang="ja-JP" sz="1200" dirty="0">
+              <a:latin typeface="HGS明朝E" panose="02020900000000000000" pitchFamily="18" charset="-128"/>
+              <a:ea typeface="HGS明朝E" panose="02020900000000000000" pitchFamily="18" charset="-128"/>
+            </a:endParaRPr>
+          </a:p>
+        </p:txBody>
+      </p:sp>
+      <p:sp>
+        <p:nvSpPr>
+          <p:cNvPr id="73" name="テキスト ボックス 72">
+            <a:extLst>
+              <a:ext uri="{FF2B5EF4-FFF2-40B4-BE49-F238E27FC236}">
+                <a16:creationId xmlns:a16="http://schemas.microsoft.com/office/drawing/2014/main" id="{260D841C-69E6-5A4E-43FE-36457A1048C4}"/>
+              </a:ext>
+            </a:extLst>
+          </p:cNvPr>
+          <p:cNvSpPr txBox="1"/>
+          <p:nvPr/>
+        </p:nvSpPr>
+        <p:spPr>
+          <a:xfrm>
+            <a:off x="3881841" y="5369243"/>
+            <a:ext cx="1042154" cy="276999"/>
+          </a:xfrm>
+          <a:prstGeom prst="rect">
+            <a:avLst/>
+          </a:prstGeom>
+          <a:noFill/>
+        </p:spPr>
+        <p:txBody>
+          <a:bodyPr wrap="square" rtlCol="0">
+            <a:spAutoFit/>
+          </a:bodyPr>
+          <a:lstStyle/>
+          <a:p>
+            <a:pPr algn="ctr"/>
+            <a:r>
+              <a:rPr lang="ja-JP" altLang="en-US" sz="1200" dirty="0">
+                <a:latin typeface="HGS明朝E" panose="02020900000000000000" pitchFamily="18" charset="-128"/>
+                <a:ea typeface="HGS明朝E" panose="02020900000000000000" pitchFamily="18" charset="-128"/>
+              </a:rPr>
+              <a:t>画面表示</a:t>
+            </a:r>
+            <a:endParaRPr lang="en-US" altLang="ja-JP" sz="1200" dirty="0">
+              <a:latin typeface="HGS明朝E" panose="02020900000000000000" pitchFamily="18" charset="-128"/>
+              <a:ea typeface="HGS明朝E" panose="02020900000000000000" pitchFamily="18" charset="-128"/>
+            </a:endParaRPr>
+          </a:p>
+        </p:txBody>
+      </p:sp>
+      <p:sp>
+        <p:nvSpPr>
+          <p:cNvPr id="74" name="矢印: 上向き折線 73">
+            <a:extLst>
+              <a:ext uri="{FF2B5EF4-FFF2-40B4-BE49-F238E27FC236}">
+                <a16:creationId xmlns:a16="http://schemas.microsoft.com/office/drawing/2014/main" id="{13945A8A-4479-2DEC-880F-BB972106AAE8}"/>
               </a:ext>
             </a:extLst>
           </p:cNvPr>
@@ -10138,23 +10499,17 @@
           <p:nvPr/>
         </p:nvSpPr>
         <p:spPr>
-          <a:xfrm>
-            <a:off x="5617446" y="4619452"/>
-            <a:ext cx="1342190" cy="1550767"/>
-          </a:xfrm>
-          <a:prstGeom prst="rect">
-            <a:avLst/>
-          </a:prstGeom>
-          <a:solidFill>
-            <a:schemeClr val="bg1"/>
-          </a:solidFill>
-          <a:ln w="38100">
-            <a:solidFill>
-              <a:schemeClr val="accent4">
-                <a:lumMod val="50000"/>
-              </a:schemeClr>
-            </a:solidFill>
-          </a:ln>
+          <a:xfrm rot="5400000">
+            <a:off x="4345935" y="4092640"/>
+            <a:ext cx="515625" cy="1698695"/>
+          </a:xfrm>
+          <a:prstGeom prst="bentUpArrow">
+            <a:avLst>
+              <a:gd name="adj1" fmla="val 13681"/>
+              <a:gd name="adj2" fmla="val 26969"/>
+              <a:gd name="adj3" fmla="val 50000"/>
+            </a:avLst>
+          </a:prstGeom>
         </p:spPr>
         <p:style>
           <a:lnRef idx="2">
@@ -10183,125 +10538,10 @@
       </p:sp>
       <p:sp>
         <p:nvSpPr>
-          <p:cNvPr id="63" name="テキスト ボックス 62">
-            <a:extLst>
-              <a:ext uri="{FF2B5EF4-FFF2-40B4-BE49-F238E27FC236}">
-                <a16:creationId xmlns:a16="http://schemas.microsoft.com/office/drawing/2014/main" id="{3D0FB264-2D69-0BC9-D0E2-AFE5C90D5108}"/>
-              </a:ext>
-            </a:extLst>
-          </p:cNvPr>
-          <p:cNvSpPr txBox="1"/>
-          <p:nvPr/>
-        </p:nvSpPr>
-        <p:spPr>
-          <a:xfrm>
-            <a:off x="5677279" y="4671264"/>
-            <a:ext cx="1153742" cy="338554"/>
-          </a:xfrm>
-          <a:prstGeom prst="rect">
-            <a:avLst/>
-          </a:prstGeom>
-          <a:noFill/>
-        </p:spPr>
-        <p:txBody>
-          <a:bodyPr wrap="square" rtlCol="0">
-            <a:spAutoFit/>
-          </a:bodyPr>
-          <a:lstStyle/>
-          <a:p>
-            <a:pPr algn="ctr"/>
-            <a:r>
-              <a:rPr lang="en-US" altLang="ja-JP" sz="1600" dirty="0">
-                <a:latin typeface="HGS明朝E" panose="02020900000000000000" pitchFamily="18" charset="-128"/>
-                <a:ea typeface="HGS明朝E" panose="02020900000000000000" pitchFamily="18" charset="-128"/>
-              </a:rPr>
-              <a:t>View</a:t>
-            </a:r>
-          </a:p>
-        </p:txBody>
-      </p:sp>
-      <p:sp>
-        <p:nvSpPr>
-          <p:cNvPr id="64" name="テキスト ボックス 63">
-            <a:extLst>
-              <a:ext uri="{FF2B5EF4-FFF2-40B4-BE49-F238E27FC236}">
-                <a16:creationId xmlns:a16="http://schemas.microsoft.com/office/drawing/2014/main" id="{DA720501-E87F-404F-3298-05A82ACA572B}"/>
-              </a:ext>
-            </a:extLst>
-          </p:cNvPr>
-          <p:cNvSpPr txBox="1"/>
-          <p:nvPr/>
-        </p:nvSpPr>
-        <p:spPr>
-          <a:xfrm>
-            <a:off x="5677279" y="5134137"/>
-            <a:ext cx="1228515" cy="738664"/>
-          </a:xfrm>
-          <a:prstGeom prst="rect">
-            <a:avLst/>
-          </a:prstGeom>
-          <a:noFill/>
-        </p:spPr>
-        <p:txBody>
-          <a:bodyPr wrap="square" rtlCol="0">
-            <a:spAutoFit/>
-          </a:bodyPr>
-          <a:lstStyle/>
-          <a:p>
-            <a:pPr marL="171450" indent="-171450">
-              <a:buFont typeface="Arial" panose="020B0604020202020204" pitchFamily="34" charset="0"/>
-              <a:buChar char="•"/>
-            </a:pPr>
-            <a:r>
-              <a:rPr lang="en-US" altLang="ja-JP" sz="1400" dirty="0">
-                <a:latin typeface="HGS明朝E" panose="02020900000000000000" pitchFamily="18" charset="-128"/>
-                <a:ea typeface="HGS明朝E" panose="02020900000000000000" pitchFamily="18" charset="-128"/>
-              </a:rPr>
-              <a:t>html</a:t>
-            </a:r>
-          </a:p>
-          <a:p>
-            <a:pPr marL="171450" indent="-171450">
-              <a:buFont typeface="Arial" panose="020B0604020202020204" pitchFamily="34" charset="0"/>
-              <a:buChar char="•"/>
-            </a:pPr>
-            <a:r>
-              <a:rPr lang="en-US" altLang="ja-JP" sz="1400" dirty="0" err="1">
-                <a:latin typeface="HGS明朝E" panose="02020900000000000000" pitchFamily="18" charset="-128"/>
-                <a:ea typeface="HGS明朝E" panose="02020900000000000000" pitchFamily="18" charset="-128"/>
-              </a:rPr>
-              <a:t>css</a:t>
-            </a:r>
-            <a:endParaRPr lang="en-US" altLang="ja-JP" sz="1400" dirty="0">
-              <a:latin typeface="HGS明朝E" panose="02020900000000000000" pitchFamily="18" charset="-128"/>
-              <a:ea typeface="HGS明朝E" panose="02020900000000000000" pitchFamily="18" charset="-128"/>
-            </a:endParaRPr>
-          </a:p>
-          <a:p>
-            <a:pPr marL="171450" indent="-171450">
-              <a:buFont typeface="Arial" panose="020B0604020202020204" pitchFamily="34" charset="0"/>
-              <a:buChar char="•"/>
-            </a:pPr>
-            <a:r>
-              <a:rPr lang="en-US" altLang="ja-JP" sz="1400" dirty="0" err="1">
-                <a:latin typeface="HGS明朝E" panose="02020900000000000000" pitchFamily="18" charset="-128"/>
-                <a:ea typeface="HGS明朝E" panose="02020900000000000000" pitchFamily="18" charset="-128"/>
-              </a:rPr>
-              <a:t>javascript</a:t>
-            </a:r>
-            <a:endParaRPr lang="en-US" altLang="ja-JP" sz="1400" dirty="0">
-              <a:latin typeface="HGS明朝E" panose="02020900000000000000" pitchFamily="18" charset="-128"/>
-              <a:ea typeface="HGS明朝E" panose="02020900000000000000" pitchFamily="18" charset="-128"/>
-            </a:endParaRPr>
-          </a:p>
-        </p:txBody>
-      </p:sp>
-      <p:sp>
-        <p:nvSpPr>
-          <p:cNvPr id="65" name="正方形/長方形 64">
-            <a:extLst>
-              <a:ext uri="{FF2B5EF4-FFF2-40B4-BE49-F238E27FC236}">
-                <a16:creationId xmlns:a16="http://schemas.microsoft.com/office/drawing/2014/main" id="{A25C5529-20EB-4504-99B1-320D803EF59A}"/>
+          <p:cNvPr id="75" name="矢印: 上向き折線 74">
+            <a:extLst>
+              <a:ext uri="{FF2B5EF4-FFF2-40B4-BE49-F238E27FC236}">
+                <a16:creationId xmlns:a16="http://schemas.microsoft.com/office/drawing/2014/main" id="{EED23AE1-66D9-D19A-5572-3D00D049F0F8}"/>
               </a:ext>
             </a:extLst>
           </p:cNvPr>
@@ -10309,23 +10549,17 @@
           <p:nvPr/>
         </p:nvSpPr>
         <p:spPr>
-          <a:xfrm>
-            <a:off x="5616219" y="1675662"/>
-            <a:ext cx="1342190" cy="1550767"/>
-          </a:xfrm>
-          <a:prstGeom prst="rect">
-            <a:avLst/>
-          </a:prstGeom>
-          <a:solidFill>
-            <a:schemeClr val="bg1"/>
-          </a:solidFill>
-          <a:ln w="38100">
-            <a:solidFill>
-              <a:schemeClr val="accent4">
-                <a:lumMod val="50000"/>
-              </a:schemeClr>
-            </a:solidFill>
-          </a:ln>
+          <a:xfrm rot="10800000" flipV="1">
+            <a:off x="3175982" y="4805464"/>
+            <a:ext cx="2222298" cy="952081"/>
+          </a:xfrm>
+          <a:prstGeom prst="bentUpArrow">
+            <a:avLst>
+              <a:gd name="adj1" fmla="val 9674"/>
+              <a:gd name="adj2" fmla="val 12228"/>
+              <a:gd name="adj3" fmla="val 25000"/>
+            </a:avLst>
+          </a:prstGeom>
         </p:spPr>
         <p:style>
           <a:lnRef idx="2">
@@ -10354,10 +10588,10 @@
       </p:sp>
       <p:sp>
         <p:nvSpPr>
-          <p:cNvPr id="66" name="テキスト ボックス 65">
-            <a:extLst>
-              <a:ext uri="{FF2B5EF4-FFF2-40B4-BE49-F238E27FC236}">
-                <a16:creationId xmlns:a16="http://schemas.microsoft.com/office/drawing/2014/main" id="{D88C1D97-09C4-A70B-9A9E-187C5033D6E2}"/>
+          <p:cNvPr id="76" name="テキスト ボックス 75">
+            <a:extLst>
+              <a:ext uri="{FF2B5EF4-FFF2-40B4-BE49-F238E27FC236}">
+                <a16:creationId xmlns:a16="http://schemas.microsoft.com/office/drawing/2014/main" id="{CA03D476-25AF-6337-83BF-93E53AFBB387}"/>
               </a:ext>
             </a:extLst>
           </p:cNvPr>
@@ -10366,127 +10600,7 @@
         </p:nvSpPr>
         <p:spPr>
           <a:xfrm>
-            <a:off x="5676052" y="1727474"/>
-            <a:ext cx="1153742" cy="338554"/>
-          </a:xfrm>
-          <a:prstGeom prst="rect">
-            <a:avLst/>
-          </a:prstGeom>
-          <a:noFill/>
-        </p:spPr>
-        <p:txBody>
-          <a:bodyPr wrap="square" rtlCol="0">
-            <a:spAutoFit/>
-          </a:bodyPr>
-          <a:lstStyle/>
-          <a:p>
-            <a:pPr algn="ctr"/>
-            <a:r>
-              <a:rPr lang="en-US" altLang="ja-JP" sz="1600" dirty="0">
-                <a:latin typeface="HGS明朝E" panose="02020900000000000000" pitchFamily="18" charset="-128"/>
-                <a:ea typeface="HGS明朝E" panose="02020900000000000000" pitchFamily="18" charset="-128"/>
-              </a:rPr>
-              <a:t>Model</a:t>
-            </a:r>
-          </a:p>
-        </p:txBody>
-      </p:sp>
-      <p:sp>
-        <p:nvSpPr>
-          <p:cNvPr id="67" name="テキスト ボックス 66">
-            <a:extLst>
-              <a:ext uri="{FF2B5EF4-FFF2-40B4-BE49-F238E27FC236}">
-                <a16:creationId xmlns:a16="http://schemas.microsoft.com/office/drawing/2014/main" id="{6A6DBC19-C5DF-C671-E38E-749E81646FBB}"/>
-              </a:ext>
-            </a:extLst>
-          </p:cNvPr>
-          <p:cNvSpPr txBox="1"/>
-          <p:nvPr/>
-        </p:nvSpPr>
-        <p:spPr>
-          <a:xfrm>
-            <a:off x="5676052" y="2190347"/>
-            <a:ext cx="1228515" cy="954107"/>
-          </a:xfrm>
-          <a:prstGeom prst="rect">
-            <a:avLst/>
-          </a:prstGeom>
-          <a:noFill/>
-        </p:spPr>
-        <p:txBody>
-          <a:bodyPr wrap="square" rtlCol="0">
-            <a:spAutoFit/>
-          </a:bodyPr>
-          <a:lstStyle/>
-          <a:p>
-            <a:pPr marL="171450" indent="-171450">
-              <a:buFont typeface="Arial" panose="020B0604020202020204" pitchFamily="34" charset="0"/>
-              <a:buChar char="•"/>
-            </a:pPr>
-            <a:r>
-              <a:rPr lang="en-US" altLang="ja-JP" sz="1400" dirty="0">
-                <a:latin typeface="HGS明朝E" panose="02020900000000000000" pitchFamily="18" charset="-128"/>
-                <a:ea typeface="HGS明朝E" panose="02020900000000000000" pitchFamily="18" charset="-128"/>
-              </a:rPr>
-              <a:t>Java</a:t>
-            </a:r>
-          </a:p>
-          <a:p>
-            <a:pPr marL="171450" indent="-171450">
-              <a:buFont typeface="Arial" panose="020B0604020202020204" pitchFamily="34" charset="0"/>
-              <a:buChar char="•"/>
-            </a:pPr>
-            <a:r>
-              <a:rPr lang="en-US" altLang="ja-JP" sz="1400" dirty="0">
-                <a:latin typeface="HGS明朝E" panose="02020900000000000000" pitchFamily="18" charset="-128"/>
-                <a:ea typeface="HGS明朝E" panose="02020900000000000000" pitchFamily="18" charset="-128"/>
-              </a:rPr>
-              <a:t>Service</a:t>
-            </a:r>
-          </a:p>
-          <a:p>
-            <a:pPr marL="171450" indent="-171450">
-              <a:buFont typeface="Arial" panose="020B0604020202020204" pitchFamily="34" charset="0"/>
-              <a:buChar char="•"/>
-            </a:pPr>
-            <a:r>
-              <a:rPr lang="en-US" altLang="ja-JP" sz="1400" dirty="0">
-                <a:latin typeface="HGS明朝E" panose="02020900000000000000" pitchFamily="18" charset="-128"/>
-                <a:ea typeface="HGS明朝E" panose="02020900000000000000" pitchFamily="18" charset="-128"/>
-              </a:rPr>
-              <a:t>Repository</a:t>
-            </a:r>
-          </a:p>
-          <a:p>
-            <a:pPr marL="171450" indent="-171450">
-              <a:buFont typeface="Arial" panose="020B0604020202020204" pitchFamily="34" charset="0"/>
-              <a:buChar char="•"/>
-            </a:pPr>
-            <a:r>
-              <a:rPr lang="en-US" altLang="ja-JP" sz="1400" dirty="0">
-                <a:latin typeface="HGS明朝E" panose="02020900000000000000" pitchFamily="18" charset="-128"/>
-                <a:ea typeface="HGS明朝E" panose="02020900000000000000" pitchFamily="18" charset="-128"/>
-              </a:rPr>
-              <a:t>Entity</a:t>
-            </a:r>
-          </a:p>
-        </p:txBody>
-      </p:sp>
-      <p:sp>
-        <p:nvSpPr>
-          <p:cNvPr id="68" name="テキスト ボックス 67">
-            <a:extLst>
-              <a:ext uri="{FF2B5EF4-FFF2-40B4-BE49-F238E27FC236}">
-                <a16:creationId xmlns:a16="http://schemas.microsoft.com/office/drawing/2014/main" id="{234222E4-33FB-5C82-42ED-3C9B668E4821}"/>
-              </a:ext>
-            </a:extLst>
-          </p:cNvPr>
-          <p:cNvSpPr txBox="1"/>
-          <p:nvPr/>
-        </p:nvSpPr>
-        <p:spPr>
-          <a:xfrm rot="19584061">
-            <a:off x="4369489" y="1734020"/>
+            <a:off x="8344140" y="1777358"/>
             <a:ext cx="1367200" cy="276999"/>
           </a:xfrm>
           <a:prstGeom prst="rect">
@@ -10505,7 +10619,7 @@
                 <a:latin typeface="HGS明朝E" panose="02020900000000000000" pitchFamily="18" charset="-128"/>
                 <a:ea typeface="HGS明朝E" panose="02020900000000000000" pitchFamily="18" charset="-128"/>
               </a:rPr>
-              <a:t>処理を指示</a:t>
+              <a:t>データ保存</a:t>
             </a:r>
             <a:endParaRPr lang="en-US" altLang="ja-JP" sz="1200" dirty="0">
               <a:latin typeface="HGS明朝E" panose="02020900000000000000" pitchFamily="18" charset="-128"/>
@@ -10516,10 +10630,10 @@
       </p:sp>
       <p:sp>
         <p:nvSpPr>
-          <p:cNvPr id="69" name="テキスト ボックス 68">
-            <a:extLst>
-              <a:ext uri="{FF2B5EF4-FFF2-40B4-BE49-F238E27FC236}">
-                <a16:creationId xmlns:a16="http://schemas.microsoft.com/office/drawing/2014/main" id="{0632FF5D-97B1-042A-B47B-6EC90225E864}"/>
+          <p:cNvPr id="77" name="テキスト ボックス 76">
+            <a:extLst>
+              <a:ext uri="{FF2B5EF4-FFF2-40B4-BE49-F238E27FC236}">
+                <a16:creationId xmlns:a16="http://schemas.microsoft.com/office/drawing/2014/main" id="{52859506-0D82-AAB5-ACF8-6AFC6E52C418}"/>
               </a:ext>
             </a:extLst>
           </p:cNvPr>
@@ -10527,8 +10641,8 @@
           <p:nvPr/>
         </p:nvSpPr>
         <p:spPr>
-          <a:xfrm rot="19667294">
-            <a:off x="4362503" y="2423550"/>
+          <a:xfrm>
+            <a:off x="7110957" y="2359781"/>
             <a:ext cx="1042154" cy="276999"/>
           </a:xfrm>
           <a:prstGeom prst="rect">
@@ -10548,7 +10662,7 @@
                 <a:latin typeface="HGS明朝E" panose="02020900000000000000" pitchFamily="18" charset="-128"/>
                 <a:ea typeface="HGS明朝E" panose="02020900000000000000" pitchFamily="18" charset="-128"/>
               </a:rPr>
-              <a:t>処理結果</a:t>
+              <a:t>データ取得</a:t>
             </a:r>
             <a:endParaRPr lang="en-US" altLang="ja-JP" sz="1200" dirty="0">
               <a:latin typeface="HGS明朝E" panose="02020900000000000000" pitchFamily="18" charset="-128"/>
@@ -10559,10 +10673,10 @@
       </p:sp>
       <p:sp>
         <p:nvSpPr>
-          <p:cNvPr id="70" name="矢印: 右 69">
-            <a:extLst>
-              <a:ext uri="{FF2B5EF4-FFF2-40B4-BE49-F238E27FC236}">
-                <a16:creationId xmlns:a16="http://schemas.microsoft.com/office/drawing/2014/main" id="{4AAD18B2-98CF-A703-BF05-935B1BCC8D74}"/>
+          <p:cNvPr id="78" name="矢印: 右 77">
+            <a:extLst>
+              <a:ext uri="{FF2B5EF4-FFF2-40B4-BE49-F238E27FC236}">
+                <a16:creationId xmlns:a16="http://schemas.microsoft.com/office/drawing/2014/main" id="{0B3FECE0-CA91-1CA0-50E4-F993F49CBE6A}"/>
               </a:ext>
             </a:extLst>
           </p:cNvPr>
@@ -10570,9 +10684,9 @@
           <p:nvPr/>
         </p:nvSpPr>
         <p:spPr>
-          <a:xfrm rot="19639136">
-            <a:off x="4158036" y="2114985"/>
-            <a:ext cx="1541328" cy="185721"/>
+          <a:xfrm>
+            <a:off x="7082527" y="2051215"/>
+            <a:ext cx="2256659" cy="185721"/>
           </a:xfrm>
           <a:prstGeom prst="rightArrow">
             <a:avLst/>
@@ -10605,10 +10719,10 @@
       </p:sp>
       <p:sp>
         <p:nvSpPr>
-          <p:cNvPr id="71" name="矢印: 右 70">
-            <a:extLst>
-              <a:ext uri="{FF2B5EF4-FFF2-40B4-BE49-F238E27FC236}">
-                <a16:creationId xmlns:a16="http://schemas.microsoft.com/office/drawing/2014/main" id="{52559271-03D1-8BB3-88A1-5623B25A2051}"/>
+          <p:cNvPr id="79" name="矢印: 右 78">
+            <a:extLst>
+              <a:ext uri="{FF2B5EF4-FFF2-40B4-BE49-F238E27FC236}">
+                <a16:creationId xmlns:a16="http://schemas.microsoft.com/office/drawing/2014/main" id="{9277FB52-12BC-7875-A616-72B78204BCE8}"/>
               </a:ext>
             </a:extLst>
           </p:cNvPr>
@@ -10616,9 +10730,9 @@
           <p:nvPr/>
         </p:nvSpPr>
         <p:spPr>
-          <a:xfrm rot="8793602">
-            <a:off x="4154088" y="2680335"/>
-            <a:ext cx="1541328" cy="185721"/>
+          <a:xfrm rot="10809541">
+            <a:off x="7078579" y="2616565"/>
+            <a:ext cx="2256659" cy="185721"/>
           </a:xfrm>
           <a:prstGeom prst="rightArrow">
             <a:avLst/>
@@ -10651,10 +10765,10 @@
       </p:sp>
       <p:sp>
         <p:nvSpPr>
-          <p:cNvPr id="72" name="テキスト ボックス 71">
-            <a:extLst>
-              <a:ext uri="{FF2B5EF4-FFF2-40B4-BE49-F238E27FC236}">
-                <a16:creationId xmlns:a16="http://schemas.microsoft.com/office/drawing/2014/main" id="{256CC15E-DCAC-8735-64A4-56FE6143E58A}"/>
+          <p:cNvPr id="80" name="テキスト ボックス 79">
+            <a:extLst>
+              <a:ext uri="{FF2B5EF4-FFF2-40B4-BE49-F238E27FC236}">
+                <a16:creationId xmlns:a16="http://schemas.microsoft.com/office/drawing/2014/main" id="{973ADDC1-80D2-6734-EB47-A93724C5DD11}"/>
               </a:ext>
             </a:extLst>
           </p:cNvPr>
@@ -10662,9 +10776,9 @@
           <p:nvPr/>
         </p:nvSpPr>
         <p:spPr>
-          <a:xfrm rot="1654270">
-            <a:off x="4368629" y="4833486"/>
-            <a:ext cx="1367200" cy="276999"/>
+          <a:xfrm>
+            <a:off x="9627698" y="1773081"/>
+            <a:ext cx="2102896" cy="1169551"/>
           </a:xfrm>
           <a:prstGeom prst="rect">
             <a:avLst/>
@@ -10677,69 +10791,105 @@
           </a:bodyPr>
           <a:lstStyle/>
           <a:p>
-            <a:r>
-              <a:rPr lang="ja-JP" altLang="en-US" sz="1200" dirty="0">
+            <a:pPr marL="171450" indent="-171450">
+              <a:buFont typeface="Arial" panose="020B0604020202020204" pitchFamily="34" charset="0"/>
+              <a:buChar char="•"/>
+            </a:pPr>
+            <a:r>
+              <a:rPr lang="ja-JP" altLang="en-US" sz="1400" dirty="0">
                 <a:latin typeface="HGS明朝E" panose="02020900000000000000" pitchFamily="18" charset="-128"/>
                 <a:ea typeface="HGS明朝E" panose="02020900000000000000" pitchFamily="18" charset="-128"/>
               </a:rPr>
-              <a:t>画面表示を指示</a:t>
-            </a:r>
-            <a:endParaRPr lang="en-US" altLang="ja-JP" sz="1200" dirty="0">
+              <a:t>個人アカウント</a:t>
+            </a:r>
+            <a:endParaRPr lang="en-US" altLang="ja-JP" sz="1400" dirty="0">
               <a:latin typeface="HGS明朝E" panose="02020900000000000000" pitchFamily="18" charset="-128"/>
               <a:ea typeface="HGS明朝E" panose="02020900000000000000" pitchFamily="18" charset="-128"/>
             </a:endParaRPr>
           </a:p>
-        </p:txBody>
-      </p:sp>
-      <p:sp>
-        <p:nvSpPr>
-          <p:cNvPr id="73" name="テキスト ボックス 72">
-            <a:extLst>
-              <a:ext uri="{FF2B5EF4-FFF2-40B4-BE49-F238E27FC236}">
-                <a16:creationId xmlns:a16="http://schemas.microsoft.com/office/drawing/2014/main" id="{260D841C-69E6-5A4E-43FE-36457A1048C4}"/>
-              </a:ext>
-            </a:extLst>
-          </p:cNvPr>
-          <p:cNvSpPr txBox="1"/>
-          <p:nvPr/>
-        </p:nvSpPr>
-        <p:spPr>
-          <a:xfrm rot="1737503">
-            <a:off x="4310043" y="5312646"/>
-            <a:ext cx="1042154" cy="276999"/>
-          </a:xfrm>
-          <a:prstGeom prst="rect">
-            <a:avLst/>
-          </a:prstGeom>
-          <a:noFill/>
-        </p:spPr>
-        <p:txBody>
-          <a:bodyPr wrap="square" rtlCol="0">
-            <a:spAutoFit/>
-          </a:bodyPr>
-          <a:lstStyle/>
-          <a:p>
-            <a:pPr algn="r"/>
-            <a:r>
-              <a:rPr lang="ja-JP" altLang="en-US" sz="1200" dirty="0">
+          <a:p>
+            <a:pPr marL="171450" indent="-171450">
+              <a:buFont typeface="Arial" panose="020B0604020202020204" pitchFamily="34" charset="0"/>
+              <a:buChar char="•"/>
+            </a:pPr>
+            <a:r>
+              <a:rPr lang="ja-JP" altLang="en-US" sz="1400" dirty="0">
                 <a:latin typeface="HGS明朝E" panose="02020900000000000000" pitchFamily="18" charset="-128"/>
                 <a:ea typeface="HGS明朝E" panose="02020900000000000000" pitchFamily="18" charset="-128"/>
               </a:rPr>
-              <a:t>画面表示</a:t>
-            </a:r>
-            <a:endParaRPr lang="en-US" altLang="ja-JP" sz="1200" dirty="0">
+              <a:t>団体アカウント</a:t>
+            </a:r>
+            <a:endParaRPr lang="en-US" altLang="ja-JP" sz="1400" dirty="0">
               <a:latin typeface="HGS明朝E" panose="02020900000000000000" pitchFamily="18" charset="-128"/>
               <a:ea typeface="HGS明朝E" panose="02020900000000000000" pitchFamily="18" charset="-128"/>
             </a:endParaRPr>
           </a:p>
-        </p:txBody>
-      </p:sp>
-      <p:sp>
-        <p:nvSpPr>
-          <p:cNvPr id="74" name="矢印: 右 73">
-            <a:extLst>
-              <a:ext uri="{FF2B5EF4-FFF2-40B4-BE49-F238E27FC236}">
-                <a16:creationId xmlns:a16="http://schemas.microsoft.com/office/drawing/2014/main" id="{13945A8A-4479-2DEC-880F-BB972106AAE8}"/>
+          <a:p>
+            <a:pPr marL="171450" indent="-171450">
+              <a:buFont typeface="Arial" panose="020B0604020202020204" pitchFamily="34" charset="0"/>
+              <a:buChar char="•"/>
+            </a:pPr>
+            <a:r>
+              <a:rPr lang="ja-JP" altLang="en-US" sz="1400" dirty="0">
+                <a:latin typeface="HGS明朝E" panose="02020900000000000000" pitchFamily="18" charset="-128"/>
+                <a:ea typeface="HGS明朝E" panose="02020900000000000000" pitchFamily="18" charset="-128"/>
+              </a:rPr>
+              <a:t>公演情報</a:t>
+            </a:r>
+            <a:endParaRPr lang="en-US" altLang="ja-JP" sz="1400" dirty="0">
+              <a:latin typeface="HGS明朝E" panose="02020900000000000000" pitchFamily="18" charset="-128"/>
+              <a:ea typeface="HGS明朝E" panose="02020900000000000000" pitchFamily="18" charset="-128"/>
+            </a:endParaRPr>
+          </a:p>
+          <a:p>
+            <a:pPr marL="171450" indent="-171450">
+              <a:buFont typeface="Arial" panose="020B0604020202020204" pitchFamily="34" charset="0"/>
+              <a:buChar char="•"/>
+            </a:pPr>
+            <a:r>
+              <a:rPr lang="ja-JP" altLang="en-US" sz="1400" dirty="0">
+                <a:latin typeface="HGS明朝E" panose="02020900000000000000" pitchFamily="18" charset="-128"/>
+                <a:ea typeface="HGS明朝E" panose="02020900000000000000" pitchFamily="18" charset="-128"/>
+              </a:rPr>
+              <a:t>予約情報</a:t>
+            </a:r>
+            <a:endParaRPr lang="en-US" altLang="ja-JP" sz="1400" dirty="0">
+              <a:latin typeface="HGS明朝E" panose="02020900000000000000" pitchFamily="18" charset="-128"/>
+              <a:ea typeface="HGS明朝E" panose="02020900000000000000" pitchFamily="18" charset="-128"/>
+            </a:endParaRPr>
+          </a:p>
+          <a:p>
+            <a:pPr marL="171450" indent="-171450">
+              <a:buFont typeface="Arial" panose="020B0604020202020204" pitchFamily="34" charset="0"/>
+              <a:buChar char="•"/>
+            </a:pPr>
+            <a:r>
+              <a:rPr lang="en-US" altLang="ja-JP" sz="1400" dirty="0">
+                <a:latin typeface="HGS明朝E" panose="02020900000000000000" pitchFamily="18" charset="-128"/>
+                <a:ea typeface="HGS明朝E" panose="02020900000000000000" pitchFamily="18" charset="-128"/>
+              </a:rPr>
+              <a:t>…</a:t>
+            </a:r>
+            <a:r>
+              <a:rPr lang="en-US" altLang="ja-JP" sz="1400" dirty="0" err="1">
+                <a:latin typeface="HGS明朝E" panose="02020900000000000000" pitchFamily="18" charset="-128"/>
+                <a:ea typeface="HGS明朝E" panose="02020900000000000000" pitchFamily="18" charset="-128"/>
+              </a:rPr>
+              <a:t>etc</a:t>
+            </a:r>
+            <a:endParaRPr lang="en-US" altLang="ja-JP" sz="1400" dirty="0">
+              <a:latin typeface="HGS明朝E" panose="02020900000000000000" pitchFamily="18" charset="-128"/>
+              <a:ea typeface="HGS明朝E" panose="02020900000000000000" pitchFamily="18" charset="-128"/>
+            </a:endParaRPr>
+          </a:p>
+        </p:txBody>
+      </p:sp>
+      <p:sp>
+        <p:nvSpPr>
+          <p:cNvPr id="83" name="正方形/長方形 82">
+            <a:extLst>
+              <a:ext uri="{FF2B5EF4-FFF2-40B4-BE49-F238E27FC236}">
+                <a16:creationId xmlns:a16="http://schemas.microsoft.com/office/drawing/2014/main" id="{9D60A163-9AF6-9CFD-7B07-460B800E51EF}"/>
               </a:ext>
             </a:extLst>
           </p:cNvPr>
@@ -10747,13 +10897,26 @@
           <p:nvPr/>
         </p:nvSpPr>
         <p:spPr>
-          <a:xfrm rot="1709345">
-            <a:off x="4105576" y="5004081"/>
-            <a:ext cx="1541328" cy="185721"/>
-          </a:xfrm>
-          <a:prstGeom prst="rightArrow">
-            <a:avLst/>
-          </a:prstGeom>
+          <a:xfrm>
+            <a:off x="9401914" y="3895650"/>
+            <a:ext cx="2459345" cy="1076057"/>
+          </a:xfrm>
+          <a:prstGeom prst="rect">
+            <a:avLst/>
+          </a:prstGeom>
+          <a:solidFill>
+            <a:schemeClr val="accent6">
+              <a:lumMod val="20000"/>
+              <a:lumOff val="80000"/>
+            </a:schemeClr>
+          </a:solidFill>
+          <a:ln w="38100">
+            <a:solidFill>
+              <a:schemeClr val="accent4">
+                <a:lumMod val="50000"/>
+              </a:schemeClr>
+            </a:solidFill>
+          </a:ln>
         </p:spPr>
         <p:style>
           <a:lnRef idx="2">
@@ -10776,16 +10939,174 @@
           <a:lstStyle/>
           <a:p>
             <a:pPr algn="ctr"/>
-            <a:endParaRPr kumimoji="1" lang="ja-JP" altLang="en-US"/>
-          </a:p>
-        </p:txBody>
-      </p:sp>
-      <p:sp>
-        <p:nvSpPr>
-          <p:cNvPr id="75" name="矢印: 右 74">
-            <a:extLst>
-              <a:ext uri="{FF2B5EF4-FFF2-40B4-BE49-F238E27FC236}">
-                <a16:creationId xmlns:a16="http://schemas.microsoft.com/office/drawing/2014/main" id="{EED23AE1-66D9-D19A-5572-3D00D049F0F8}"/>
+            <a:endParaRPr kumimoji="1" lang="ja-JP" altLang="en-US" dirty="0"/>
+          </a:p>
+        </p:txBody>
+      </p:sp>
+      <p:pic>
+        <p:nvPicPr>
+          <p:cNvPr id="82" name="図 81" descr="図形, 矢印&#10;&#10;AI によって生成されたコンテンツは間違っている可能性があります。">
+            <a:extLst>
+              <a:ext uri="{FF2B5EF4-FFF2-40B4-BE49-F238E27FC236}">
+                <a16:creationId xmlns:a16="http://schemas.microsoft.com/office/drawing/2014/main" id="{E78C3A2B-9B3C-A597-F4B0-9B7EDAA540AD}"/>
+              </a:ext>
+            </a:extLst>
+          </p:cNvPr>
+          <p:cNvPicPr>
+            <a:picLocks noChangeAspect="1"/>
+          </p:cNvPicPr>
+          <p:nvPr/>
+        </p:nvPicPr>
+        <p:blipFill>
+          <a:blip r:embed="rId10">
+            <a:extLst>
+              <a:ext uri="{28A0092B-C50C-407E-A947-70E740481C1C}">
+                <a14:useLocalDpi xmlns:a14="http://schemas.microsoft.com/office/drawing/2010/main" val="0"/>
+              </a:ext>
+              <a:ext uri="{837473B0-CC2E-450A-ABE3-18F120FF3D39}">
+                <a1611:picAttrSrcUrl xmlns:a1611="http://schemas.microsoft.com/office/drawing/2016/11/main" r:id="rId11"/>
+              </a:ext>
+            </a:extLst>
+          </a:blip>
+          <a:stretch>
+            <a:fillRect/>
+          </a:stretch>
+        </p:blipFill>
+        <p:spPr>
+          <a:xfrm>
+            <a:off x="9075555" y="3645634"/>
+            <a:ext cx="678403" cy="412695"/>
+          </a:xfrm>
+          <a:prstGeom prst="rect">
+            <a:avLst/>
+          </a:prstGeom>
+        </p:spPr>
+      </p:pic>
+      <p:sp>
+        <p:nvSpPr>
+          <p:cNvPr id="84" name="テキスト ボックス 83">
+            <a:extLst>
+              <a:ext uri="{FF2B5EF4-FFF2-40B4-BE49-F238E27FC236}">
+                <a16:creationId xmlns:a16="http://schemas.microsoft.com/office/drawing/2014/main" id="{E57C483C-724E-364A-BC89-E29ACEC50D94}"/>
+              </a:ext>
+            </a:extLst>
+          </p:cNvPr>
+          <p:cNvSpPr txBox="1"/>
+          <p:nvPr/>
+        </p:nvSpPr>
+        <p:spPr>
+          <a:xfrm>
+            <a:off x="9627698" y="4171453"/>
+            <a:ext cx="2102896" cy="738664"/>
+          </a:xfrm>
+          <a:prstGeom prst="rect">
+            <a:avLst/>
+          </a:prstGeom>
+          <a:noFill/>
+        </p:spPr>
+        <p:txBody>
+          <a:bodyPr wrap="square" rtlCol="0">
+            <a:spAutoFit/>
+          </a:bodyPr>
+          <a:lstStyle/>
+          <a:p>
+            <a:pPr marL="171450" indent="-171450">
+              <a:buFont typeface="Arial" panose="020B0604020202020204" pitchFamily="34" charset="0"/>
+              <a:buChar char="•"/>
+            </a:pPr>
+            <a:r>
+              <a:rPr lang="ja-JP" altLang="en-US" sz="1400" dirty="0">
+                <a:latin typeface="HGS明朝E" panose="02020900000000000000" pitchFamily="18" charset="-128"/>
+                <a:ea typeface="HGS明朝E" panose="02020900000000000000" pitchFamily="18" charset="-128"/>
+              </a:rPr>
+              <a:t>予約完了</a:t>
+            </a:r>
+            <a:endParaRPr lang="en-US" altLang="ja-JP" sz="1400" dirty="0">
+              <a:latin typeface="HGS明朝E" panose="02020900000000000000" pitchFamily="18" charset="-128"/>
+              <a:ea typeface="HGS明朝E" panose="02020900000000000000" pitchFamily="18" charset="-128"/>
+            </a:endParaRPr>
+          </a:p>
+          <a:p>
+            <a:pPr marL="171450" indent="-171450">
+              <a:buFont typeface="Arial" panose="020B0604020202020204" pitchFamily="34" charset="0"/>
+              <a:buChar char="•"/>
+            </a:pPr>
+            <a:r>
+              <a:rPr lang="ja-JP" altLang="en-US" sz="1400" dirty="0">
+                <a:latin typeface="HGS明朝E" panose="02020900000000000000" pitchFamily="18" charset="-128"/>
+                <a:ea typeface="HGS明朝E" panose="02020900000000000000" pitchFamily="18" charset="-128"/>
+              </a:rPr>
+              <a:t>予約通知</a:t>
+            </a:r>
+            <a:endParaRPr lang="en-US" altLang="ja-JP" sz="1400" dirty="0">
+              <a:latin typeface="HGS明朝E" panose="02020900000000000000" pitchFamily="18" charset="-128"/>
+              <a:ea typeface="HGS明朝E" panose="02020900000000000000" pitchFamily="18" charset="-128"/>
+            </a:endParaRPr>
+          </a:p>
+          <a:p>
+            <a:pPr marL="171450" indent="-171450">
+              <a:buFont typeface="Arial" panose="020B0604020202020204" pitchFamily="34" charset="0"/>
+              <a:buChar char="•"/>
+            </a:pPr>
+            <a:r>
+              <a:rPr lang="ja-JP" altLang="en-US" sz="1400" dirty="0">
+                <a:latin typeface="HGS明朝E" panose="02020900000000000000" pitchFamily="18" charset="-128"/>
+                <a:ea typeface="HGS明朝E" panose="02020900000000000000" pitchFamily="18" charset="-128"/>
+              </a:rPr>
+              <a:t>その他</a:t>
+            </a:r>
+            <a:endParaRPr lang="en-US" altLang="ja-JP" sz="1400" dirty="0">
+              <a:latin typeface="HGS明朝E" panose="02020900000000000000" pitchFamily="18" charset="-128"/>
+              <a:ea typeface="HGS明朝E" panose="02020900000000000000" pitchFamily="18" charset="-128"/>
+            </a:endParaRPr>
+          </a:p>
+        </p:txBody>
+      </p:sp>
+      <p:sp>
+        <p:nvSpPr>
+          <p:cNvPr id="85" name="テキスト ボックス 84">
+            <a:extLst>
+              <a:ext uri="{FF2B5EF4-FFF2-40B4-BE49-F238E27FC236}">
+                <a16:creationId xmlns:a16="http://schemas.microsoft.com/office/drawing/2014/main" id="{8C8EC190-1C8C-5E2A-1F9D-14E4F58C3DC0}"/>
+              </a:ext>
+            </a:extLst>
+          </p:cNvPr>
+          <p:cNvSpPr txBox="1"/>
+          <p:nvPr/>
+        </p:nvSpPr>
+        <p:spPr>
+          <a:xfrm>
+            <a:off x="9528291" y="3507434"/>
+            <a:ext cx="2198014" cy="338554"/>
+          </a:xfrm>
+          <a:prstGeom prst="rect">
+            <a:avLst/>
+          </a:prstGeom>
+          <a:noFill/>
+        </p:spPr>
+        <p:txBody>
+          <a:bodyPr wrap="square" rtlCol="0">
+            <a:spAutoFit/>
+          </a:bodyPr>
+          <a:lstStyle/>
+          <a:p>
+            <a:pPr algn="ctr"/>
+            <a:r>
+              <a:rPr lang="en-US" altLang="ja-JP" sz="1600" dirty="0">
+                <a:latin typeface="HGS明朝E" panose="02020900000000000000" pitchFamily="18" charset="-128"/>
+                <a:ea typeface="HGS明朝E" panose="02020900000000000000" pitchFamily="18" charset="-128"/>
+              </a:rPr>
+              <a:t>Google Mail</a:t>
+            </a:r>
+          </a:p>
+        </p:txBody>
+      </p:sp>
+      <p:sp>
+        <p:nvSpPr>
+          <p:cNvPr id="86" name="矢印: 右 85">
+            <a:extLst>
+              <a:ext uri="{FF2B5EF4-FFF2-40B4-BE49-F238E27FC236}">
+                <a16:creationId xmlns:a16="http://schemas.microsoft.com/office/drawing/2014/main" id="{99893BD5-1ADE-2A86-6164-030545F63FAD}"/>
               </a:ext>
             </a:extLst>
           </p:cNvPr>
@@ -10793,9 +11114,9 @@
           <p:nvPr/>
         </p:nvSpPr>
         <p:spPr>
-          <a:xfrm rot="12463811">
-            <a:off x="4101628" y="5569431"/>
-            <a:ext cx="1541328" cy="185721"/>
+          <a:xfrm rot="1214460">
+            <a:off x="6970421" y="3678326"/>
+            <a:ext cx="2256659" cy="185721"/>
           </a:xfrm>
           <a:prstGeom prst="rightArrow">
             <a:avLst/>
@@ -10828,10 +11149,10 @@
       </p:sp>
       <p:sp>
         <p:nvSpPr>
-          <p:cNvPr id="76" name="テキスト ボックス 75">
-            <a:extLst>
-              <a:ext uri="{FF2B5EF4-FFF2-40B4-BE49-F238E27FC236}">
-                <a16:creationId xmlns:a16="http://schemas.microsoft.com/office/drawing/2014/main" id="{CA03D476-25AF-6337-83BF-93E53AFBB387}"/>
+          <p:cNvPr id="87" name="テキスト ボックス 86">
+            <a:extLst>
+              <a:ext uri="{FF2B5EF4-FFF2-40B4-BE49-F238E27FC236}">
+                <a16:creationId xmlns:a16="http://schemas.microsoft.com/office/drawing/2014/main" id="{AE3DF14E-80F5-5E7E-725E-563750E0A21C}"/>
               </a:ext>
             </a:extLst>
           </p:cNvPr>
@@ -10839,8 +11160,8 @@
           <p:nvPr/>
         </p:nvSpPr>
         <p:spPr>
-          <a:xfrm>
-            <a:off x="8344140" y="1777358"/>
+          <a:xfrm rot="1215017">
+            <a:off x="8239486" y="3723674"/>
             <a:ext cx="1367200" cy="276999"/>
           </a:xfrm>
           <a:prstGeom prst="rect">
@@ -10859,7 +11180,7 @@
                 <a:latin typeface="HGS明朝E" panose="02020900000000000000" pitchFamily="18" charset="-128"/>
                 <a:ea typeface="HGS明朝E" panose="02020900000000000000" pitchFamily="18" charset="-128"/>
               </a:rPr>
-              <a:t>データ保存</a:t>
+              <a:t>データ送信</a:t>
             </a:r>
             <a:endParaRPr lang="en-US" altLang="ja-JP" sz="1200" dirty="0">
               <a:latin typeface="HGS明朝E" panose="02020900000000000000" pitchFamily="18" charset="-128"/>
@@ -10870,67 +11191,37 @@
       </p:sp>
       <p:sp>
         <p:nvSpPr>
-          <p:cNvPr id="77" name="テキスト ボックス 76">
-            <a:extLst>
-              <a:ext uri="{FF2B5EF4-FFF2-40B4-BE49-F238E27FC236}">
-                <a16:creationId xmlns:a16="http://schemas.microsoft.com/office/drawing/2014/main" id="{52859506-0D82-AAB5-ACF8-6AFC6E52C418}"/>
-              </a:ext>
-            </a:extLst>
-          </p:cNvPr>
-          <p:cNvSpPr txBox="1"/>
-          <p:nvPr/>
-        </p:nvSpPr>
-        <p:spPr>
-          <a:xfrm>
-            <a:off x="7110957" y="2359781"/>
-            <a:ext cx="1042154" cy="276999"/>
+          <p:cNvPr id="88" name="正方形/長方形 87">
+            <a:extLst>
+              <a:ext uri="{FF2B5EF4-FFF2-40B4-BE49-F238E27FC236}">
+                <a16:creationId xmlns:a16="http://schemas.microsoft.com/office/drawing/2014/main" id="{7449DEE8-3D7D-751E-C9A9-9EEF3B1A458C}"/>
+              </a:ext>
+            </a:extLst>
+          </p:cNvPr>
+          <p:cNvSpPr/>
+          <p:nvPr/>
+        </p:nvSpPr>
+        <p:spPr>
+          <a:xfrm>
+            <a:off x="9408206" y="5370439"/>
+            <a:ext cx="2459345" cy="1076057"/>
           </a:xfrm>
           <a:prstGeom prst="rect">
             <a:avLst/>
           </a:prstGeom>
-          <a:noFill/>
-        </p:spPr>
-        <p:txBody>
-          <a:bodyPr wrap="square" rtlCol="0">
-            <a:spAutoFit/>
-          </a:bodyPr>
-          <a:lstStyle/>
-          <a:p>
-            <a:pPr algn="r"/>
-            <a:r>
-              <a:rPr lang="ja-JP" altLang="en-US" sz="1200" dirty="0">
-                <a:latin typeface="HGS明朝E" panose="02020900000000000000" pitchFamily="18" charset="-128"/>
-                <a:ea typeface="HGS明朝E" panose="02020900000000000000" pitchFamily="18" charset="-128"/>
-              </a:rPr>
-              <a:t>データ取得</a:t>
-            </a:r>
-            <a:endParaRPr lang="en-US" altLang="ja-JP" sz="1200" dirty="0">
-              <a:latin typeface="HGS明朝E" panose="02020900000000000000" pitchFamily="18" charset="-128"/>
-              <a:ea typeface="HGS明朝E" panose="02020900000000000000" pitchFamily="18" charset="-128"/>
-            </a:endParaRPr>
-          </a:p>
-        </p:txBody>
-      </p:sp>
-      <p:sp>
-        <p:nvSpPr>
-          <p:cNvPr id="78" name="矢印: 右 77">
-            <a:extLst>
-              <a:ext uri="{FF2B5EF4-FFF2-40B4-BE49-F238E27FC236}">
-                <a16:creationId xmlns:a16="http://schemas.microsoft.com/office/drawing/2014/main" id="{0B3FECE0-CA91-1CA0-50E4-F993F49CBE6A}"/>
-              </a:ext>
-            </a:extLst>
-          </p:cNvPr>
-          <p:cNvSpPr/>
-          <p:nvPr/>
-        </p:nvSpPr>
-        <p:spPr>
-          <a:xfrm>
-            <a:off x="7082527" y="2051215"/>
-            <a:ext cx="2256659" cy="185721"/>
-          </a:xfrm>
-          <a:prstGeom prst="rightArrow">
-            <a:avLst/>
-          </a:prstGeom>
+          <a:solidFill>
+            <a:schemeClr val="accent6">
+              <a:lumMod val="20000"/>
+              <a:lumOff val="80000"/>
+            </a:schemeClr>
+          </a:solidFill>
+          <a:ln w="38100">
+            <a:solidFill>
+              <a:schemeClr val="accent4">
+                <a:lumMod val="50000"/>
+              </a:schemeClr>
+            </a:solidFill>
+          </a:ln>
         </p:spPr>
         <p:style>
           <a:lnRef idx="2">
@@ -10953,16 +11244,135 @@
           <a:lstStyle/>
           <a:p>
             <a:pPr algn="ctr"/>
-            <a:endParaRPr kumimoji="1" lang="ja-JP" altLang="en-US"/>
-          </a:p>
-        </p:txBody>
-      </p:sp>
-      <p:sp>
-        <p:nvSpPr>
-          <p:cNvPr id="79" name="矢印: 右 78">
-            <a:extLst>
-              <a:ext uri="{FF2B5EF4-FFF2-40B4-BE49-F238E27FC236}">
-                <a16:creationId xmlns:a16="http://schemas.microsoft.com/office/drawing/2014/main" id="{9277FB52-12BC-7875-A616-72B78204BCE8}"/>
+            <a:endParaRPr kumimoji="1" lang="ja-JP" altLang="en-US" dirty="0"/>
+          </a:p>
+        </p:txBody>
+      </p:sp>
+      <p:sp>
+        <p:nvSpPr>
+          <p:cNvPr id="89" name="テキスト ボックス 88">
+            <a:extLst>
+              <a:ext uri="{FF2B5EF4-FFF2-40B4-BE49-F238E27FC236}">
+                <a16:creationId xmlns:a16="http://schemas.microsoft.com/office/drawing/2014/main" id="{F0B67200-BD4E-4E24-CD4A-12586A824A79}"/>
+              </a:ext>
+            </a:extLst>
+          </p:cNvPr>
+          <p:cNvSpPr txBox="1"/>
+          <p:nvPr/>
+        </p:nvSpPr>
+        <p:spPr>
+          <a:xfrm>
+            <a:off x="9633990" y="5646242"/>
+            <a:ext cx="2102896" cy="738664"/>
+          </a:xfrm>
+          <a:prstGeom prst="rect">
+            <a:avLst/>
+          </a:prstGeom>
+          <a:noFill/>
+        </p:spPr>
+        <p:txBody>
+          <a:bodyPr wrap="square" rtlCol="0">
+            <a:spAutoFit/>
+          </a:bodyPr>
+          <a:lstStyle/>
+          <a:p>
+            <a:pPr marL="171450" indent="-171450">
+              <a:buFont typeface="Arial" panose="020B0604020202020204" pitchFamily="34" charset="0"/>
+              <a:buChar char="•"/>
+            </a:pPr>
+            <a:r>
+              <a:rPr lang="ja-JP" altLang="en-US" sz="1400" dirty="0">
+                <a:latin typeface="HGS明朝E" panose="02020900000000000000" pitchFamily="18" charset="-128"/>
+                <a:ea typeface="HGS明朝E" panose="02020900000000000000" pitchFamily="18" charset="-128"/>
+              </a:rPr>
+              <a:t>予約リスト</a:t>
+            </a:r>
+            <a:endParaRPr lang="en-US" altLang="ja-JP" sz="1400" dirty="0">
+              <a:latin typeface="HGS明朝E" panose="02020900000000000000" pitchFamily="18" charset="-128"/>
+              <a:ea typeface="HGS明朝E" panose="02020900000000000000" pitchFamily="18" charset="-128"/>
+            </a:endParaRPr>
+          </a:p>
+          <a:p>
+            <a:pPr marL="171450" indent="-171450">
+              <a:buFont typeface="Arial" panose="020B0604020202020204" pitchFamily="34" charset="0"/>
+              <a:buChar char="•"/>
+            </a:pPr>
+            <a:r>
+              <a:rPr lang="ja-JP" altLang="en-US" sz="1400" dirty="0">
+                <a:latin typeface="HGS明朝E" panose="02020900000000000000" pitchFamily="18" charset="-128"/>
+                <a:ea typeface="HGS明朝E" panose="02020900000000000000" pitchFamily="18" charset="-128"/>
+              </a:rPr>
+              <a:t>チケット</a:t>
+            </a:r>
+            <a:endParaRPr lang="en-US" altLang="ja-JP" sz="1400" dirty="0">
+              <a:latin typeface="HGS明朝E" panose="02020900000000000000" pitchFamily="18" charset="-128"/>
+              <a:ea typeface="HGS明朝E" panose="02020900000000000000" pitchFamily="18" charset="-128"/>
+            </a:endParaRPr>
+          </a:p>
+          <a:p>
+            <a:pPr marL="171450" indent="-171450">
+              <a:buFont typeface="Arial" panose="020B0604020202020204" pitchFamily="34" charset="0"/>
+              <a:buChar char="•"/>
+            </a:pPr>
+            <a:r>
+              <a:rPr lang="ja-JP" altLang="en-US" sz="1400" dirty="0">
+                <a:latin typeface="HGS明朝E" panose="02020900000000000000" pitchFamily="18" charset="-128"/>
+                <a:ea typeface="HGS明朝E" panose="02020900000000000000" pitchFamily="18" charset="-128"/>
+              </a:rPr>
+              <a:t>その他</a:t>
+            </a:r>
+            <a:endParaRPr lang="en-US" altLang="ja-JP" sz="1400" dirty="0">
+              <a:latin typeface="HGS明朝E" panose="02020900000000000000" pitchFamily="18" charset="-128"/>
+              <a:ea typeface="HGS明朝E" panose="02020900000000000000" pitchFamily="18" charset="-128"/>
+            </a:endParaRPr>
+          </a:p>
+        </p:txBody>
+      </p:sp>
+      <p:sp>
+        <p:nvSpPr>
+          <p:cNvPr id="90" name="テキスト ボックス 89">
+            <a:extLst>
+              <a:ext uri="{FF2B5EF4-FFF2-40B4-BE49-F238E27FC236}">
+                <a16:creationId xmlns:a16="http://schemas.microsoft.com/office/drawing/2014/main" id="{2598C1E8-DCC6-307C-0ACB-395DAE4E3D48}"/>
+              </a:ext>
+            </a:extLst>
+          </p:cNvPr>
+          <p:cNvSpPr txBox="1"/>
+          <p:nvPr/>
+        </p:nvSpPr>
+        <p:spPr>
+          <a:xfrm>
+            <a:off x="9534583" y="5009818"/>
+            <a:ext cx="2198014" cy="338554"/>
+          </a:xfrm>
+          <a:prstGeom prst="rect">
+            <a:avLst/>
+          </a:prstGeom>
+          <a:noFill/>
+        </p:spPr>
+        <p:txBody>
+          <a:bodyPr wrap="square" rtlCol="0">
+            <a:spAutoFit/>
+          </a:bodyPr>
+          <a:lstStyle/>
+          <a:p>
+            <a:pPr algn="ctr"/>
+            <a:r>
+              <a:rPr lang="en-US" altLang="ja-JP" sz="1600" dirty="0">
+                <a:latin typeface="HGS明朝E" panose="02020900000000000000" pitchFamily="18" charset="-128"/>
+                <a:ea typeface="HGS明朝E" panose="02020900000000000000" pitchFamily="18" charset="-128"/>
+              </a:rPr>
+              <a:t>Excel</a:t>
+            </a:r>
+          </a:p>
+        </p:txBody>
+      </p:sp>
+      <p:sp>
+        <p:nvSpPr>
+          <p:cNvPr id="91" name="矢印: 右 90">
+            <a:extLst>
+              <a:ext uri="{FF2B5EF4-FFF2-40B4-BE49-F238E27FC236}">
+                <a16:creationId xmlns:a16="http://schemas.microsoft.com/office/drawing/2014/main" id="{2266B772-512F-57B1-4B49-7F53E73FC146}"/>
               </a:ext>
             </a:extLst>
           </p:cNvPr>
@@ -10970,9 +11380,9 @@
           <p:nvPr/>
         </p:nvSpPr>
         <p:spPr>
-          <a:xfrm rot="10809541">
-            <a:off x="7078579" y="2616565"/>
-            <a:ext cx="2256659" cy="185721"/>
+          <a:xfrm rot="2293486">
+            <a:off x="6659579" y="4592551"/>
+            <a:ext cx="2956802" cy="185721"/>
           </a:xfrm>
           <a:prstGeom prst="rightArrow">
             <a:avLst/>
@@ -11005,10 +11415,10 @@
       </p:sp>
       <p:sp>
         <p:nvSpPr>
-          <p:cNvPr id="80" name="テキスト ボックス 79">
-            <a:extLst>
-              <a:ext uri="{FF2B5EF4-FFF2-40B4-BE49-F238E27FC236}">
-                <a16:creationId xmlns:a16="http://schemas.microsoft.com/office/drawing/2014/main" id="{973ADDC1-80D2-6734-EB47-A93724C5DD11}"/>
+          <p:cNvPr id="92" name="テキスト ボックス 91">
+            <a:extLst>
+              <a:ext uri="{FF2B5EF4-FFF2-40B4-BE49-F238E27FC236}">
+                <a16:creationId xmlns:a16="http://schemas.microsoft.com/office/drawing/2014/main" id="{DFAE3869-41D9-DC16-C2EA-812B38691C39}"/>
               </a:ext>
             </a:extLst>
           </p:cNvPr>
@@ -11016,14 +11426,63 @@
           <p:nvPr/>
         </p:nvSpPr>
         <p:spPr>
-          <a:xfrm>
-            <a:off x="9627698" y="1773081"/>
-            <a:ext cx="2102896" cy="1169551"/>
+          <a:xfrm rot="2196053">
+            <a:off x="8307563" y="4961083"/>
+            <a:ext cx="1367200" cy="276999"/>
           </a:xfrm>
           <a:prstGeom prst="rect">
             <a:avLst/>
           </a:prstGeom>
           <a:noFill/>
+        </p:spPr>
+        <p:txBody>
+          <a:bodyPr wrap="square" rtlCol="0">
+            <a:spAutoFit/>
+          </a:bodyPr>
+          <a:lstStyle/>
+          <a:p>
+            <a:r>
+              <a:rPr lang="ja-JP" altLang="en-US" sz="1200" dirty="0">
+                <a:latin typeface="HGS明朝E" panose="02020900000000000000" pitchFamily="18" charset="-128"/>
+                <a:ea typeface="HGS明朝E" panose="02020900000000000000" pitchFamily="18" charset="-128"/>
+              </a:rPr>
+              <a:t>データ送信</a:t>
+            </a:r>
+            <a:endParaRPr lang="en-US" altLang="ja-JP" sz="1200" dirty="0">
+              <a:latin typeface="HGS明朝E" panose="02020900000000000000" pitchFamily="18" charset="-128"/>
+              <a:ea typeface="HGS明朝E" panose="02020900000000000000" pitchFamily="18" charset="-128"/>
+            </a:endParaRPr>
+          </a:p>
+        </p:txBody>
+      </p:sp>
+      <p:sp>
+        <p:nvSpPr>
+          <p:cNvPr id="2" name="テキスト ボックス 1">
+            <a:extLst>
+              <a:ext uri="{FF2B5EF4-FFF2-40B4-BE49-F238E27FC236}">
+                <a16:creationId xmlns:a16="http://schemas.microsoft.com/office/drawing/2014/main" id="{81B1BC6E-3A66-5456-484C-D9EB89E187C3}"/>
+              </a:ext>
+            </a:extLst>
+          </p:cNvPr>
+          <p:cNvSpPr txBox="1"/>
+          <p:nvPr/>
+        </p:nvSpPr>
+        <p:spPr>
+          <a:xfrm>
+            <a:off x="251361" y="1003640"/>
+            <a:ext cx="1200912" cy="769441"/>
+          </a:xfrm>
+          <a:prstGeom prst="rect">
+            <a:avLst/>
+          </a:prstGeom>
+          <a:solidFill>
+            <a:srgbClr val="FFFF00"/>
+          </a:solidFill>
+          <a:ln w="12700">
+            <a:solidFill>
+              <a:schemeClr val="tx1"/>
+            </a:solidFill>
+          </a:ln>
         </p:spPr>
         <p:txBody>
           <a:bodyPr wrap="square" rtlCol="0">
@@ -11036,13 +11495,27 @@
               <a:buChar char="•"/>
             </a:pPr>
             <a:r>
-              <a:rPr lang="ja-JP" altLang="en-US" sz="1400" dirty="0">
+              <a:rPr lang="en-US" altLang="ja-JP" sz="1100" dirty="0" err="1">
                 <a:latin typeface="HGS明朝E" panose="02020900000000000000" pitchFamily="18" charset="-128"/>
                 <a:ea typeface="HGS明朝E" panose="02020900000000000000" pitchFamily="18" charset="-128"/>
               </a:rPr>
-              <a:t>個人アカウント</a:t>
-            </a:r>
-            <a:endParaRPr lang="en-US" altLang="ja-JP" sz="1400" dirty="0">
+              <a:t>sakura</a:t>
+            </a:r>
+            <a:r>
+              <a:rPr lang="en-US" altLang="ja-JP" sz="1100" dirty="0">
+                <a:latin typeface="HGS明朝E" panose="02020900000000000000" pitchFamily="18" charset="-128"/>
+                <a:ea typeface="HGS明朝E" panose="02020900000000000000" pitchFamily="18" charset="-128"/>
+              </a:rPr>
+              <a:t> </a:t>
+            </a:r>
+            <a:r>
+              <a:rPr lang="en-US" altLang="ja-JP" sz="1100" dirty="0" err="1">
+                <a:latin typeface="HGS明朝E" panose="02020900000000000000" pitchFamily="18" charset="-128"/>
+                <a:ea typeface="HGS明朝E" panose="02020900000000000000" pitchFamily="18" charset="-128"/>
+              </a:rPr>
+              <a:t>vps</a:t>
+            </a:r>
+            <a:endParaRPr lang="en-US" altLang="ja-JP" sz="1100" dirty="0">
               <a:latin typeface="HGS明朝E" panose="02020900000000000000" pitchFamily="18" charset="-128"/>
               <a:ea typeface="HGS明朝E" panose="02020900000000000000" pitchFamily="18" charset="-128"/>
             </a:endParaRPr>
@@ -11053,16 +11526,12 @@
               <a:buChar char="•"/>
             </a:pPr>
             <a:r>
-              <a:rPr lang="ja-JP" altLang="en-US" sz="1400" dirty="0">
+              <a:rPr lang="en-US" altLang="ja-JP" sz="1100" dirty="0">
                 <a:latin typeface="HGS明朝E" panose="02020900000000000000" pitchFamily="18" charset="-128"/>
                 <a:ea typeface="HGS明朝E" panose="02020900000000000000" pitchFamily="18" charset="-128"/>
               </a:rPr>
-              <a:t>団体アカウント</a:t>
-            </a:r>
-            <a:endParaRPr lang="en-US" altLang="ja-JP" sz="1400" dirty="0">
-              <a:latin typeface="HGS明朝E" panose="02020900000000000000" pitchFamily="18" charset="-128"/>
-              <a:ea typeface="HGS明朝E" panose="02020900000000000000" pitchFamily="18" charset="-128"/>
-            </a:endParaRPr>
+              <a:t>Centos 9</a:t>
+            </a:r>
           </a:p>
           <a:p>
             <a:pPr marL="171450" indent="-171450">
@@ -11070,16 +11539,12 @@
               <a:buChar char="•"/>
             </a:pPr>
             <a:r>
-              <a:rPr lang="ja-JP" altLang="en-US" sz="1400" dirty="0">
+              <a:rPr lang="en-US" altLang="ja-JP" sz="1100" dirty="0">
                 <a:latin typeface="HGS明朝E" panose="02020900000000000000" pitchFamily="18" charset="-128"/>
                 <a:ea typeface="HGS明朝E" panose="02020900000000000000" pitchFamily="18" charset="-128"/>
               </a:rPr>
-              <a:t>公演情報</a:t>
-            </a:r>
-            <a:endParaRPr lang="en-US" altLang="ja-JP" sz="1400" dirty="0">
-              <a:latin typeface="HGS明朝E" panose="02020900000000000000" pitchFamily="18" charset="-128"/>
-              <a:ea typeface="HGS明朝E" panose="02020900000000000000" pitchFamily="18" charset="-128"/>
-            </a:endParaRPr>
+              <a:t>Java 21</a:t>
+            </a:r>
           </a:p>
           <a:p>
             <a:pPr marL="171450" indent="-171450">
@@ -11087,49 +11552,21 @@
               <a:buChar char="•"/>
             </a:pPr>
             <a:r>
-              <a:rPr lang="ja-JP" altLang="en-US" sz="1400" dirty="0">
+              <a:rPr lang="en-US" altLang="ja-JP" sz="1100" dirty="0">
                 <a:latin typeface="HGS明朝E" panose="02020900000000000000" pitchFamily="18" charset="-128"/>
                 <a:ea typeface="HGS明朝E" panose="02020900000000000000" pitchFamily="18" charset="-128"/>
               </a:rPr>
-              <a:t>予約情報</a:t>
-            </a:r>
-            <a:endParaRPr lang="en-US" altLang="ja-JP" sz="1400" dirty="0">
-              <a:latin typeface="HGS明朝E" panose="02020900000000000000" pitchFamily="18" charset="-128"/>
-              <a:ea typeface="HGS明朝E" panose="02020900000000000000" pitchFamily="18" charset="-128"/>
-            </a:endParaRPr>
-          </a:p>
-          <a:p>
-            <a:pPr marL="171450" indent="-171450">
-              <a:buFont typeface="Arial" panose="020B0604020202020204" pitchFamily="34" charset="0"/>
-              <a:buChar char="•"/>
-            </a:pPr>
-            <a:r>
-              <a:rPr lang="en-US" altLang="ja-JP" sz="1400" dirty="0">
-                <a:latin typeface="HGS明朝E" panose="02020900000000000000" pitchFamily="18" charset="-128"/>
-                <a:ea typeface="HGS明朝E" panose="02020900000000000000" pitchFamily="18" charset="-128"/>
-              </a:rPr>
-              <a:t>…</a:t>
-            </a:r>
-            <a:r>
-              <a:rPr lang="en-US" altLang="ja-JP" sz="1400" dirty="0" err="1">
-                <a:latin typeface="HGS明朝E" panose="02020900000000000000" pitchFamily="18" charset="-128"/>
-                <a:ea typeface="HGS明朝E" panose="02020900000000000000" pitchFamily="18" charset="-128"/>
-              </a:rPr>
-              <a:t>etc</a:t>
-            </a:r>
-            <a:endParaRPr lang="en-US" altLang="ja-JP" sz="1400" dirty="0">
-              <a:latin typeface="HGS明朝E" panose="02020900000000000000" pitchFamily="18" charset="-128"/>
-              <a:ea typeface="HGS明朝E" panose="02020900000000000000" pitchFamily="18" charset="-128"/>
-            </a:endParaRPr>
-          </a:p>
-        </p:txBody>
-      </p:sp>
-      <p:sp>
-        <p:nvSpPr>
-          <p:cNvPr id="83" name="正方形/長方形 82">
-            <a:extLst>
-              <a:ext uri="{FF2B5EF4-FFF2-40B4-BE49-F238E27FC236}">
-                <a16:creationId xmlns:a16="http://schemas.microsoft.com/office/drawing/2014/main" id="{9D60A163-9AF6-9CFD-7B07-460B800E51EF}"/>
+              <a:t>MySQL ?</a:t>
+            </a:r>
+          </a:p>
+        </p:txBody>
+      </p:sp>
+      <p:sp>
+        <p:nvSpPr>
+          <p:cNvPr id="6" name="矢印: 上向き折線 5">
+            <a:extLst>
+              <a:ext uri="{FF2B5EF4-FFF2-40B4-BE49-F238E27FC236}">
+                <a16:creationId xmlns:a16="http://schemas.microsoft.com/office/drawing/2014/main" id="{AEB531A1-553F-DD09-824E-C80743F7ACAE}"/>
               </a:ext>
             </a:extLst>
           </p:cNvPr>
@@ -11137,26 +11574,17 @@
           <p:nvPr/>
         </p:nvSpPr>
         <p:spPr>
-          <a:xfrm>
-            <a:off x="9401914" y="3895650"/>
-            <a:ext cx="2459345" cy="1076057"/>
-          </a:xfrm>
-          <a:prstGeom prst="rect">
-            <a:avLst/>
-          </a:prstGeom>
-          <a:solidFill>
-            <a:schemeClr val="accent6">
-              <a:lumMod val="20000"/>
-              <a:lumOff val="80000"/>
-            </a:schemeClr>
-          </a:solidFill>
-          <a:ln w="38100">
-            <a:solidFill>
-              <a:schemeClr val="accent4">
-                <a:lumMod val="50000"/>
-              </a:schemeClr>
-            </a:solidFill>
-          </a:ln>
+          <a:xfrm rot="16200000" flipV="1">
+            <a:off x="4313018" y="1670892"/>
+            <a:ext cx="515625" cy="1632862"/>
+          </a:xfrm>
+          <a:prstGeom prst="bentUpArrow">
+            <a:avLst>
+              <a:gd name="adj1" fmla="val 13681"/>
+              <a:gd name="adj2" fmla="val 26969"/>
+              <a:gd name="adj3" fmla="val 50000"/>
+            </a:avLst>
+          </a:prstGeom>
         </p:spPr>
         <p:style>
           <a:lnRef idx="2">
@@ -11179,174 +11607,16 @@
           <a:lstStyle/>
           <a:p>
             <a:pPr algn="ctr"/>
-            <a:endParaRPr kumimoji="1" lang="ja-JP" altLang="en-US" dirty="0"/>
-          </a:p>
-        </p:txBody>
-      </p:sp>
-      <p:pic>
-        <p:nvPicPr>
-          <p:cNvPr id="82" name="図 81" descr="図形, 矢印&#10;&#10;AI によって生成されたコンテンツは間違っている可能性があります。">
-            <a:extLst>
-              <a:ext uri="{FF2B5EF4-FFF2-40B4-BE49-F238E27FC236}">
-                <a16:creationId xmlns:a16="http://schemas.microsoft.com/office/drawing/2014/main" id="{E78C3A2B-9B3C-A597-F4B0-9B7EDAA540AD}"/>
-              </a:ext>
-            </a:extLst>
-          </p:cNvPr>
-          <p:cNvPicPr>
-            <a:picLocks noChangeAspect="1"/>
-          </p:cNvPicPr>
-          <p:nvPr/>
-        </p:nvPicPr>
-        <p:blipFill>
-          <a:blip r:embed="rId10">
-            <a:extLst>
-              <a:ext uri="{28A0092B-C50C-407E-A947-70E740481C1C}">
-                <a14:useLocalDpi xmlns:a14="http://schemas.microsoft.com/office/drawing/2010/main" val="0"/>
-              </a:ext>
-              <a:ext uri="{837473B0-CC2E-450A-ABE3-18F120FF3D39}">
-                <a1611:picAttrSrcUrl xmlns:a1611="http://schemas.microsoft.com/office/drawing/2016/11/main" r:id="rId11"/>
-              </a:ext>
-            </a:extLst>
-          </a:blip>
-          <a:stretch>
-            <a:fillRect/>
-          </a:stretch>
-        </p:blipFill>
-        <p:spPr>
-          <a:xfrm>
-            <a:off x="9075555" y="3645634"/>
-            <a:ext cx="678403" cy="412695"/>
-          </a:xfrm>
-          <a:prstGeom prst="rect">
-            <a:avLst/>
-          </a:prstGeom>
-        </p:spPr>
-      </p:pic>
-      <p:sp>
-        <p:nvSpPr>
-          <p:cNvPr id="84" name="テキスト ボックス 83">
-            <a:extLst>
-              <a:ext uri="{FF2B5EF4-FFF2-40B4-BE49-F238E27FC236}">
-                <a16:creationId xmlns:a16="http://schemas.microsoft.com/office/drawing/2014/main" id="{E57C483C-724E-364A-BC89-E29ACEC50D94}"/>
-              </a:ext>
-            </a:extLst>
-          </p:cNvPr>
-          <p:cNvSpPr txBox="1"/>
-          <p:nvPr/>
-        </p:nvSpPr>
-        <p:spPr>
-          <a:xfrm>
-            <a:off x="9627698" y="4171453"/>
-            <a:ext cx="2102896" cy="738664"/>
-          </a:xfrm>
-          <a:prstGeom prst="rect">
-            <a:avLst/>
-          </a:prstGeom>
-          <a:noFill/>
-        </p:spPr>
-        <p:txBody>
-          <a:bodyPr wrap="square" rtlCol="0">
-            <a:spAutoFit/>
-          </a:bodyPr>
-          <a:lstStyle/>
-          <a:p>
-            <a:pPr marL="171450" indent="-171450">
-              <a:buFont typeface="Arial" panose="020B0604020202020204" pitchFamily="34" charset="0"/>
-              <a:buChar char="•"/>
-            </a:pPr>
-            <a:r>
-              <a:rPr lang="ja-JP" altLang="en-US" sz="1400" dirty="0">
-                <a:latin typeface="HGS明朝E" panose="02020900000000000000" pitchFamily="18" charset="-128"/>
-                <a:ea typeface="HGS明朝E" panose="02020900000000000000" pitchFamily="18" charset="-128"/>
-              </a:rPr>
-              <a:t>予約完了</a:t>
-            </a:r>
-            <a:endParaRPr lang="en-US" altLang="ja-JP" sz="1400" dirty="0">
-              <a:latin typeface="HGS明朝E" panose="02020900000000000000" pitchFamily="18" charset="-128"/>
-              <a:ea typeface="HGS明朝E" panose="02020900000000000000" pitchFamily="18" charset="-128"/>
-            </a:endParaRPr>
-          </a:p>
-          <a:p>
-            <a:pPr marL="171450" indent="-171450">
-              <a:buFont typeface="Arial" panose="020B0604020202020204" pitchFamily="34" charset="0"/>
-              <a:buChar char="•"/>
-            </a:pPr>
-            <a:r>
-              <a:rPr lang="ja-JP" altLang="en-US" sz="1400" dirty="0">
-                <a:latin typeface="HGS明朝E" panose="02020900000000000000" pitchFamily="18" charset="-128"/>
-                <a:ea typeface="HGS明朝E" panose="02020900000000000000" pitchFamily="18" charset="-128"/>
-              </a:rPr>
-              <a:t>予約通知</a:t>
-            </a:r>
-            <a:endParaRPr lang="en-US" altLang="ja-JP" sz="1400" dirty="0">
-              <a:latin typeface="HGS明朝E" panose="02020900000000000000" pitchFamily="18" charset="-128"/>
-              <a:ea typeface="HGS明朝E" panose="02020900000000000000" pitchFamily="18" charset="-128"/>
-            </a:endParaRPr>
-          </a:p>
-          <a:p>
-            <a:pPr marL="171450" indent="-171450">
-              <a:buFont typeface="Arial" panose="020B0604020202020204" pitchFamily="34" charset="0"/>
-              <a:buChar char="•"/>
-            </a:pPr>
-            <a:r>
-              <a:rPr lang="ja-JP" altLang="en-US" sz="1400" dirty="0">
-                <a:latin typeface="HGS明朝E" panose="02020900000000000000" pitchFamily="18" charset="-128"/>
-                <a:ea typeface="HGS明朝E" panose="02020900000000000000" pitchFamily="18" charset="-128"/>
-              </a:rPr>
-              <a:t>その他</a:t>
-            </a:r>
-            <a:endParaRPr lang="en-US" altLang="ja-JP" sz="1400" dirty="0">
-              <a:latin typeface="HGS明朝E" panose="02020900000000000000" pitchFamily="18" charset="-128"/>
-              <a:ea typeface="HGS明朝E" panose="02020900000000000000" pitchFamily="18" charset="-128"/>
-            </a:endParaRPr>
-          </a:p>
-        </p:txBody>
-      </p:sp>
-      <p:sp>
-        <p:nvSpPr>
-          <p:cNvPr id="85" name="テキスト ボックス 84">
-            <a:extLst>
-              <a:ext uri="{FF2B5EF4-FFF2-40B4-BE49-F238E27FC236}">
-                <a16:creationId xmlns:a16="http://schemas.microsoft.com/office/drawing/2014/main" id="{8C8EC190-1C8C-5E2A-1F9D-14E4F58C3DC0}"/>
-              </a:ext>
-            </a:extLst>
-          </p:cNvPr>
-          <p:cNvSpPr txBox="1"/>
-          <p:nvPr/>
-        </p:nvSpPr>
-        <p:spPr>
-          <a:xfrm>
-            <a:off x="9528291" y="3507434"/>
-            <a:ext cx="2198014" cy="338554"/>
-          </a:xfrm>
-          <a:prstGeom prst="rect">
-            <a:avLst/>
-          </a:prstGeom>
-          <a:noFill/>
-        </p:spPr>
-        <p:txBody>
-          <a:bodyPr wrap="square" rtlCol="0">
-            <a:spAutoFit/>
-          </a:bodyPr>
-          <a:lstStyle/>
-          <a:p>
-            <a:pPr algn="ctr"/>
-            <a:r>
-              <a:rPr lang="en-US" altLang="ja-JP" sz="1600" dirty="0">
-                <a:latin typeface="HGS明朝E" panose="02020900000000000000" pitchFamily="18" charset="-128"/>
-                <a:ea typeface="HGS明朝E" panose="02020900000000000000" pitchFamily="18" charset="-128"/>
-              </a:rPr>
-              <a:t>Google Mail</a:t>
-            </a:r>
-          </a:p>
-        </p:txBody>
-      </p:sp>
-      <p:sp>
-        <p:nvSpPr>
-          <p:cNvPr id="86" name="矢印: 右 85">
-            <a:extLst>
-              <a:ext uri="{FF2B5EF4-FFF2-40B4-BE49-F238E27FC236}">
-                <a16:creationId xmlns:a16="http://schemas.microsoft.com/office/drawing/2014/main" id="{99893BD5-1ADE-2A86-6164-030545F63FAD}"/>
+            <a:endParaRPr kumimoji="1" lang="ja-JP" altLang="en-US"/>
+          </a:p>
+        </p:txBody>
+      </p:sp>
+      <p:sp>
+        <p:nvSpPr>
+          <p:cNvPr id="7" name="矢印: 上向き折線 6">
+            <a:extLst>
+              <a:ext uri="{FF2B5EF4-FFF2-40B4-BE49-F238E27FC236}">
+                <a16:creationId xmlns:a16="http://schemas.microsoft.com/office/drawing/2014/main" id="{035FB23C-603F-0F7C-248F-FCF294691AE7}"/>
               </a:ext>
             </a:extLst>
           </p:cNvPr>
@@ -11354,12 +11624,16 @@
           <p:nvPr/>
         </p:nvSpPr>
         <p:spPr>
-          <a:xfrm rot="1214460">
-            <a:off x="6970421" y="3678326"/>
-            <a:ext cx="2256659" cy="185721"/>
-          </a:xfrm>
-          <a:prstGeom prst="rightArrow">
-            <a:avLst/>
+          <a:xfrm flipH="1" flipV="1">
+            <a:off x="3139290" y="2009881"/>
+            <a:ext cx="2258990" cy="952081"/>
+          </a:xfrm>
+          <a:prstGeom prst="bentUpArrow">
+            <a:avLst>
+              <a:gd name="adj1" fmla="val 9674"/>
+              <a:gd name="adj2" fmla="val 12228"/>
+              <a:gd name="adj3" fmla="val 25000"/>
+            </a:avLst>
           </a:prstGeom>
         </p:spPr>
         <p:style>
@@ -11384,314 +11658,6 @@
           <a:p>
             <a:pPr algn="ctr"/>
             <a:endParaRPr kumimoji="1" lang="ja-JP" altLang="en-US"/>
-          </a:p>
-        </p:txBody>
-      </p:sp>
-      <p:sp>
-        <p:nvSpPr>
-          <p:cNvPr id="87" name="テキスト ボックス 86">
-            <a:extLst>
-              <a:ext uri="{FF2B5EF4-FFF2-40B4-BE49-F238E27FC236}">
-                <a16:creationId xmlns:a16="http://schemas.microsoft.com/office/drawing/2014/main" id="{AE3DF14E-80F5-5E7E-725E-563750E0A21C}"/>
-              </a:ext>
-            </a:extLst>
-          </p:cNvPr>
-          <p:cNvSpPr txBox="1"/>
-          <p:nvPr/>
-        </p:nvSpPr>
-        <p:spPr>
-          <a:xfrm rot="1215017">
-            <a:off x="8239486" y="3723674"/>
-            <a:ext cx="1367200" cy="276999"/>
-          </a:xfrm>
-          <a:prstGeom prst="rect">
-            <a:avLst/>
-          </a:prstGeom>
-          <a:noFill/>
-        </p:spPr>
-        <p:txBody>
-          <a:bodyPr wrap="square" rtlCol="0">
-            <a:spAutoFit/>
-          </a:bodyPr>
-          <a:lstStyle/>
-          <a:p>
-            <a:r>
-              <a:rPr lang="ja-JP" altLang="en-US" sz="1200" dirty="0">
-                <a:latin typeface="HGS明朝E" panose="02020900000000000000" pitchFamily="18" charset="-128"/>
-                <a:ea typeface="HGS明朝E" panose="02020900000000000000" pitchFamily="18" charset="-128"/>
-              </a:rPr>
-              <a:t>データ送信</a:t>
-            </a:r>
-            <a:endParaRPr lang="en-US" altLang="ja-JP" sz="1200" dirty="0">
-              <a:latin typeface="HGS明朝E" panose="02020900000000000000" pitchFamily="18" charset="-128"/>
-              <a:ea typeface="HGS明朝E" panose="02020900000000000000" pitchFamily="18" charset="-128"/>
-            </a:endParaRPr>
-          </a:p>
-        </p:txBody>
-      </p:sp>
-      <p:sp>
-        <p:nvSpPr>
-          <p:cNvPr id="88" name="正方形/長方形 87">
-            <a:extLst>
-              <a:ext uri="{FF2B5EF4-FFF2-40B4-BE49-F238E27FC236}">
-                <a16:creationId xmlns:a16="http://schemas.microsoft.com/office/drawing/2014/main" id="{7449DEE8-3D7D-751E-C9A9-9EEF3B1A458C}"/>
-              </a:ext>
-            </a:extLst>
-          </p:cNvPr>
-          <p:cNvSpPr/>
-          <p:nvPr/>
-        </p:nvSpPr>
-        <p:spPr>
-          <a:xfrm>
-            <a:off x="9408206" y="5370439"/>
-            <a:ext cx="2459345" cy="1076057"/>
-          </a:xfrm>
-          <a:prstGeom prst="rect">
-            <a:avLst/>
-          </a:prstGeom>
-          <a:solidFill>
-            <a:schemeClr val="accent6">
-              <a:lumMod val="20000"/>
-              <a:lumOff val="80000"/>
-            </a:schemeClr>
-          </a:solidFill>
-          <a:ln w="38100">
-            <a:solidFill>
-              <a:schemeClr val="accent4">
-                <a:lumMod val="50000"/>
-              </a:schemeClr>
-            </a:solidFill>
-          </a:ln>
-        </p:spPr>
-        <p:style>
-          <a:lnRef idx="2">
-            <a:schemeClr val="accent1">
-              <a:shade val="15000"/>
-            </a:schemeClr>
-          </a:lnRef>
-          <a:fillRef idx="1">
-            <a:schemeClr val="accent1"/>
-          </a:fillRef>
-          <a:effectRef idx="0">
-            <a:schemeClr val="accent1"/>
-          </a:effectRef>
-          <a:fontRef idx="minor">
-            <a:schemeClr val="lt1"/>
-          </a:fontRef>
-        </p:style>
-        <p:txBody>
-          <a:bodyPr rtlCol="0" anchor="ctr"/>
-          <a:lstStyle/>
-          <a:p>
-            <a:pPr algn="ctr"/>
-            <a:endParaRPr kumimoji="1" lang="ja-JP" altLang="en-US" dirty="0"/>
-          </a:p>
-        </p:txBody>
-      </p:sp>
-      <p:sp>
-        <p:nvSpPr>
-          <p:cNvPr id="89" name="テキスト ボックス 88">
-            <a:extLst>
-              <a:ext uri="{FF2B5EF4-FFF2-40B4-BE49-F238E27FC236}">
-                <a16:creationId xmlns:a16="http://schemas.microsoft.com/office/drawing/2014/main" id="{F0B67200-BD4E-4E24-CD4A-12586A824A79}"/>
-              </a:ext>
-            </a:extLst>
-          </p:cNvPr>
-          <p:cNvSpPr txBox="1"/>
-          <p:nvPr/>
-        </p:nvSpPr>
-        <p:spPr>
-          <a:xfrm>
-            <a:off x="9633990" y="5646242"/>
-            <a:ext cx="2102896" cy="738664"/>
-          </a:xfrm>
-          <a:prstGeom prst="rect">
-            <a:avLst/>
-          </a:prstGeom>
-          <a:noFill/>
-        </p:spPr>
-        <p:txBody>
-          <a:bodyPr wrap="square" rtlCol="0">
-            <a:spAutoFit/>
-          </a:bodyPr>
-          <a:lstStyle/>
-          <a:p>
-            <a:pPr marL="171450" indent="-171450">
-              <a:buFont typeface="Arial" panose="020B0604020202020204" pitchFamily="34" charset="0"/>
-              <a:buChar char="•"/>
-            </a:pPr>
-            <a:r>
-              <a:rPr lang="ja-JP" altLang="en-US" sz="1400" dirty="0">
-                <a:latin typeface="HGS明朝E" panose="02020900000000000000" pitchFamily="18" charset="-128"/>
-                <a:ea typeface="HGS明朝E" panose="02020900000000000000" pitchFamily="18" charset="-128"/>
-              </a:rPr>
-              <a:t>予約リスト</a:t>
-            </a:r>
-            <a:endParaRPr lang="en-US" altLang="ja-JP" sz="1400" dirty="0">
-              <a:latin typeface="HGS明朝E" panose="02020900000000000000" pitchFamily="18" charset="-128"/>
-              <a:ea typeface="HGS明朝E" panose="02020900000000000000" pitchFamily="18" charset="-128"/>
-            </a:endParaRPr>
-          </a:p>
-          <a:p>
-            <a:pPr marL="171450" indent="-171450">
-              <a:buFont typeface="Arial" panose="020B0604020202020204" pitchFamily="34" charset="0"/>
-              <a:buChar char="•"/>
-            </a:pPr>
-            <a:r>
-              <a:rPr lang="ja-JP" altLang="en-US" sz="1400" dirty="0">
-                <a:latin typeface="HGS明朝E" panose="02020900000000000000" pitchFamily="18" charset="-128"/>
-                <a:ea typeface="HGS明朝E" panose="02020900000000000000" pitchFamily="18" charset="-128"/>
-              </a:rPr>
-              <a:t>チケット</a:t>
-            </a:r>
-            <a:endParaRPr lang="en-US" altLang="ja-JP" sz="1400" dirty="0">
-              <a:latin typeface="HGS明朝E" panose="02020900000000000000" pitchFamily="18" charset="-128"/>
-              <a:ea typeface="HGS明朝E" panose="02020900000000000000" pitchFamily="18" charset="-128"/>
-            </a:endParaRPr>
-          </a:p>
-          <a:p>
-            <a:pPr marL="171450" indent="-171450">
-              <a:buFont typeface="Arial" panose="020B0604020202020204" pitchFamily="34" charset="0"/>
-              <a:buChar char="•"/>
-            </a:pPr>
-            <a:r>
-              <a:rPr lang="ja-JP" altLang="en-US" sz="1400" dirty="0">
-                <a:latin typeface="HGS明朝E" panose="02020900000000000000" pitchFamily="18" charset="-128"/>
-                <a:ea typeface="HGS明朝E" panose="02020900000000000000" pitchFamily="18" charset="-128"/>
-              </a:rPr>
-              <a:t>その他</a:t>
-            </a:r>
-            <a:endParaRPr lang="en-US" altLang="ja-JP" sz="1400" dirty="0">
-              <a:latin typeface="HGS明朝E" panose="02020900000000000000" pitchFamily="18" charset="-128"/>
-              <a:ea typeface="HGS明朝E" panose="02020900000000000000" pitchFamily="18" charset="-128"/>
-            </a:endParaRPr>
-          </a:p>
-        </p:txBody>
-      </p:sp>
-      <p:sp>
-        <p:nvSpPr>
-          <p:cNvPr id="90" name="テキスト ボックス 89">
-            <a:extLst>
-              <a:ext uri="{FF2B5EF4-FFF2-40B4-BE49-F238E27FC236}">
-                <a16:creationId xmlns:a16="http://schemas.microsoft.com/office/drawing/2014/main" id="{2598C1E8-DCC6-307C-0ACB-395DAE4E3D48}"/>
-              </a:ext>
-            </a:extLst>
-          </p:cNvPr>
-          <p:cNvSpPr txBox="1"/>
-          <p:nvPr/>
-        </p:nvSpPr>
-        <p:spPr>
-          <a:xfrm>
-            <a:off x="9534583" y="5009818"/>
-            <a:ext cx="2198014" cy="338554"/>
-          </a:xfrm>
-          <a:prstGeom prst="rect">
-            <a:avLst/>
-          </a:prstGeom>
-          <a:noFill/>
-        </p:spPr>
-        <p:txBody>
-          <a:bodyPr wrap="square" rtlCol="0">
-            <a:spAutoFit/>
-          </a:bodyPr>
-          <a:lstStyle/>
-          <a:p>
-            <a:pPr algn="ctr"/>
-            <a:r>
-              <a:rPr lang="en-US" altLang="ja-JP" sz="1600" dirty="0">
-                <a:latin typeface="HGS明朝E" panose="02020900000000000000" pitchFamily="18" charset="-128"/>
-                <a:ea typeface="HGS明朝E" panose="02020900000000000000" pitchFamily="18" charset="-128"/>
-              </a:rPr>
-              <a:t>Excel</a:t>
-            </a:r>
-          </a:p>
-        </p:txBody>
-      </p:sp>
-      <p:sp>
-        <p:nvSpPr>
-          <p:cNvPr id="91" name="矢印: 右 90">
-            <a:extLst>
-              <a:ext uri="{FF2B5EF4-FFF2-40B4-BE49-F238E27FC236}">
-                <a16:creationId xmlns:a16="http://schemas.microsoft.com/office/drawing/2014/main" id="{2266B772-512F-57B1-4B49-7F53E73FC146}"/>
-              </a:ext>
-            </a:extLst>
-          </p:cNvPr>
-          <p:cNvSpPr/>
-          <p:nvPr/>
-        </p:nvSpPr>
-        <p:spPr>
-          <a:xfrm rot="2293486">
-            <a:off x="6067824" y="4380610"/>
-            <a:ext cx="3634373" cy="185721"/>
-          </a:xfrm>
-          <a:prstGeom prst="rightArrow">
-            <a:avLst/>
-          </a:prstGeom>
-        </p:spPr>
-        <p:style>
-          <a:lnRef idx="2">
-            <a:schemeClr val="accent1">
-              <a:shade val="15000"/>
-            </a:schemeClr>
-          </a:lnRef>
-          <a:fillRef idx="1">
-            <a:schemeClr val="accent1"/>
-          </a:fillRef>
-          <a:effectRef idx="0">
-            <a:schemeClr val="accent1"/>
-          </a:effectRef>
-          <a:fontRef idx="minor">
-            <a:schemeClr val="lt1"/>
-          </a:fontRef>
-        </p:style>
-        <p:txBody>
-          <a:bodyPr rtlCol="0" anchor="ctr"/>
-          <a:lstStyle/>
-          <a:p>
-            <a:pPr algn="ctr"/>
-            <a:endParaRPr kumimoji="1" lang="ja-JP" altLang="en-US"/>
-          </a:p>
-        </p:txBody>
-      </p:sp>
-      <p:sp>
-        <p:nvSpPr>
-          <p:cNvPr id="92" name="テキスト ボックス 91">
-            <a:extLst>
-              <a:ext uri="{FF2B5EF4-FFF2-40B4-BE49-F238E27FC236}">
-                <a16:creationId xmlns:a16="http://schemas.microsoft.com/office/drawing/2014/main" id="{DFAE3869-41D9-DC16-C2EA-812B38691C39}"/>
-              </a:ext>
-            </a:extLst>
-          </p:cNvPr>
-          <p:cNvSpPr txBox="1"/>
-          <p:nvPr/>
-        </p:nvSpPr>
-        <p:spPr>
-          <a:xfrm rot="2196053">
-            <a:off x="8307563" y="4961083"/>
-            <a:ext cx="1367200" cy="276999"/>
-          </a:xfrm>
-          <a:prstGeom prst="rect">
-            <a:avLst/>
-          </a:prstGeom>
-          <a:noFill/>
-        </p:spPr>
-        <p:txBody>
-          <a:bodyPr wrap="square" rtlCol="0">
-            <a:spAutoFit/>
-          </a:bodyPr>
-          <a:lstStyle/>
-          <a:p>
-            <a:r>
-              <a:rPr lang="ja-JP" altLang="en-US" sz="1200" dirty="0">
-                <a:latin typeface="HGS明朝E" panose="02020900000000000000" pitchFamily="18" charset="-128"/>
-                <a:ea typeface="HGS明朝E" panose="02020900000000000000" pitchFamily="18" charset="-128"/>
-              </a:rPr>
-              <a:t>データ送信</a:t>
-            </a:r>
-            <a:endParaRPr lang="en-US" altLang="ja-JP" sz="1200" dirty="0">
-              <a:latin typeface="HGS明朝E" panose="02020900000000000000" pitchFamily="18" charset="-128"/>
-              <a:ea typeface="HGS明朝E" panose="02020900000000000000" pitchFamily="18" charset="-128"/>
-            </a:endParaRPr>
           </a:p>
         </p:txBody>
       </p:sp>

--- a/りざっと案件_仕様概要書.pptx
+++ b/りざっと案件_仕様概要書.pptx
@@ -204,7 +204,7 @@
           <a:p>
             <a:fld id="{840A8520-B178-40E8-8302-C2C1EA67D214}" type="datetimeFigureOut">
               <a:rPr kumimoji="1" lang="ja-JP" altLang="en-US" smtClean="0"/>
-              <a:t>2025/4/3</a:t>
+              <a:t>2025/4/9</a:t>
             </a:fld>
             <a:endParaRPr kumimoji="1" lang="ja-JP" altLang="en-US"/>
           </a:p>
@@ -1058,7 +1058,7 @@
           <a:p>
             <a:fld id="{35604E46-DE29-4371-AEB2-BC40B6324E73}" type="datetimeFigureOut">
               <a:rPr kumimoji="1" lang="ja-JP" altLang="en-US" smtClean="0"/>
-              <a:t>2025/4/3</a:t>
+              <a:t>2025/4/9</a:t>
             </a:fld>
             <a:endParaRPr kumimoji="1" lang="ja-JP" altLang="en-US"/>
           </a:p>
@@ -1288,7 +1288,7 @@
           <a:p>
             <a:fld id="{35604E46-DE29-4371-AEB2-BC40B6324E73}" type="datetimeFigureOut">
               <a:rPr kumimoji="1" lang="ja-JP" altLang="en-US" smtClean="0"/>
-              <a:t>2025/4/3</a:t>
+              <a:t>2025/4/9</a:t>
             </a:fld>
             <a:endParaRPr kumimoji="1" lang="ja-JP" altLang="en-US"/>
           </a:p>
@@ -1528,7 +1528,7 @@
           <a:p>
             <a:fld id="{35604E46-DE29-4371-AEB2-BC40B6324E73}" type="datetimeFigureOut">
               <a:rPr kumimoji="1" lang="ja-JP" altLang="en-US" smtClean="0"/>
-              <a:t>2025/4/3</a:t>
+              <a:t>2025/4/9</a:t>
             </a:fld>
             <a:endParaRPr kumimoji="1" lang="ja-JP" altLang="en-US"/>
           </a:p>
@@ -1758,7 +1758,7 @@
           <a:p>
             <a:fld id="{35604E46-DE29-4371-AEB2-BC40B6324E73}" type="datetimeFigureOut">
               <a:rPr kumimoji="1" lang="ja-JP" altLang="en-US" smtClean="0"/>
-              <a:t>2025/4/3</a:t>
+              <a:t>2025/4/9</a:t>
             </a:fld>
             <a:endParaRPr kumimoji="1" lang="ja-JP" altLang="en-US"/>
           </a:p>
@@ -2033,7 +2033,7 @@
           <a:p>
             <a:fld id="{35604E46-DE29-4371-AEB2-BC40B6324E73}" type="datetimeFigureOut">
               <a:rPr kumimoji="1" lang="ja-JP" altLang="en-US" smtClean="0"/>
-              <a:t>2025/4/3</a:t>
+              <a:t>2025/4/9</a:t>
             </a:fld>
             <a:endParaRPr kumimoji="1" lang="ja-JP" altLang="en-US"/>
           </a:p>
@@ -2362,7 +2362,7 @@
           <a:p>
             <a:fld id="{35604E46-DE29-4371-AEB2-BC40B6324E73}" type="datetimeFigureOut">
               <a:rPr kumimoji="1" lang="ja-JP" altLang="en-US" smtClean="0"/>
-              <a:t>2025/4/3</a:t>
+              <a:t>2025/4/9</a:t>
             </a:fld>
             <a:endParaRPr kumimoji="1" lang="ja-JP" altLang="en-US"/>
           </a:p>
@@ -2838,7 +2838,7 @@
           <a:p>
             <a:fld id="{35604E46-DE29-4371-AEB2-BC40B6324E73}" type="datetimeFigureOut">
               <a:rPr kumimoji="1" lang="ja-JP" altLang="en-US" smtClean="0"/>
-              <a:t>2025/4/3</a:t>
+              <a:t>2025/4/9</a:t>
             </a:fld>
             <a:endParaRPr kumimoji="1" lang="ja-JP" altLang="en-US"/>
           </a:p>
@@ -2979,7 +2979,7 @@
           <a:p>
             <a:fld id="{35604E46-DE29-4371-AEB2-BC40B6324E73}" type="datetimeFigureOut">
               <a:rPr kumimoji="1" lang="ja-JP" altLang="en-US" smtClean="0"/>
-              <a:t>2025/4/3</a:t>
+              <a:t>2025/4/9</a:t>
             </a:fld>
             <a:endParaRPr kumimoji="1" lang="ja-JP" altLang="en-US"/>
           </a:p>
@@ -3092,7 +3092,7 @@
           <a:p>
             <a:fld id="{35604E46-DE29-4371-AEB2-BC40B6324E73}" type="datetimeFigureOut">
               <a:rPr kumimoji="1" lang="ja-JP" altLang="en-US" smtClean="0"/>
-              <a:t>2025/4/3</a:t>
+              <a:t>2025/4/9</a:t>
             </a:fld>
             <a:endParaRPr kumimoji="1" lang="ja-JP" altLang="en-US"/>
           </a:p>
@@ -3435,7 +3435,7 @@
           <a:p>
             <a:fld id="{35604E46-DE29-4371-AEB2-BC40B6324E73}" type="datetimeFigureOut">
               <a:rPr kumimoji="1" lang="ja-JP" altLang="en-US" smtClean="0"/>
-              <a:t>2025/4/3</a:t>
+              <a:t>2025/4/9</a:t>
             </a:fld>
             <a:endParaRPr kumimoji="1" lang="ja-JP" altLang="en-US"/>
           </a:p>
@@ -3723,7 +3723,7 @@
           <a:p>
             <a:fld id="{35604E46-DE29-4371-AEB2-BC40B6324E73}" type="datetimeFigureOut">
               <a:rPr kumimoji="1" lang="ja-JP" altLang="en-US" smtClean="0"/>
-              <a:t>2025/4/3</a:t>
+              <a:t>2025/4/9</a:t>
             </a:fld>
             <a:endParaRPr kumimoji="1" lang="ja-JP" altLang="en-US"/>
           </a:p>
@@ -3996,7 +3996,7 @@
           <a:p>
             <a:fld id="{35604E46-DE29-4371-AEB2-BC40B6324E73}" type="datetimeFigureOut">
               <a:rPr kumimoji="1" lang="ja-JP" altLang="en-US" smtClean="0"/>
-              <a:t>2025/4/3</a:t>
+              <a:t>2025/4/9</a:t>
             </a:fld>
             <a:endParaRPr kumimoji="1" lang="ja-JP" altLang="en-US"/>
           </a:p>
@@ -5955,12 +5955,18 @@
             </a:pPr>
             <a:r>
               <a:rPr lang="ja-JP" altLang="en-US" sz="1600" dirty="0">
+                <a:solidFill>
+                  <a:srgbClr val="C00000"/>
+                </a:solidFill>
                 <a:latin typeface="HGS明朝E" panose="02020900000000000000" pitchFamily="18" charset="-128"/>
                 <a:ea typeface="HGS明朝E" panose="02020900000000000000" pitchFamily="18" charset="-128"/>
               </a:rPr>
-              <a:t>（役者、スタッフ）</a:t>
+              <a:t>フォロー、メッセージ機能</a:t>
             </a:r>
             <a:endParaRPr lang="en-US" altLang="ja-JP" sz="1600" dirty="0">
+              <a:solidFill>
+                <a:srgbClr val="C00000"/>
+              </a:solidFill>
               <a:latin typeface="HGS明朝E" panose="02020900000000000000" pitchFamily="18" charset="-128"/>
               <a:ea typeface="HGS明朝E" panose="02020900000000000000" pitchFamily="18" charset="-128"/>
             </a:endParaRPr>
@@ -6141,12 +6147,18 @@
             </a:pPr>
             <a:r>
               <a:rPr lang="ja-JP" altLang="en-US" sz="1600" dirty="0">
+                <a:solidFill>
+                  <a:srgbClr val="C00000"/>
+                </a:solidFill>
                 <a:latin typeface="HGS明朝E" panose="02020900000000000000" pitchFamily="18" charset="-128"/>
                 <a:ea typeface="HGS明朝E" panose="02020900000000000000" pitchFamily="18" charset="-128"/>
               </a:rPr>
               <a:t>フォロー機能</a:t>
             </a:r>
             <a:endParaRPr lang="en-US" altLang="ja-JP" sz="1600" dirty="0">
+              <a:solidFill>
+                <a:srgbClr val="C00000"/>
+              </a:solidFill>
               <a:latin typeface="HGS明朝E" panose="02020900000000000000" pitchFamily="18" charset="-128"/>
               <a:ea typeface="HGS明朝E" panose="02020900000000000000" pitchFamily="18" charset="-128"/>
             </a:endParaRPr>
@@ -6516,6 +6528,141 @@
           </a:p>
         </p:txBody>
       </p:sp>
+      <p:sp>
+        <p:nvSpPr>
+          <p:cNvPr id="10" name="テキスト ボックス 9">
+            <a:extLst>
+              <a:ext uri="{FF2B5EF4-FFF2-40B4-BE49-F238E27FC236}">
+                <a16:creationId xmlns:a16="http://schemas.microsoft.com/office/drawing/2014/main" id="{01C95CEB-383C-5A9C-3FF3-F28EB111C3B7}"/>
+              </a:ext>
+            </a:extLst>
+          </p:cNvPr>
+          <p:cNvSpPr txBox="1"/>
+          <p:nvPr/>
+        </p:nvSpPr>
+        <p:spPr>
+          <a:xfrm>
+            <a:off x="5180988" y="6100026"/>
+            <a:ext cx="1707233" cy="276999"/>
+          </a:xfrm>
+          <a:prstGeom prst="rect">
+            <a:avLst/>
+          </a:prstGeom>
+          <a:noFill/>
+        </p:spPr>
+        <p:txBody>
+          <a:bodyPr wrap="square" rtlCol="0">
+            <a:spAutoFit/>
+          </a:bodyPr>
+          <a:lstStyle/>
+          <a:p>
+            <a:pPr algn="ctr"/>
+            <a:r>
+              <a:rPr lang="ja-JP" altLang="en-US" sz="1200" dirty="0">
+                <a:solidFill>
+                  <a:srgbClr val="FF0000"/>
+                </a:solidFill>
+                <a:latin typeface="HGS明朝E" panose="02020900000000000000" pitchFamily="18" charset="-128"/>
+                <a:ea typeface="HGS明朝E" panose="02020900000000000000" pitchFamily="18" charset="-128"/>
+              </a:rPr>
+              <a:t>赤文字は将来的な機能</a:t>
+            </a:r>
+            <a:endParaRPr lang="en-US" altLang="ja-JP" sz="1200" dirty="0">
+              <a:solidFill>
+                <a:srgbClr val="FF0000"/>
+              </a:solidFill>
+              <a:latin typeface="HGS明朝E" panose="02020900000000000000" pitchFamily="18" charset="-128"/>
+              <a:ea typeface="HGS明朝E" panose="02020900000000000000" pitchFamily="18" charset="-128"/>
+            </a:endParaRPr>
+          </a:p>
+        </p:txBody>
+      </p:sp>
+      <p:cxnSp>
+        <p:nvCxnSpPr>
+          <p:cNvPr id="17" name="直線コネクタ 16">
+            <a:extLst>
+              <a:ext uri="{FF2B5EF4-FFF2-40B4-BE49-F238E27FC236}">
+                <a16:creationId xmlns:a16="http://schemas.microsoft.com/office/drawing/2014/main" id="{3E957C77-E4D7-9222-51ED-42E3DB76DF3C}"/>
+              </a:ext>
+            </a:extLst>
+          </p:cNvPr>
+          <p:cNvCxnSpPr>
+            <a:stCxn id="10" idx="1"/>
+          </p:cNvCxnSpPr>
+          <p:nvPr/>
+        </p:nvCxnSpPr>
+        <p:spPr>
+          <a:xfrm flipH="1" flipV="1">
+            <a:off x="3666159" y="6165410"/>
+            <a:ext cx="1514829" cy="73116"/>
+          </a:xfrm>
+          <a:prstGeom prst="line">
+            <a:avLst/>
+          </a:prstGeom>
+          <a:ln>
+            <a:solidFill>
+              <a:srgbClr val="C00000"/>
+            </a:solidFill>
+          </a:ln>
+        </p:spPr>
+        <p:style>
+          <a:lnRef idx="2">
+            <a:schemeClr val="accent1"/>
+          </a:lnRef>
+          <a:fillRef idx="0">
+            <a:schemeClr val="accent1"/>
+          </a:fillRef>
+          <a:effectRef idx="1">
+            <a:schemeClr val="accent1"/>
+          </a:effectRef>
+          <a:fontRef idx="minor">
+            <a:schemeClr val="tx1"/>
+          </a:fontRef>
+        </p:style>
+      </p:cxnSp>
+      <p:cxnSp>
+        <p:nvCxnSpPr>
+          <p:cNvPr id="19" name="直線コネクタ 18">
+            <a:extLst>
+              <a:ext uri="{FF2B5EF4-FFF2-40B4-BE49-F238E27FC236}">
+                <a16:creationId xmlns:a16="http://schemas.microsoft.com/office/drawing/2014/main" id="{E2035B7F-6B72-6C4E-E2A8-1E3FD4FE3769}"/>
+              </a:ext>
+            </a:extLst>
+          </p:cNvPr>
+          <p:cNvCxnSpPr>
+            <a:cxnSpLocks/>
+          </p:cNvCxnSpPr>
+          <p:nvPr/>
+        </p:nvCxnSpPr>
+        <p:spPr>
+          <a:xfrm flipH="1">
+            <a:off x="6888221" y="5468293"/>
+            <a:ext cx="1080856" cy="770232"/>
+          </a:xfrm>
+          <a:prstGeom prst="line">
+            <a:avLst/>
+          </a:prstGeom>
+          <a:ln>
+            <a:solidFill>
+              <a:srgbClr val="C00000"/>
+            </a:solidFill>
+          </a:ln>
+        </p:spPr>
+        <p:style>
+          <a:lnRef idx="2">
+            <a:schemeClr val="accent1"/>
+          </a:lnRef>
+          <a:fillRef idx="0">
+            <a:schemeClr val="accent1"/>
+          </a:fillRef>
+          <a:effectRef idx="1">
+            <a:schemeClr val="accent1"/>
+          </a:effectRef>
+          <a:fontRef idx="minor">
+            <a:schemeClr val="tx1"/>
+          </a:fontRef>
+        </p:style>
+      </p:cxnSp>
     </p:spTree>
     <p:extLst>
       <p:ext uri="{BB962C8B-B14F-4D97-AF65-F5344CB8AC3E}">
@@ -9004,10 +9151,10 @@
       </p:sp>
       <p:sp>
         <p:nvSpPr>
-          <p:cNvPr id="26" name="正方形/長方形 25">
-            <a:extLst>
-              <a:ext uri="{FF2B5EF4-FFF2-40B4-BE49-F238E27FC236}">
-                <a16:creationId xmlns:a16="http://schemas.microsoft.com/office/drawing/2014/main" id="{09378619-8919-C08D-09F1-12B458F9D80E}"/>
+          <p:cNvPr id="8" name="正方形/長方形 7">
+            <a:extLst>
+              <a:ext uri="{FF2B5EF4-FFF2-40B4-BE49-F238E27FC236}">
+                <a16:creationId xmlns:a16="http://schemas.microsoft.com/office/drawing/2014/main" id="{1E7254D3-85D2-2CC4-4A21-04CC8339501A}"/>
               </a:ext>
             </a:extLst>
           </p:cNvPr>
@@ -9016,8 +9163,8 @@
         </p:nvSpPr>
         <p:spPr>
           <a:xfrm>
-            <a:off x="2633688" y="1474417"/>
-            <a:ext cx="5694951" cy="4897200"/>
+            <a:off x="222140" y="2406721"/>
+            <a:ext cx="1240290" cy="3303216"/>
           </a:xfrm>
           <a:prstGeom prst="rect">
             <a:avLst/>
@@ -9063,6 +9210,65 @@
       </p:sp>
       <p:sp>
         <p:nvSpPr>
+          <p:cNvPr id="26" name="正方形/長方形 25">
+            <a:extLst>
+              <a:ext uri="{FF2B5EF4-FFF2-40B4-BE49-F238E27FC236}">
+                <a16:creationId xmlns:a16="http://schemas.microsoft.com/office/drawing/2014/main" id="{09378619-8919-C08D-09F1-12B458F9D80E}"/>
+              </a:ext>
+            </a:extLst>
+          </p:cNvPr>
+          <p:cNvSpPr/>
+          <p:nvPr/>
+        </p:nvSpPr>
+        <p:spPr>
+          <a:xfrm>
+            <a:off x="2633688" y="1474417"/>
+            <a:ext cx="5694951" cy="4897200"/>
+          </a:xfrm>
+          <a:prstGeom prst="rect">
+            <a:avLst/>
+          </a:prstGeom>
+          <a:solidFill>
+            <a:schemeClr val="tx2">
+              <a:lumMod val="10000"/>
+              <a:lumOff val="90000"/>
+            </a:schemeClr>
+          </a:solidFill>
+          <a:ln w="38100">
+            <a:solidFill>
+              <a:schemeClr val="accent4">
+                <a:lumMod val="50000"/>
+              </a:schemeClr>
+            </a:solidFill>
+          </a:ln>
+        </p:spPr>
+        <p:style>
+          <a:lnRef idx="2">
+            <a:schemeClr val="accent1">
+              <a:shade val="15000"/>
+            </a:schemeClr>
+          </a:lnRef>
+          <a:fillRef idx="1">
+            <a:schemeClr val="accent1"/>
+          </a:fillRef>
+          <a:effectRef idx="0">
+            <a:schemeClr val="accent1"/>
+          </a:effectRef>
+          <a:fontRef idx="minor">
+            <a:schemeClr val="lt1"/>
+          </a:fontRef>
+        </p:style>
+        <p:txBody>
+          <a:bodyPr rtlCol="0" anchor="ctr"/>
+          <a:lstStyle/>
+          <a:p>
+            <a:pPr algn="ctr"/>
+            <a:endParaRPr kumimoji="1" lang="ja-JP" altLang="en-US"/>
+          </a:p>
+        </p:txBody>
+      </p:sp>
+      <p:sp>
+        <p:nvSpPr>
           <p:cNvPr id="47" name="正方形/長方形 46">
             <a:extLst>
               <a:ext uri="{FF2B5EF4-FFF2-40B4-BE49-F238E27FC236}">
@@ -9373,7 +9579,7 @@
         </p:blipFill>
         <p:spPr>
           <a:xfrm>
-            <a:off x="330740" y="2190347"/>
+            <a:off x="330740" y="2531040"/>
             <a:ext cx="1042154" cy="1138966"/>
           </a:xfrm>
           <a:prstGeom prst="rect">
@@ -9408,7 +9614,7 @@
         </p:blipFill>
         <p:spPr>
           <a:xfrm>
-            <a:off x="357819" y="3771151"/>
+            <a:off x="357819" y="4111844"/>
             <a:ext cx="908325" cy="1138966"/>
           </a:xfrm>
           <a:prstGeom prst="rect">
@@ -9430,7 +9636,7 @@
         </p:nvSpPr>
         <p:spPr>
           <a:xfrm>
-            <a:off x="384900" y="3329313"/>
+            <a:off x="384900" y="3670006"/>
             <a:ext cx="854165" cy="338554"/>
           </a:xfrm>
           <a:prstGeom prst="rect">
@@ -9473,7 +9679,7 @@
         </p:nvSpPr>
         <p:spPr>
           <a:xfrm>
-            <a:off x="384900" y="4910117"/>
+            <a:off x="384900" y="5250810"/>
             <a:ext cx="854165" cy="338554"/>
           </a:xfrm>
           <a:prstGeom prst="rect">
@@ -9870,8 +10076,8 @@
         </p:nvSpPr>
         <p:spPr>
           <a:xfrm>
-            <a:off x="1413850" y="3370824"/>
-            <a:ext cx="1401207" cy="185721"/>
+            <a:off x="1511994" y="3370824"/>
+            <a:ext cx="1303063" cy="185721"/>
           </a:xfrm>
           <a:prstGeom prst="rightArrow">
             <a:avLst/>
@@ -9916,8 +10122,8 @@
         </p:nvSpPr>
         <p:spPr>
           <a:xfrm rot="10800000">
-            <a:off x="1409902" y="4310623"/>
-            <a:ext cx="1401207" cy="185721"/>
+            <a:off x="1507489" y="4310622"/>
+            <a:ext cx="1303619" cy="185721"/>
           </a:xfrm>
           <a:prstGeom prst="rightArrow">
             <a:avLst/>
@@ -11658,6 +11864,49 @@
           <a:p>
             <a:pPr algn="ctr"/>
             <a:endParaRPr kumimoji="1" lang="ja-JP" altLang="en-US"/>
+          </a:p>
+        </p:txBody>
+      </p:sp>
+      <p:sp>
+        <p:nvSpPr>
+          <p:cNvPr id="10" name="テキスト ボックス 9">
+            <a:extLst>
+              <a:ext uri="{FF2B5EF4-FFF2-40B4-BE49-F238E27FC236}">
+                <a16:creationId xmlns:a16="http://schemas.microsoft.com/office/drawing/2014/main" id="{8F60A9CA-044E-ADEC-D70D-24A0D40B1403}"/>
+              </a:ext>
+            </a:extLst>
+          </p:cNvPr>
+          <p:cNvSpPr txBox="1"/>
+          <p:nvPr/>
+        </p:nvSpPr>
+        <p:spPr>
+          <a:xfrm>
+            <a:off x="286197" y="2018342"/>
+            <a:ext cx="1131240" cy="338554"/>
+          </a:xfrm>
+          <a:prstGeom prst="rect">
+            <a:avLst/>
+          </a:prstGeom>
+          <a:noFill/>
+        </p:spPr>
+        <p:txBody>
+          <a:bodyPr wrap="square" rtlCol="0">
+            <a:spAutoFit/>
+          </a:bodyPr>
+          <a:lstStyle/>
+          <a:p>
+            <a:pPr algn="ctr"/>
+            <a:r>
+              <a:rPr lang="ja-JP" altLang="en-US" sz="1600" dirty="0">
+                <a:latin typeface="HGS明朝E" panose="02020900000000000000" pitchFamily="18" charset="-128"/>
+                <a:ea typeface="HGS明朝E" panose="02020900000000000000" pitchFamily="18" charset="-128"/>
+              </a:rPr>
+              <a:t>ユーザー</a:t>
+            </a:r>
+            <a:endParaRPr lang="en-US" altLang="ja-JP" sz="1600" dirty="0">
+              <a:latin typeface="HGS明朝E" panose="02020900000000000000" pitchFamily="18" charset="-128"/>
+              <a:ea typeface="HGS明朝E" panose="02020900000000000000" pitchFamily="18" charset="-128"/>
+            </a:endParaRPr>
           </a:p>
         </p:txBody>
       </p:sp>

--- a/りざっと案件_仕様概要書.pptx
+++ b/りざっと案件_仕様概要書.pptx
@@ -5,7 +5,7 @@
     <p:sldMasterId id="2147483648" r:id="rId1"/>
   </p:sldMasterIdLst>
   <p:notesMasterIdLst>
-    <p:notesMasterId r:id="rId10"/>
+    <p:notesMasterId r:id="rId13"/>
   </p:notesMasterIdLst>
   <p:sldIdLst>
     <p:sldId id="256" r:id="rId2"/>
@@ -16,6 +16,9 @@
     <p:sldId id="260" r:id="rId7"/>
     <p:sldId id="262" r:id="rId8"/>
     <p:sldId id="263" r:id="rId9"/>
+    <p:sldId id="264" r:id="rId10"/>
+    <p:sldId id="265" r:id="rId11"/>
+    <p:sldId id="266" r:id="rId12"/>
   </p:sldIdLst>
   <p:sldSz cx="12192000" cy="6858000"/>
   <p:notesSz cx="6858000" cy="9144000"/>
@@ -204,7 +207,7 @@
           <a:p>
             <a:fld id="{840A8520-B178-40E8-8302-C2C1EA67D214}" type="datetimeFigureOut">
               <a:rPr kumimoji="1" lang="ja-JP" altLang="en-US" smtClean="0"/>
-              <a:t>2025/4/9</a:t>
+              <a:t>2025/6/13</a:t>
             </a:fld>
             <a:endParaRPr kumimoji="1" lang="ja-JP" altLang="en-US"/>
           </a:p>
@@ -1058,7 +1061,7 @@
           <a:p>
             <a:fld id="{35604E46-DE29-4371-AEB2-BC40B6324E73}" type="datetimeFigureOut">
               <a:rPr kumimoji="1" lang="ja-JP" altLang="en-US" smtClean="0"/>
-              <a:t>2025/4/9</a:t>
+              <a:t>2025/6/13</a:t>
             </a:fld>
             <a:endParaRPr kumimoji="1" lang="ja-JP" altLang="en-US"/>
           </a:p>
@@ -1288,7 +1291,7 @@
           <a:p>
             <a:fld id="{35604E46-DE29-4371-AEB2-BC40B6324E73}" type="datetimeFigureOut">
               <a:rPr kumimoji="1" lang="ja-JP" altLang="en-US" smtClean="0"/>
-              <a:t>2025/4/9</a:t>
+              <a:t>2025/6/13</a:t>
             </a:fld>
             <a:endParaRPr kumimoji="1" lang="ja-JP" altLang="en-US"/>
           </a:p>
@@ -1528,7 +1531,7 @@
           <a:p>
             <a:fld id="{35604E46-DE29-4371-AEB2-BC40B6324E73}" type="datetimeFigureOut">
               <a:rPr kumimoji="1" lang="ja-JP" altLang="en-US" smtClean="0"/>
-              <a:t>2025/4/9</a:t>
+              <a:t>2025/6/13</a:t>
             </a:fld>
             <a:endParaRPr kumimoji="1" lang="ja-JP" altLang="en-US"/>
           </a:p>
@@ -1758,7 +1761,7 @@
           <a:p>
             <a:fld id="{35604E46-DE29-4371-AEB2-BC40B6324E73}" type="datetimeFigureOut">
               <a:rPr kumimoji="1" lang="ja-JP" altLang="en-US" smtClean="0"/>
-              <a:t>2025/4/9</a:t>
+              <a:t>2025/6/13</a:t>
             </a:fld>
             <a:endParaRPr kumimoji="1" lang="ja-JP" altLang="en-US"/>
           </a:p>
@@ -2033,7 +2036,7 @@
           <a:p>
             <a:fld id="{35604E46-DE29-4371-AEB2-BC40B6324E73}" type="datetimeFigureOut">
               <a:rPr kumimoji="1" lang="ja-JP" altLang="en-US" smtClean="0"/>
-              <a:t>2025/4/9</a:t>
+              <a:t>2025/6/13</a:t>
             </a:fld>
             <a:endParaRPr kumimoji="1" lang="ja-JP" altLang="en-US"/>
           </a:p>
@@ -2362,7 +2365,7 @@
           <a:p>
             <a:fld id="{35604E46-DE29-4371-AEB2-BC40B6324E73}" type="datetimeFigureOut">
               <a:rPr kumimoji="1" lang="ja-JP" altLang="en-US" smtClean="0"/>
-              <a:t>2025/4/9</a:t>
+              <a:t>2025/6/13</a:t>
             </a:fld>
             <a:endParaRPr kumimoji="1" lang="ja-JP" altLang="en-US"/>
           </a:p>
@@ -2838,7 +2841,7 @@
           <a:p>
             <a:fld id="{35604E46-DE29-4371-AEB2-BC40B6324E73}" type="datetimeFigureOut">
               <a:rPr kumimoji="1" lang="ja-JP" altLang="en-US" smtClean="0"/>
-              <a:t>2025/4/9</a:t>
+              <a:t>2025/6/13</a:t>
             </a:fld>
             <a:endParaRPr kumimoji="1" lang="ja-JP" altLang="en-US"/>
           </a:p>
@@ -2979,7 +2982,7 @@
           <a:p>
             <a:fld id="{35604E46-DE29-4371-AEB2-BC40B6324E73}" type="datetimeFigureOut">
               <a:rPr kumimoji="1" lang="ja-JP" altLang="en-US" smtClean="0"/>
-              <a:t>2025/4/9</a:t>
+              <a:t>2025/6/13</a:t>
             </a:fld>
             <a:endParaRPr kumimoji="1" lang="ja-JP" altLang="en-US"/>
           </a:p>
@@ -3092,7 +3095,7 @@
           <a:p>
             <a:fld id="{35604E46-DE29-4371-AEB2-BC40B6324E73}" type="datetimeFigureOut">
               <a:rPr kumimoji="1" lang="ja-JP" altLang="en-US" smtClean="0"/>
-              <a:t>2025/4/9</a:t>
+              <a:t>2025/6/13</a:t>
             </a:fld>
             <a:endParaRPr kumimoji="1" lang="ja-JP" altLang="en-US"/>
           </a:p>
@@ -3435,7 +3438,7 @@
           <a:p>
             <a:fld id="{35604E46-DE29-4371-AEB2-BC40B6324E73}" type="datetimeFigureOut">
               <a:rPr kumimoji="1" lang="ja-JP" altLang="en-US" smtClean="0"/>
-              <a:t>2025/4/9</a:t>
+              <a:t>2025/6/13</a:t>
             </a:fld>
             <a:endParaRPr kumimoji="1" lang="ja-JP" altLang="en-US"/>
           </a:p>
@@ -3723,7 +3726,7 @@
           <a:p>
             <a:fld id="{35604E46-DE29-4371-AEB2-BC40B6324E73}" type="datetimeFigureOut">
               <a:rPr kumimoji="1" lang="ja-JP" altLang="en-US" smtClean="0"/>
-              <a:t>2025/4/9</a:t>
+              <a:t>2025/6/13</a:t>
             </a:fld>
             <a:endParaRPr kumimoji="1" lang="ja-JP" altLang="en-US"/>
           </a:p>
@@ -3996,7 +3999,7 @@
           <a:p>
             <a:fld id="{35604E46-DE29-4371-AEB2-BC40B6324E73}" type="datetimeFigureOut">
               <a:rPr kumimoji="1" lang="ja-JP" altLang="en-US" smtClean="0"/>
-              <a:t>2025/4/9</a:t>
+              <a:t>2025/6/13</a:t>
             </a:fld>
             <a:endParaRPr kumimoji="1" lang="ja-JP" altLang="en-US"/>
           </a:p>
@@ -4578,6 +4581,1160 @@
 </p:sld>
 </file>
 
+<file path=ppt/slides/slide10.xml><?xml version="1.0" encoding="utf-8"?>
+<p:sld xmlns:a="http://schemas.openxmlformats.org/drawingml/2006/main" xmlns:r="http://schemas.openxmlformats.org/officeDocument/2006/relationships" xmlns:p="http://schemas.openxmlformats.org/presentationml/2006/main">
+  <p:cSld>
+    <p:spTree>
+      <p:nvGrpSpPr>
+        <p:cNvPr id="1" name="">
+          <a:extLst>
+            <a:ext uri="{FF2B5EF4-FFF2-40B4-BE49-F238E27FC236}">
+              <a16:creationId xmlns:a16="http://schemas.microsoft.com/office/drawing/2014/main" id="{D1553085-2A09-6328-8FD9-656714B56DA9}"/>
+            </a:ext>
+          </a:extLst>
+        </p:cNvPr>
+        <p:cNvGrpSpPr/>
+        <p:nvPr/>
+      </p:nvGrpSpPr>
+      <p:grpSpPr>
+        <a:xfrm>
+          <a:off x="0" y="0"/>
+          <a:ext cx="0" cy="0"/>
+          <a:chOff x="0" y="0"/>
+          <a:chExt cx="0" cy="0"/>
+        </a:xfrm>
+      </p:grpSpPr>
+      <p:sp>
+        <p:nvSpPr>
+          <p:cNvPr id="3" name="字幕 2">
+            <a:extLst>
+              <a:ext uri="{FF2B5EF4-FFF2-40B4-BE49-F238E27FC236}">
+                <a16:creationId xmlns:a16="http://schemas.microsoft.com/office/drawing/2014/main" id="{CE358941-FB52-84EA-66AD-E70CB07534C6}"/>
+              </a:ext>
+            </a:extLst>
+          </p:cNvPr>
+          <p:cNvSpPr>
+            <a:spLocks noGrp="1"/>
+          </p:cNvSpPr>
+          <p:nvPr>
+            <p:ph type="subTitle" idx="1"/>
+          </p:nvPr>
+        </p:nvSpPr>
+        <p:spPr>
+          <a:xfrm>
+            <a:off x="0" y="0"/>
+            <a:ext cx="2001068" cy="318986"/>
+          </a:xfrm>
+        </p:spPr>
+        <p:txBody>
+          <a:bodyPr>
+            <a:normAutofit/>
+          </a:bodyPr>
+          <a:lstStyle/>
+          <a:p>
+            <a:pPr algn="l"/>
+            <a:r>
+              <a:rPr lang="en-US" altLang="ja-JP" sz="1400" dirty="0">
+                <a:latin typeface="HGS明朝E" panose="02020900000000000000" pitchFamily="18" charset="-128"/>
+                <a:ea typeface="HGS明朝E" panose="02020900000000000000" pitchFamily="18" charset="-128"/>
+              </a:rPr>
+              <a:t>Chapter 3 : </a:t>
+            </a:r>
+            <a:r>
+              <a:rPr lang="ja-JP" altLang="en-US" sz="1400" dirty="0">
+                <a:latin typeface="HGS明朝E" panose="02020900000000000000" pitchFamily="18" charset="-128"/>
+                <a:ea typeface="HGS明朝E" panose="02020900000000000000" pitchFamily="18" charset="-128"/>
+              </a:rPr>
+              <a:t>画面設計</a:t>
+            </a:r>
+          </a:p>
+        </p:txBody>
+      </p:sp>
+      <p:pic>
+        <p:nvPicPr>
+          <p:cNvPr id="4" name="図 3" descr="黒い背景に白い文字がある&#10;&#10;低い精度で自動的に生成された説明">
+            <a:extLst>
+              <a:ext uri="{FF2B5EF4-FFF2-40B4-BE49-F238E27FC236}">
+                <a16:creationId xmlns:a16="http://schemas.microsoft.com/office/drawing/2014/main" id="{AC934DCE-385E-4DBF-1F9A-D5C7E64288A1}"/>
+              </a:ext>
+            </a:extLst>
+          </p:cNvPr>
+          <p:cNvPicPr>
+            <a:picLocks noChangeAspect="1"/>
+          </p:cNvPicPr>
+          <p:nvPr/>
+        </p:nvPicPr>
+        <p:blipFill>
+          <a:blip r:embed="rId2">
+            <a:extLst>
+              <a:ext uri="{28A0092B-C50C-407E-A947-70E740481C1C}">
+                <a14:useLocalDpi xmlns:a14="http://schemas.microsoft.com/office/drawing/2010/main" val="0"/>
+              </a:ext>
+            </a:extLst>
+          </a:blip>
+          <a:stretch>
+            <a:fillRect/>
+          </a:stretch>
+        </p:blipFill>
+        <p:spPr>
+          <a:xfrm>
+            <a:off x="9982230" y="121271"/>
+            <a:ext cx="2001068" cy="636703"/>
+          </a:xfrm>
+          <a:prstGeom prst="rect">
+            <a:avLst/>
+          </a:prstGeom>
+        </p:spPr>
+      </p:pic>
+      <p:cxnSp>
+        <p:nvCxnSpPr>
+          <p:cNvPr id="9" name="直線コネクタ 8">
+            <a:extLst>
+              <a:ext uri="{FF2B5EF4-FFF2-40B4-BE49-F238E27FC236}">
+                <a16:creationId xmlns:a16="http://schemas.microsoft.com/office/drawing/2014/main" id="{CCEA1F0C-CC52-1352-D996-65234202EBB8}"/>
+              </a:ext>
+            </a:extLst>
+          </p:cNvPr>
+          <p:cNvCxnSpPr>
+            <a:cxnSpLocks/>
+          </p:cNvCxnSpPr>
+          <p:nvPr/>
+        </p:nvCxnSpPr>
+        <p:spPr>
+          <a:xfrm>
+            <a:off x="0" y="757974"/>
+            <a:ext cx="9513651" cy="0"/>
+          </a:xfrm>
+          <a:prstGeom prst="line">
+            <a:avLst/>
+          </a:prstGeom>
+          <a:ln>
+            <a:solidFill>
+              <a:schemeClr val="accent4">
+                <a:lumMod val="50000"/>
+              </a:schemeClr>
+            </a:solidFill>
+          </a:ln>
+        </p:spPr>
+        <p:style>
+          <a:lnRef idx="2">
+            <a:schemeClr val="accent1"/>
+          </a:lnRef>
+          <a:fillRef idx="0">
+            <a:schemeClr val="accent1"/>
+          </a:fillRef>
+          <a:effectRef idx="1">
+            <a:schemeClr val="accent1"/>
+          </a:effectRef>
+          <a:fontRef idx="minor">
+            <a:schemeClr val="tx1"/>
+          </a:fontRef>
+        </p:style>
+      </p:cxnSp>
+      <p:sp>
+        <p:nvSpPr>
+          <p:cNvPr id="15" name="テキスト ボックス 14">
+            <a:extLst>
+              <a:ext uri="{FF2B5EF4-FFF2-40B4-BE49-F238E27FC236}">
+                <a16:creationId xmlns:a16="http://schemas.microsoft.com/office/drawing/2014/main" id="{193219BB-3CE1-36C2-A336-EE07DA603D67}"/>
+              </a:ext>
+            </a:extLst>
+          </p:cNvPr>
+          <p:cNvSpPr txBox="1"/>
+          <p:nvPr/>
+        </p:nvSpPr>
+        <p:spPr>
+          <a:xfrm>
+            <a:off x="1050587" y="233464"/>
+            <a:ext cx="8463063" cy="523220"/>
+          </a:xfrm>
+          <a:prstGeom prst="rect">
+            <a:avLst/>
+          </a:prstGeom>
+          <a:noFill/>
+        </p:spPr>
+        <p:txBody>
+          <a:bodyPr wrap="square" rtlCol="0">
+            <a:spAutoFit/>
+          </a:bodyPr>
+          <a:lstStyle/>
+          <a:p>
+            <a:r>
+              <a:rPr kumimoji="1" lang="en-US" altLang="ja-JP" sz="2800" dirty="0">
+                <a:latin typeface="HGS明朝E" panose="02020900000000000000" pitchFamily="18" charset="-128"/>
+                <a:ea typeface="HGS明朝E" panose="02020900000000000000" pitchFamily="18" charset="-128"/>
+              </a:rPr>
+              <a:t>Section 1 : </a:t>
+            </a:r>
+            <a:r>
+              <a:rPr kumimoji="1" lang="ja-JP" altLang="en-US" sz="2800" dirty="0">
+                <a:latin typeface="HGS明朝E" panose="02020900000000000000" pitchFamily="18" charset="-128"/>
+                <a:ea typeface="HGS明朝E" panose="02020900000000000000" pitchFamily="18" charset="-128"/>
+              </a:rPr>
+              <a:t>テンプレ</a:t>
+            </a:r>
+          </a:p>
+        </p:txBody>
+      </p:sp>
+      <p:sp>
+        <p:nvSpPr>
+          <p:cNvPr id="2" name="正方形/長方形 1">
+            <a:extLst>
+              <a:ext uri="{FF2B5EF4-FFF2-40B4-BE49-F238E27FC236}">
+                <a16:creationId xmlns:a16="http://schemas.microsoft.com/office/drawing/2014/main" id="{57C5591D-4D0A-0106-B726-7D44AC870690}"/>
+              </a:ext>
+            </a:extLst>
+          </p:cNvPr>
+          <p:cNvSpPr/>
+          <p:nvPr/>
+        </p:nvSpPr>
+        <p:spPr>
+          <a:xfrm>
+            <a:off x="371475" y="1047750"/>
+            <a:ext cx="11477625" cy="5495911"/>
+          </a:xfrm>
+          <a:prstGeom prst="rect">
+            <a:avLst/>
+          </a:prstGeom>
+          <a:solidFill>
+            <a:schemeClr val="bg1"/>
+          </a:solidFill>
+          <a:ln>
+            <a:solidFill>
+              <a:schemeClr val="tx1"/>
+            </a:solidFill>
+          </a:ln>
+        </p:spPr>
+        <p:style>
+          <a:lnRef idx="2">
+            <a:schemeClr val="accent1">
+              <a:shade val="15000"/>
+            </a:schemeClr>
+          </a:lnRef>
+          <a:fillRef idx="1">
+            <a:schemeClr val="accent1"/>
+          </a:fillRef>
+          <a:effectRef idx="0">
+            <a:schemeClr val="accent1"/>
+          </a:effectRef>
+          <a:fontRef idx="minor">
+            <a:schemeClr val="lt1"/>
+          </a:fontRef>
+        </p:style>
+        <p:txBody>
+          <a:bodyPr rtlCol="0" anchor="ctr"/>
+          <a:lstStyle/>
+          <a:p>
+            <a:pPr algn="ctr"/>
+            <a:endParaRPr kumimoji="1" lang="ja-JP" altLang="en-US"/>
+          </a:p>
+        </p:txBody>
+      </p:sp>
+    </p:spTree>
+    <p:extLst>
+      <p:ext uri="{BB962C8B-B14F-4D97-AF65-F5344CB8AC3E}">
+        <p14:creationId xmlns:p14="http://schemas.microsoft.com/office/powerpoint/2010/main" val="292950840"/>
+      </p:ext>
+    </p:extLst>
+  </p:cSld>
+  <p:clrMapOvr>
+    <a:masterClrMapping/>
+  </p:clrMapOvr>
+</p:sld>
+</file>
+
+<file path=ppt/slides/slide11.xml><?xml version="1.0" encoding="utf-8"?>
+<p:sld xmlns:a="http://schemas.openxmlformats.org/drawingml/2006/main" xmlns:r="http://schemas.openxmlformats.org/officeDocument/2006/relationships" xmlns:p="http://schemas.openxmlformats.org/presentationml/2006/main">
+  <p:cSld>
+    <p:spTree>
+      <p:nvGrpSpPr>
+        <p:cNvPr id="1" name="">
+          <a:extLst>
+            <a:ext uri="{FF2B5EF4-FFF2-40B4-BE49-F238E27FC236}">
+              <a16:creationId xmlns:a16="http://schemas.microsoft.com/office/drawing/2014/main" id="{D3BC039D-8A67-E9AC-D463-CAB048F1AC6F}"/>
+            </a:ext>
+          </a:extLst>
+        </p:cNvPr>
+        <p:cNvGrpSpPr/>
+        <p:nvPr/>
+      </p:nvGrpSpPr>
+      <p:grpSpPr>
+        <a:xfrm>
+          <a:off x="0" y="0"/>
+          <a:ext cx="0" cy="0"/>
+          <a:chOff x="0" y="0"/>
+          <a:chExt cx="0" cy="0"/>
+        </a:xfrm>
+      </p:grpSpPr>
+      <p:pic>
+        <p:nvPicPr>
+          <p:cNvPr id="4" name="図 3" descr="黒い背景に白い文字がある&#10;&#10;低い精度で自動的に生成された説明">
+            <a:extLst>
+              <a:ext uri="{FF2B5EF4-FFF2-40B4-BE49-F238E27FC236}">
+                <a16:creationId xmlns:a16="http://schemas.microsoft.com/office/drawing/2014/main" id="{18A37A7A-1B7B-B5EB-E239-817CC845B54B}"/>
+              </a:ext>
+            </a:extLst>
+          </p:cNvPr>
+          <p:cNvPicPr>
+            <a:picLocks noChangeAspect="1"/>
+          </p:cNvPicPr>
+          <p:nvPr/>
+        </p:nvPicPr>
+        <p:blipFill>
+          <a:blip r:embed="rId2">
+            <a:extLst>
+              <a:ext uri="{28A0092B-C50C-407E-A947-70E740481C1C}">
+                <a14:useLocalDpi xmlns:a14="http://schemas.microsoft.com/office/drawing/2010/main" val="0"/>
+              </a:ext>
+            </a:extLst>
+          </a:blip>
+          <a:stretch>
+            <a:fillRect/>
+          </a:stretch>
+        </p:blipFill>
+        <p:spPr>
+          <a:xfrm>
+            <a:off x="9982230" y="121271"/>
+            <a:ext cx="2001068" cy="636703"/>
+          </a:xfrm>
+          <a:prstGeom prst="rect">
+            <a:avLst/>
+          </a:prstGeom>
+        </p:spPr>
+      </p:pic>
+      <p:cxnSp>
+        <p:nvCxnSpPr>
+          <p:cNvPr id="9" name="直線コネクタ 8">
+            <a:extLst>
+              <a:ext uri="{FF2B5EF4-FFF2-40B4-BE49-F238E27FC236}">
+                <a16:creationId xmlns:a16="http://schemas.microsoft.com/office/drawing/2014/main" id="{2FE3D010-290A-C326-4F15-BA7A3D7123E6}"/>
+              </a:ext>
+            </a:extLst>
+          </p:cNvPr>
+          <p:cNvCxnSpPr>
+            <a:cxnSpLocks/>
+          </p:cNvCxnSpPr>
+          <p:nvPr/>
+        </p:nvCxnSpPr>
+        <p:spPr>
+          <a:xfrm>
+            <a:off x="0" y="757974"/>
+            <a:ext cx="9513651" cy="0"/>
+          </a:xfrm>
+          <a:prstGeom prst="line">
+            <a:avLst/>
+          </a:prstGeom>
+          <a:ln>
+            <a:solidFill>
+              <a:schemeClr val="accent4">
+                <a:lumMod val="50000"/>
+              </a:schemeClr>
+            </a:solidFill>
+          </a:ln>
+        </p:spPr>
+        <p:style>
+          <a:lnRef idx="2">
+            <a:schemeClr val="accent1"/>
+          </a:lnRef>
+          <a:fillRef idx="0">
+            <a:schemeClr val="accent1"/>
+          </a:fillRef>
+          <a:effectRef idx="1">
+            <a:schemeClr val="accent1"/>
+          </a:effectRef>
+          <a:fontRef idx="minor">
+            <a:schemeClr val="tx1"/>
+          </a:fontRef>
+        </p:style>
+      </p:cxnSp>
+      <p:sp>
+        <p:nvSpPr>
+          <p:cNvPr id="15" name="テキスト ボックス 14">
+            <a:extLst>
+              <a:ext uri="{FF2B5EF4-FFF2-40B4-BE49-F238E27FC236}">
+                <a16:creationId xmlns:a16="http://schemas.microsoft.com/office/drawing/2014/main" id="{6476534F-AFFE-0689-86B2-38DEE426770E}"/>
+              </a:ext>
+            </a:extLst>
+          </p:cNvPr>
+          <p:cNvSpPr txBox="1"/>
+          <p:nvPr/>
+        </p:nvSpPr>
+        <p:spPr>
+          <a:xfrm>
+            <a:off x="1050587" y="233464"/>
+            <a:ext cx="8463063" cy="523220"/>
+          </a:xfrm>
+          <a:prstGeom prst="rect">
+            <a:avLst/>
+          </a:prstGeom>
+          <a:noFill/>
+        </p:spPr>
+        <p:txBody>
+          <a:bodyPr wrap="square" rtlCol="0">
+            <a:spAutoFit/>
+          </a:bodyPr>
+          <a:lstStyle/>
+          <a:p>
+            <a:r>
+              <a:rPr kumimoji="1" lang="en-US" altLang="ja-JP" sz="2800" dirty="0">
+                <a:latin typeface="HGS明朝E" panose="02020900000000000000" pitchFamily="18" charset="-128"/>
+                <a:ea typeface="HGS明朝E" panose="02020900000000000000" pitchFamily="18" charset="-128"/>
+              </a:rPr>
+              <a:t>Section 1 : </a:t>
+            </a:r>
+            <a:r>
+              <a:rPr kumimoji="1" lang="ja-JP" altLang="en-US" sz="2800" dirty="0">
+                <a:latin typeface="HGS明朝E" panose="02020900000000000000" pitchFamily="18" charset="-128"/>
+                <a:ea typeface="HGS明朝E" panose="02020900000000000000" pitchFamily="18" charset="-128"/>
+              </a:rPr>
+              <a:t>ログイン画面（管理者）</a:t>
+            </a:r>
+          </a:p>
+        </p:txBody>
+      </p:sp>
+      <p:sp>
+        <p:nvSpPr>
+          <p:cNvPr id="2" name="正方形/長方形 1">
+            <a:extLst>
+              <a:ext uri="{FF2B5EF4-FFF2-40B4-BE49-F238E27FC236}">
+                <a16:creationId xmlns:a16="http://schemas.microsoft.com/office/drawing/2014/main" id="{1874D4DB-3B9A-A28B-B2C0-6435470BCC90}"/>
+              </a:ext>
+            </a:extLst>
+          </p:cNvPr>
+          <p:cNvSpPr/>
+          <p:nvPr/>
+        </p:nvSpPr>
+        <p:spPr>
+          <a:xfrm>
+            <a:off x="371475" y="1047750"/>
+            <a:ext cx="11477625" cy="5495911"/>
+          </a:xfrm>
+          <a:prstGeom prst="rect">
+            <a:avLst/>
+          </a:prstGeom>
+          <a:solidFill>
+            <a:schemeClr val="bg1"/>
+          </a:solidFill>
+          <a:ln>
+            <a:solidFill>
+              <a:schemeClr val="tx1"/>
+            </a:solidFill>
+          </a:ln>
+        </p:spPr>
+        <p:style>
+          <a:lnRef idx="2">
+            <a:schemeClr val="accent1">
+              <a:shade val="15000"/>
+            </a:schemeClr>
+          </a:lnRef>
+          <a:fillRef idx="1">
+            <a:schemeClr val="accent1"/>
+          </a:fillRef>
+          <a:effectRef idx="0">
+            <a:schemeClr val="accent1"/>
+          </a:effectRef>
+          <a:fontRef idx="minor">
+            <a:schemeClr val="lt1"/>
+          </a:fontRef>
+        </p:style>
+        <p:txBody>
+          <a:bodyPr rtlCol="0" anchor="ctr"/>
+          <a:lstStyle/>
+          <a:p>
+            <a:pPr algn="ctr"/>
+            <a:endParaRPr kumimoji="1" lang="ja-JP" altLang="en-US" dirty="0"/>
+          </a:p>
+        </p:txBody>
+      </p:sp>
+      <p:sp>
+        <p:nvSpPr>
+          <p:cNvPr id="5" name="正方形/長方形 4">
+            <a:extLst>
+              <a:ext uri="{FF2B5EF4-FFF2-40B4-BE49-F238E27FC236}">
+                <a16:creationId xmlns:a16="http://schemas.microsoft.com/office/drawing/2014/main" id="{F6C1E81E-5A07-4BCB-5135-7F4983A82165}"/>
+              </a:ext>
+            </a:extLst>
+          </p:cNvPr>
+          <p:cNvSpPr/>
+          <p:nvPr/>
+        </p:nvSpPr>
+        <p:spPr>
+          <a:xfrm>
+            <a:off x="371475" y="1046459"/>
+            <a:ext cx="3657599" cy="5495909"/>
+          </a:xfrm>
+          <a:prstGeom prst="rect">
+            <a:avLst/>
+          </a:prstGeom>
+          <a:solidFill>
+            <a:srgbClr val="554EDA"/>
+          </a:solidFill>
+          <a:ln>
+            <a:noFill/>
+          </a:ln>
+        </p:spPr>
+        <p:style>
+          <a:lnRef idx="2">
+            <a:schemeClr val="accent1">
+              <a:shade val="15000"/>
+            </a:schemeClr>
+          </a:lnRef>
+          <a:fillRef idx="1">
+            <a:schemeClr val="accent1"/>
+          </a:fillRef>
+          <a:effectRef idx="0">
+            <a:schemeClr val="accent1"/>
+          </a:effectRef>
+          <a:fontRef idx="minor">
+            <a:schemeClr val="lt1"/>
+          </a:fontRef>
+        </p:style>
+        <p:txBody>
+          <a:bodyPr rtlCol="0" anchor="ctr"/>
+          <a:lstStyle/>
+          <a:p>
+            <a:pPr algn="ctr"/>
+            <a:r>
+              <a:rPr kumimoji="1" lang="ja-JP" altLang="en-US" dirty="0">
+                <a:latin typeface="HGS創英角ｺﾞｼｯｸUB" panose="020B0900000000000000" pitchFamily="50" charset="-128"/>
+                <a:ea typeface="HGS創英角ｺﾞｼｯｸUB" panose="020B0900000000000000" pitchFamily="50" charset="-128"/>
+                <a:cs typeface="Cascadia Code SemiLight" panose="020B0609020000020004" pitchFamily="49" charset="0"/>
+              </a:rPr>
+              <a:t>公演管理画面</a:t>
+            </a:r>
+            <a:endParaRPr kumimoji="1" lang="en-US" altLang="ja-JP" dirty="0">
+              <a:latin typeface="HGS創英角ｺﾞｼｯｸUB" panose="020B0900000000000000" pitchFamily="50" charset="-128"/>
+              <a:ea typeface="HGS創英角ｺﾞｼｯｸUB" panose="020B0900000000000000" pitchFamily="50" charset="-128"/>
+              <a:cs typeface="Cascadia Code SemiLight" panose="020B0609020000020004" pitchFamily="49" charset="0"/>
+            </a:endParaRPr>
+          </a:p>
+          <a:p>
+            <a:pPr algn="ctr"/>
+            <a:r>
+              <a:rPr kumimoji="1" lang="ja-JP" altLang="en-US" dirty="0">
+                <a:latin typeface="HGS創英角ｺﾞｼｯｸUB" panose="020B0900000000000000" pitchFamily="50" charset="-128"/>
+                <a:ea typeface="HGS創英角ｺﾞｼｯｸUB" panose="020B0900000000000000" pitchFamily="50" charset="-128"/>
+                <a:cs typeface="Cascadia Code SemiLight" panose="020B0609020000020004" pitchFamily="49" charset="0"/>
+              </a:rPr>
+              <a:t>ログイン</a:t>
+            </a:r>
+          </a:p>
+        </p:txBody>
+      </p:sp>
+      <p:sp>
+        <p:nvSpPr>
+          <p:cNvPr id="7" name="正方形/長方形 6">
+            <a:extLst>
+              <a:ext uri="{FF2B5EF4-FFF2-40B4-BE49-F238E27FC236}">
+                <a16:creationId xmlns:a16="http://schemas.microsoft.com/office/drawing/2014/main" id="{58CC7E98-196C-F0A3-F3D7-CC3508E6D75B}"/>
+              </a:ext>
+            </a:extLst>
+          </p:cNvPr>
+          <p:cNvSpPr/>
+          <p:nvPr/>
+        </p:nvSpPr>
+        <p:spPr>
+          <a:xfrm>
+            <a:off x="371475" y="1045166"/>
+            <a:ext cx="933041" cy="542925"/>
+          </a:xfrm>
+          <a:prstGeom prst="rect">
+            <a:avLst/>
+          </a:prstGeom>
+          <a:solidFill>
+            <a:srgbClr val="FFFF00"/>
+          </a:solidFill>
+        </p:spPr>
+        <p:style>
+          <a:lnRef idx="2">
+            <a:schemeClr val="accent1">
+              <a:shade val="15000"/>
+            </a:schemeClr>
+          </a:lnRef>
+          <a:fillRef idx="1">
+            <a:schemeClr val="accent1"/>
+          </a:fillRef>
+          <a:effectRef idx="0">
+            <a:schemeClr val="accent1"/>
+          </a:effectRef>
+          <a:fontRef idx="minor">
+            <a:schemeClr val="lt1"/>
+          </a:fontRef>
+        </p:style>
+        <p:txBody>
+          <a:bodyPr rtlCol="0" anchor="ctr"/>
+          <a:lstStyle/>
+          <a:p>
+            <a:pPr algn="ctr"/>
+            <a:r>
+              <a:rPr kumimoji="1" lang="ja-JP" altLang="en-US" b="1" dirty="0">
+                <a:solidFill>
+                  <a:schemeClr val="tx1"/>
+                </a:solidFill>
+              </a:rPr>
+              <a:t>ロゴ</a:t>
+            </a:r>
+          </a:p>
+        </p:txBody>
+      </p:sp>
+      <p:sp>
+        <p:nvSpPr>
+          <p:cNvPr id="8" name="正方形/長方形 7">
+            <a:extLst>
+              <a:ext uri="{FF2B5EF4-FFF2-40B4-BE49-F238E27FC236}">
+                <a16:creationId xmlns:a16="http://schemas.microsoft.com/office/drawing/2014/main" id="{4B7EFDB5-5D45-33F3-3D02-B12C3BE624FA}"/>
+              </a:ext>
+            </a:extLst>
+          </p:cNvPr>
+          <p:cNvSpPr/>
+          <p:nvPr/>
+        </p:nvSpPr>
+        <p:spPr>
+          <a:xfrm>
+            <a:off x="534013" y="6181725"/>
+            <a:ext cx="2675912" cy="360643"/>
+          </a:xfrm>
+          <a:prstGeom prst="rect">
+            <a:avLst/>
+          </a:prstGeom>
+          <a:solidFill>
+            <a:srgbClr val="FFFF00"/>
+          </a:solidFill>
+        </p:spPr>
+        <p:style>
+          <a:lnRef idx="2">
+            <a:schemeClr val="accent1">
+              <a:shade val="15000"/>
+            </a:schemeClr>
+          </a:lnRef>
+          <a:fillRef idx="1">
+            <a:schemeClr val="accent1"/>
+          </a:fillRef>
+          <a:effectRef idx="0">
+            <a:schemeClr val="accent1"/>
+          </a:effectRef>
+          <a:fontRef idx="minor">
+            <a:schemeClr val="lt1"/>
+          </a:fontRef>
+        </p:style>
+        <p:txBody>
+          <a:bodyPr rtlCol="0" anchor="ctr"/>
+          <a:lstStyle/>
+          <a:p>
+            <a:pPr algn="ctr"/>
+            <a:r>
+              <a:rPr kumimoji="1" lang="ja-JP" altLang="en-US" b="1" dirty="0">
+                <a:solidFill>
+                  <a:schemeClr val="tx1"/>
+                </a:solidFill>
+              </a:rPr>
+              <a:t>権利表記</a:t>
+            </a:r>
+          </a:p>
+        </p:txBody>
+      </p:sp>
+      <p:sp>
+        <p:nvSpPr>
+          <p:cNvPr id="11" name="正方形/長方形 10">
+            <a:extLst>
+              <a:ext uri="{FF2B5EF4-FFF2-40B4-BE49-F238E27FC236}">
+                <a16:creationId xmlns:a16="http://schemas.microsoft.com/office/drawing/2014/main" id="{B7FF9E41-BA4C-545B-81E8-87A0F82A19A9}"/>
+              </a:ext>
+            </a:extLst>
+          </p:cNvPr>
+          <p:cNvSpPr/>
+          <p:nvPr/>
+        </p:nvSpPr>
+        <p:spPr>
+          <a:xfrm>
+            <a:off x="5895975" y="1485900"/>
+            <a:ext cx="4086255" cy="352425"/>
+          </a:xfrm>
+          <a:prstGeom prst="rect">
+            <a:avLst/>
+          </a:prstGeom>
+          <a:solidFill>
+            <a:schemeClr val="bg1"/>
+          </a:solidFill>
+        </p:spPr>
+        <p:style>
+          <a:lnRef idx="2">
+            <a:schemeClr val="accent1">
+              <a:shade val="15000"/>
+            </a:schemeClr>
+          </a:lnRef>
+          <a:fillRef idx="1">
+            <a:schemeClr val="accent1"/>
+          </a:fillRef>
+          <a:effectRef idx="0">
+            <a:schemeClr val="accent1"/>
+          </a:effectRef>
+          <a:fontRef idx="minor">
+            <a:schemeClr val="lt1"/>
+          </a:fontRef>
+        </p:style>
+        <p:txBody>
+          <a:bodyPr rtlCol="0" anchor="ctr"/>
+          <a:lstStyle/>
+          <a:p>
+            <a:pPr algn="ctr"/>
+            <a:r>
+              <a:rPr kumimoji="1" lang="ja-JP" altLang="en-US" dirty="0">
+                <a:solidFill>
+                  <a:schemeClr val="tx1"/>
+                </a:solidFill>
+              </a:rPr>
+              <a:t>メールアドレス</a:t>
+            </a:r>
+          </a:p>
+        </p:txBody>
+      </p:sp>
+      <p:sp>
+        <p:nvSpPr>
+          <p:cNvPr id="12" name="正方形/長方形 11">
+            <a:extLst>
+              <a:ext uri="{FF2B5EF4-FFF2-40B4-BE49-F238E27FC236}">
+                <a16:creationId xmlns:a16="http://schemas.microsoft.com/office/drawing/2014/main" id="{717959E8-87E9-383B-A8CA-FC63D26E34E2}"/>
+              </a:ext>
+            </a:extLst>
+          </p:cNvPr>
+          <p:cNvSpPr/>
+          <p:nvPr/>
+        </p:nvSpPr>
+        <p:spPr>
+          <a:xfrm>
+            <a:off x="4886325" y="2409825"/>
+            <a:ext cx="6105525" cy="352425"/>
+          </a:xfrm>
+          <a:prstGeom prst="rect">
+            <a:avLst/>
+          </a:prstGeom>
+          <a:solidFill>
+            <a:schemeClr val="bg1"/>
+          </a:solidFill>
+        </p:spPr>
+        <p:style>
+          <a:lnRef idx="2">
+            <a:schemeClr val="accent1">
+              <a:shade val="15000"/>
+            </a:schemeClr>
+          </a:lnRef>
+          <a:fillRef idx="1">
+            <a:schemeClr val="accent1"/>
+          </a:fillRef>
+          <a:effectRef idx="0">
+            <a:schemeClr val="accent1"/>
+          </a:effectRef>
+          <a:fontRef idx="minor">
+            <a:schemeClr val="lt1"/>
+          </a:fontRef>
+        </p:style>
+        <p:txBody>
+          <a:bodyPr rtlCol="0" anchor="ctr"/>
+          <a:lstStyle/>
+          <a:p>
+            <a:pPr algn="ctr"/>
+            <a:r>
+              <a:rPr kumimoji="1" lang="en-US" altLang="ja-JP" dirty="0">
+                <a:solidFill>
+                  <a:schemeClr val="tx1"/>
+                </a:solidFill>
+              </a:rPr>
+              <a:t>test@gmail.com</a:t>
+            </a:r>
+            <a:endParaRPr kumimoji="1" lang="ja-JP" altLang="en-US" dirty="0">
+              <a:solidFill>
+                <a:schemeClr val="tx1"/>
+              </a:solidFill>
+            </a:endParaRPr>
+          </a:p>
+        </p:txBody>
+      </p:sp>
+      <p:sp>
+        <p:nvSpPr>
+          <p:cNvPr id="13" name="テキスト ボックス 12">
+            <a:extLst>
+              <a:ext uri="{FF2B5EF4-FFF2-40B4-BE49-F238E27FC236}">
+                <a16:creationId xmlns:a16="http://schemas.microsoft.com/office/drawing/2014/main" id="{66BC223E-FBF3-A383-2A60-1897FB088912}"/>
+              </a:ext>
+            </a:extLst>
+          </p:cNvPr>
+          <p:cNvSpPr txBox="1"/>
+          <p:nvPr/>
+        </p:nvSpPr>
+        <p:spPr>
+          <a:xfrm>
+            <a:off x="4886325" y="2102048"/>
+            <a:ext cx="2619375" cy="307777"/>
+          </a:xfrm>
+          <a:prstGeom prst="rect">
+            <a:avLst/>
+          </a:prstGeom>
+          <a:noFill/>
+        </p:spPr>
+        <p:txBody>
+          <a:bodyPr wrap="square" rtlCol="0">
+            <a:spAutoFit/>
+          </a:bodyPr>
+          <a:lstStyle/>
+          <a:p>
+            <a:r>
+              <a:rPr lang="ja-JP" altLang="en-US" sz="1400" dirty="0"/>
+              <a:t>メールアドレスを入力</a:t>
+            </a:r>
+            <a:endParaRPr kumimoji="1" lang="ja-JP" altLang="en-US" sz="1400" dirty="0"/>
+          </a:p>
+        </p:txBody>
+      </p:sp>
+      <p:sp>
+        <p:nvSpPr>
+          <p:cNvPr id="16" name="正方形/長方形 15">
+            <a:extLst>
+              <a:ext uri="{FF2B5EF4-FFF2-40B4-BE49-F238E27FC236}">
+                <a16:creationId xmlns:a16="http://schemas.microsoft.com/office/drawing/2014/main" id="{51D31320-8239-A4C2-B472-688B074FCAE5}"/>
+              </a:ext>
+            </a:extLst>
+          </p:cNvPr>
+          <p:cNvSpPr/>
+          <p:nvPr/>
+        </p:nvSpPr>
+        <p:spPr>
+          <a:xfrm>
+            <a:off x="4886325" y="3333750"/>
+            <a:ext cx="6105525" cy="352425"/>
+          </a:xfrm>
+          <a:prstGeom prst="rect">
+            <a:avLst/>
+          </a:prstGeom>
+          <a:solidFill>
+            <a:schemeClr val="bg1"/>
+          </a:solidFill>
+        </p:spPr>
+        <p:style>
+          <a:lnRef idx="2">
+            <a:schemeClr val="accent1">
+              <a:shade val="15000"/>
+            </a:schemeClr>
+          </a:lnRef>
+          <a:fillRef idx="1">
+            <a:schemeClr val="accent1"/>
+          </a:fillRef>
+          <a:effectRef idx="0">
+            <a:schemeClr val="accent1"/>
+          </a:effectRef>
+          <a:fontRef idx="minor">
+            <a:schemeClr val="lt1"/>
+          </a:fontRef>
+        </p:style>
+        <p:txBody>
+          <a:bodyPr rtlCol="0" anchor="ctr"/>
+          <a:lstStyle/>
+          <a:p>
+            <a:pPr algn="ctr"/>
+            <a:r>
+              <a:rPr lang="en-US" altLang="ja-JP">
+                <a:solidFill>
+                  <a:schemeClr val="tx1"/>
+                </a:solidFill>
+              </a:rPr>
+              <a:t>***************</a:t>
+            </a:r>
+            <a:endParaRPr kumimoji="1" lang="ja-JP" altLang="en-US" dirty="0">
+              <a:solidFill>
+                <a:schemeClr val="tx1"/>
+              </a:solidFill>
+            </a:endParaRPr>
+          </a:p>
+        </p:txBody>
+      </p:sp>
+      <p:sp>
+        <p:nvSpPr>
+          <p:cNvPr id="17" name="テキスト ボックス 16">
+            <a:extLst>
+              <a:ext uri="{FF2B5EF4-FFF2-40B4-BE49-F238E27FC236}">
+                <a16:creationId xmlns:a16="http://schemas.microsoft.com/office/drawing/2014/main" id="{52BB5083-29E3-D162-310D-CF99548C1C86}"/>
+              </a:ext>
+            </a:extLst>
+          </p:cNvPr>
+          <p:cNvSpPr txBox="1"/>
+          <p:nvPr/>
+        </p:nvSpPr>
+        <p:spPr>
+          <a:xfrm>
+            <a:off x="4886325" y="3025973"/>
+            <a:ext cx="2619375" cy="307777"/>
+          </a:xfrm>
+          <a:prstGeom prst="rect">
+            <a:avLst/>
+          </a:prstGeom>
+          <a:noFill/>
+        </p:spPr>
+        <p:txBody>
+          <a:bodyPr wrap="square" rtlCol="0">
+            <a:spAutoFit/>
+          </a:bodyPr>
+          <a:lstStyle/>
+          <a:p>
+            <a:r>
+              <a:rPr lang="ja-JP" altLang="en-US" sz="1400" dirty="0"/>
+              <a:t>パスワードを入力</a:t>
+            </a:r>
+            <a:endParaRPr kumimoji="1" lang="ja-JP" altLang="en-US" sz="1400" dirty="0"/>
+          </a:p>
+        </p:txBody>
+      </p:sp>
+      <p:sp>
+        <p:nvSpPr>
+          <p:cNvPr id="10" name="字幕 9">
+            <a:extLst>
+              <a:ext uri="{FF2B5EF4-FFF2-40B4-BE49-F238E27FC236}">
+                <a16:creationId xmlns:a16="http://schemas.microsoft.com/office/drawing/2014/main" id="{C02DB04D-632B-CE5D-ED05-1F0B51EEA234}"/>
+              </a:ext>
+            </a:extLst>
+          </p:cNvPr>
+          <p:cNvSpPr>
+            <a:spLocks noGrp="1"/>
+          </p:cNvSpPr>
+          <p:nvPr>
+            <p:ph type="subTitle" idx="1"/>
+          </p:nvPr>
+        </p:nvSpPr>
+        <p:spPr/>
+        <p:txBody>
+          <a:bodyPr/>
+          <a:lstStyle/>
+          <a:p>
+            <a:endParaRPr lang="ja-JP" altLang="en-US"/>
+          </a:p>
+        </p:txBody>
+      </p:sp>
+      <p:sp>
+        <p:nvSpPr>
+          <p:cNvPr id="14" name="字幕 2">
+            <a:extLst>
+              <a:ext uri="{FF2B5EF4-FFF2-40B4-BE49-F238E27FC236}">
+                <a16:creationId xmlns:a16="http://schemas.microsoft.com/office/drawing/2014/main" id="{5FE26D8C-6836-6C12-A155-E2791CA5ECB8}"/>
+              </a:ext>
+            </a:extLst>
+          </p:cNvPr>
+          <p:cNvSpPr txBox="1">
+            <a:spLocks/>
+          </p:cNvSpPr>
+          <p:nvPr/>
+        </p:nvSpPr>
+        <p:spPr>
+          <a:xfrm>
+            <a:off x="0" y="0"/>
+            <a:ext cx="2001068" cy="318986"/>
+          </a:xfrm>
+          <a:prstGeom prst="rect">
+            <a:avLst/>
+          </a:prstGeom>
+        </p:spPr>
+        <p:txBody>
+          <a:bodyPr vert="horz" lIns="91440" tIns="45720" rIns="91440" bIns="45720" rtlCol="0">
+            <a:normAutofit/>
+          </a:bodyPr>
+          <a:lstStyle>
+            <a:lvl1pPr marL="0" indent="0" algn="ctr" defTabSz="914400" rtl="0" eaLnBrk="1" latinLnBrk="0" hangingPunct="1">
+              <a:lnSpc>
+                <a:spcPct val="90000"/>
+              </a:lnSpc>
+              <a:spcBef>
+                <a:spcPts val="1000"/>
+              </a:spcBef>
+              <a:buFont typeface="Arial" panose="020B0604020202020204" pitchFamily="34" charset="0"/>
+              <a:buNone/>
+              <a:defRPr kumimoji="1" sz="2400" kern="1200">
+                <a:solidFill>
+                  <a:schemeClr val="tx1"/>
+                </a:solidFill>
+                <a:latin typeface="+mn-lt"/>
+                <a:ea typeface="+mn-ea"/>
+                <a:cs typeface="+mn-cs"/>
+              </a:defRPr>
+            </a:lvl1pPr>
+            <a:lvl2pPr marL="457200" indent="0" algn="ctr" defTabSz="914400" rtl="0" eaLnBrk="1" latinLnBrk="0" hangingPunct="1">
+              <a:lnSpc>
+                <a:spcPct val="90000"/>
+              </a:lnSpc>
+              <a:spcBef>
+                <a:spcPts val="500"/>
+              </a:spcBef>
+              <a:buFont typeface="Arial" panose="020B0604020202020204" pitchFamily="34" charset="0"/>
+              <a:buNone/>
+              <a:defRPr kumimoji="1" sz="2000" kern="1200">
+                <a:solidFill>
+                  <a:schemeClr val="tx1"/>
+                </a:solidFill>
+                <a:latin typeface="+mn-lt"/>
+                <a:ea typeface="+mn-ea"/>
+                <a:cs typeface="+mn-cs"/>
+              </a:defRPr>
+            </a:lvl2pPr>
+            <a:lvl3pPr marL="914400" indent="0" algn="ctr" defTabSz="914400" rtl="0" eaLnBrk="1" latinLnBrk="0" hangingPunct="1">
+              <a:lnSpc>
+                <a:spcPct val="90000"/>
+              </a:lnSpc>
+              <a:spcBef>
+                <a:spcPts val="500"/>
+              </a:spcBef>
+              <a:buFont typeface="Arial" panose="020B0604020202020204" pitchFamily="34" charset="0"/>
+              <a:buNone/>
+              <a:defRPr kumimoji="1" sz="1800" kern="1200">
+                <a:solidFill>
+                  <a:schemeClr val="tx1"/>
+                </a:solidFill>
+                <a:latin typeface="+mn-lt"/>
+                <a:ea typeface="+mn-ea"/>
+                <a:cs typeface="+mn-cs"/>
+              </a:defRPr>
+            </a:lvl3pPr>
+            <a:lvl4pPr marL="1371600" indent="0" algn="ctr" defTabSz="914400" rtl="0" eaLnBrk="1" latinLnBrk="0" hangingPunct="1">
+              <a:lnSpc>
+                <a:spcPct val="90000"/>
+              </a:lnSpc>
+              <a:spcBef>
+                <a:spcPts val="500"/>
+              </a:spcBef>
+              <a:buFont typeface="Arial" panose="020B0604020202020204" pitchFamily="34" charset="0"/>
+              <a:buNone/>
+              <a:defRPr kumimoji="1" sz="1600" kern="1200">
+                <a:solidFill>
+                  <a:schemeClr val="tx1"/>
+                </a:solidFill>
+                <a:latin typeface="+mn-lt"/>
+                <a:ea typeface="+mn-ea"/>
+                <a:cs typeface="+mn-cs"/>
+              </a:defRPr>
+            </a:lvl4pPr>
+            <a:lvl5pPr marL="1828800" indent="0" algn="ctr" defTabSz="914400" rtl="0" eaLnBrk="1" latinLnBrk="0" hangingPunct="1">
+              <a:lnSpc>
+                <a:spcPct val="90000"/>
+              </a:lnSpc>
+              <a:spcBef>
+                <a:spcPts val="500"/>
+              </a:spcBef>
+              <a:buFont typeface="Arial" panose="020B0604020202020204" pitchFamily="34" charset="0"/>
+              <a:buNone/>
+              <a:defRPr kumimoji="1" sz="1600" kern="1200">
+                <a:solidFill>
+                  <a:schemeClr val="tx1"/>
+                </a:solidFill>
+                <a:latin typeface="+mn-lt"/>
+                <a:ea typeface="+mn-ea"/>
+                <a:cs typeface="+mn-cs"/>
+              </a:defRPr>
+            </a:lvl5pPr>
+            <a:lvl6pPr marL="2286000" indent="0" algn="ctr" defTabSz="914400" rtl="0" eaLnBrk="1" latinLnBrk="0" hangingPunct="1">
+              <a:lnSpc>
+                <a:spcPct val="90000"/>
+              </a:lnSpc>
+              <a:spcBef>
+                <a:spcPts val="500"/>
+              </a:spcBef>
+              <a:buFont typeface="Arial" panose="020B0604020202020204" pitchFamily="34" charset="0"/>
+              <a:buNone/>
+              <a:defRPr kumimoji="1" sz="1600" kern="1200">
+                <a:solidFill>
+                  <a:schemeClr val="tx1"/>
+                </a:solidFill>
+                <a:latin typeface="+mn-lt"/>
+                <a:ea typeface="+mn-ea"/>
+                <a:cs typeface="+mn-cs"/>
+              </a:defRPr>
+            </a:lvl6pPr>
+            <a:lvl7pPr marL="2743200" indent="0" algn="ctr" defTabSz="914400" rtl="0" eaLnBrk="1" latinLnBrk="0" hangingPunct="1">
+              <a:lnSpc>
+                <a:spcPct val="90000"/>
+              </a:lnSpc>
+              <a:spcBef>
+                <a:spcPts val="500"/>
+              </a:spcBef>
+              <a:buFont typeface="Arial" panose="020B0604020202020204" pitchFamily="34" charset="0"/>
+              <a:buNone/>
+              <a:defRPr kumimoji="1" sz="1600" kern="1200">
+                <a:solidFill>
+                  <a:schemeClr val="tx1"/>
+                </a:solidFill>
+                <a:latin typeface="+mn-lt"/>
+                <a:ea typeface="+mn-ea"/>
+                <a:cs typeface="+mn-cs"/>
+              </a:defRPr>
+            </a:lvl7pPr>
+            <a:lvl8pPr marL="3200400" indent="0" algn="ctr" defTabSz="914400" rtl="0" eaLnBrk="1" latinLnBrk="0" hangingPunct="1">
+              <a:lnSpc>
+                <a:spcPct val="90000"/>
+              </a:lnSpc>
+              <a:spcBef>
+                <a:spcPts val="500"/>
+              </a:spcBef>
+              <a:buFont typeface="Arial" panose="020B0604020202020204" pitchFamily="34" charset="0"/>
+              <a:buNone/>
+              <a:defRPr kumimoji="1" sz="1600" kern="1200">
+                <a:solidFill>
+                  <a:schemeClr val="tx1"/>
+                </a:solidFill>
+                <a:latin typeface="+mn-lt"/>
+                <a:ea typeface="+mn-ea"/>
+                <a:cs typeface="+mn-cs"/>
+              </a:defRPr>
+            </a:lvl8pPr>
+            <a:lvl9pPr marL="3657600" indent="0" algn="ctr" defTabSz="914400" rtl="0" eaLnBrk="1" latinLnBrk="0" hangingPunct="1">
+              <a:lnSpc>
+                <a:spcPct val="90000"/>
+              </a:lnSpc>
+              <a:spcBef>
+                <a:spcPts val="500"/>
+              </a:spcBef>
+              <a:buFont typeface="Arial" panose="020B0604020202020204" pitchFamily="34" charset="0"/>
+              <a:buNone/>
+              <a:defRPr kumimoji="1" sz="1600" kern="1200">
+                <a:solidFill>
+                  <a:schemeClr val="tx1"/>
+                </a:solidFill>
+                <a:latin typeface="+mn-lt"/>
+                <a:ea typeface="+mn-ea"/>
+                <a:cs typeface="+mn-cs"/>
+              </a:defRPr>
+            </a:lvl9pPr>
+          </a:lstStyle>
+          <a:p>
+            <a:pPr algn="l"/>
+            <a:r>
+              <a:rPr lang="en-US" altLang="ja-JP" sz="1400">
+                <a:latin typeface="HGS明朝E" panose="02020900000000000000" pitchFamily="18" charset="-128"/>
+                <a:ea typeface="HGS明朝E" panose="02020900000000000000" pitchFamily="18" charset="-128"/>
+              </a:rPr>
+              <a:t>Chapter 3 : </a:t>
+            </a:r>
+            <a:r>
+              <a:rPr lang="ja-JP" altLang="en-US" sz="1400">
+                <a:latin typeface="HGS明朝E" panose="02020900000000000000" pitchFamily="18" charset="-128"/>
+                <a:ea typeface="HGS明朝E" panose="02020900000000000000" pitchFamily="18" charset="-128"/>
+              </a:rPr>
+              <a:t>画面設計</a:t>
+            </a:r>
+            <a:endParaRPr lang="ja-JP" altLang="en-US" sz="1400" dirty="0">
+              <a:latin typeface="HGS明朝E" panose="02020900000000000000" pitchFamily="18" charset="-128"/>
+              <a:ea typeface="HGS明朝E" panose="02020900000000000000" pitchFamily="18" charset="-128"/>
+            </a:endParaRPr>
+          </a:p>
+        </p:txBody>
+      </p:sp>
+    </p:spTree>
+    <p:extLst>
+      <p:ext uri="{BB962C8B-B14F-4D97-AF65-F5344CB8AC3E}">
+        <p14:creationId xmlns:p14="http://schemas.microsoft.com/office/powerpoint/2010/main" val="2861929209"/>
+      </p:ext>
+    </p:extLst>
+  </p:cSld>
+  <p:clrMapOvr>
+    <a:masterClrMapping/>
+  </p:clrMapOvr>
+</p:sld>
+</file>
+
 <file path=ppt/slides/slide2.xml><?xml version="1.0" encoding="utf-8"?>
 <p:sld xmlns:a="http://schemas.openxmlformats.org/drawingml/2006/main" xmlns:r="http://schemas.openxmlformats.org/officeDocument/2006/relationships" xmlns:p="http://schemas.openxmlformats.org/presentationml/2006/main">
   <p:cSld>
@@ -4883,18 +6040,20 @@
           </a:bodyPr>
           <a:lstStyle/>
           <a:p>
-            <a:pPr algn="l"/>
-            <a:r>
-              <a:rPr lang="ja-JP" altLang="en-US" sz="1400" dirty="0">
+            <a:r>
+              <a:rPr kumimoji="1" lang="en-US" altLang="ja-JP" sz="1400" dirty="0">
                 <a:latin typeface="HGS明朝E" panose="02020900000000000000" pitchFamily="18" charset="-128"/>
                 <a:ea typeface="HGS明朝E" panose="02020900000000000000" pitchFamily="18" charset="-128"/>
               </a:rPr>
-              <a:t>チケット予約システム</a:t>
-            </a:r>
-            <a:endParaRPr kumimoji="1" lang="ja-JP" altLang="en-US" sz="1400" dirty="0">
-              <a:latin typeface="HGS明朝E" panose="02020900000000000000" pitchFamily="18" charset="-128"/>
-              <a:ea typeface="HGS明朝E" panose="02020900000000000000" pitchFamily="18" charset="-128"/>
-            </a:endParaRPr>
+              <a:t>Chapter 1 : </a:t>
+            </a:r>
+            <a:r>
+              <a:rPr kumimoji="1" lang="ja-JP" altLang="en-US" sz="1400" dirty="0">
+                <a:latin typeface="HGS明朝E" panose="02020900000000000000" pitchFamily="18" charset="-128"/>
+                <a:ea typeface="HGS明朝E" panose="02020900000000000000" pitchFamily="18" charset="-128"/>
+              </a:rPr>
+              <a:t>全体概要</a:t>
+            </a:r>
           </a:p>
         </p:txBody>
       </p:sp>
@@ -5012,7 +6171,7 @@
                 <a:latin typeface="HGS明朝E" panose="02020900000000000000" pitchFamily="18" charset="-128"/>
                 <a:ea typeface="HGS明朝E" panose="02020900000000000000" pitchFamily="18" charset="-128"/>
               </a:rPr>
-              <a:t>Chapter 1 : </a:t>
+              <a:t>Section 1 : </a:t>
             </a:r>
             <a:r>
               <a:rPr kumimoji="1" lang="ja-JP" altLang="en-US" sz="2800" dirty="0">
@@ -5296,49 +6455,6 @@
           <a:chExt cx="0" cy="0"/>
         </a:xfrm>
       </p:grpSpPr>
-      <p:sp>
-        <p:nvSpPr>
-          <p:cNvPr id="3" name="字幕 2">
-            <a:extLst>
-              <a:ext uri="{FF2B5EF4-FFF2-40B4-BE49-F238E27FC236}">
-                <a16:creationId xmlns:a16="http://schemas.microsoft.com/office/drawing/2014/main" id="{D74B806B-05C6-9C7C-AEEF-5A849F361325}"/>
-              </a:ext>
-            </a:extLst>
-          </p:cNvPr>
-          <p:cNvSpPr>
-            <a:spLocks noGrp="1"/>
-          </p:cNvSpPr>
-          <p:nvPr>
-            <p:ph type="subTitle" idx="1"/>
-          </p:nvPr>
-        </p:nvSpPr>
-        <p:spPr>
-          <a:xfrm>
-            <a:off x="0" y="0"/>
-            <a:ext cx="2001068" cy="318986"/>
-          </a:xfrm>
-        </p:spPr>
-        <p:txBody>
-          <a:bodyPr>
-            <a:normAutofit/>
-          </a:bodyPr>
-          <a:lstStyle/>
-          <a:p>
-            <a:pPr algn="l"/>
-            <a:r>
-              <a:rPr lang="ja-JP" altLang="en-US" sz="1400" dirty="0">
-                <a:latin typeface="HGS明朝E" panose="02020900000000000000" pitchFamily="18" charset="-128"/>
-                <a:ea typeface="HGS明朝E" panose="02020900000000000000" pitchFamily="18" charset="-128"/>
-              </a:rPr>
-              <a:t>チケット予約システム</a:t>
-            </a:r>
-            <a:endParaRPr kumimoji="1" lang="ja-JP" altLang="en-US" sz="1400" dirty="0">
-              <a:latin typeface="HGS明朝E" panose="02020900000000000000" pitchFamily="18" charset="-128"/>
-              <a:ea typeface="HGS明朝E" panose="02020900000000000000" pitchFamily="18" charset="-128"/>
-            </a:endParaRPr>
-          </a:p>
-        </p:txBody>
-      </p:sp>
       <p:pic>
         <p:nvPicPr>
           <p:cNvPr id="4" name="図 3" descr="黒い背景に白い文字がある&#10;&#10;低い精度で自動的に生成された説明">
@@ -5453,15 +6569,19 @@
                 <a:latin typeface="HGS明朝E" panose="02020900000000000000" pitchFamily="18" charset="-128"/>
                 <a:ea typeface="HGS明朝E" panose="02020900000000000000" pitchFamily="18" charset="-128"/>
               </a:rPr>
-              <a:t>Chapter 1 : </a:t>
-            </a:r>
-            <a:r>
-              <a:rPr kumimoji="1" lang="ja-JP" altLang="en-US" sz="2800" dirty="0">
+              <a:t>Section 2 : </a:t>
+            </a:r>
+            <a:r>
+              <a:rPr lang="ja-JP" altLang="en-US" sz="2800" dirty="0">
                 <a:latin typeface="HGS明朝E" panose="02020900000000000000" pitchFamily="18" charset="-128"/>
                 <a:ea typeface="HGS明朝E" panose="02020900000000000000" pitchFamily="18" charset="-128"/>
               </a:rPr>
-              <a:t>全体概要</a:t>
-            </a:r>
+              <a:t>システム利用者の位置づけ</a:t>
+            </a:r>
+            <a:endParaRPr kumimoji="1" lang="ja-JP" altLang="en-US" sz="2800" dirty="0">
+              <a:latin typeface="HGS明朝E" panose="02020900000000000000" pitchFamily="18" charset="-128"/>
+              <a:ea typeface="HGS明朝E" panose="02020900000000000000" pitchFamily="18" charset="-128"/>
+            </a:endParaRPr>
           </a:p>
         </p:txBody>
       </p:sp>
@@ -6663,6 +7783,219 @@
           </a:fontRef>
         </p:style>
       </p:cxnSp>
+      <p:sp>
+        <p:nvSpPr>
+          <p:cNvPr id="27" name="字幕 2">
+            <a:extLst>
+              <a:ext uri="{FF2B5EF4-FFF2-40B4-BE49-F238E27FC236}">
+                <a16:creationId xmlns:a16="http://schemas.microsoft.com/office/drawing/2014/main" id="{563DFD4C-0672-E1AE-B55A-DCE402A93B9E}"/>
+              </a:ext>
+            </a:extLst>
+          </p:cNvPr>
+          <p:cNvSpPr txBox="1">
+            <a:spLocks/>
+          </p:cNvSpPr>
+          <p:nvPr/>
+        </p:nvSpPr>
+        <p:spPr>
+          <a:xfrm>
+            <a:off x="0" y="0"/>
+            <a:ext cx="2001068" cy="318986"/>
+          </a:xfrm>
+          <a:prstGeom prst="rect">
+            <a:avLst/>
+          </a:prstGeom>
+        </p:spPr>
+        <p:txBody>
+          <a:bodyPr vert="horz" lIns="91440" tIns="45720" rIns="91440" bIns="45720" rtlCol="0">
+            <a:normAutofit/>
+          </a:bodyPr>
+          <a:lstStyle>
+            <a:lvl1pPr marL="0" indent="0" algn="ctr" defTabSz="914400" rtl="0" eaLnBrk="1" latinLnBrk="0" hangingPunct="1">
+              <a:lnSpc>
+                <a:spcPct val="90000"/>
+              </a:lnSpc>
+              <a:spcBef>
+                <a:spcPts val="1000"/>
+              </a:spcBef>
+              <a:buFont typeface="Arial" panose="020B0604020202020204" pitchFamily="34" charset="0"/>
+              <a:buNone/>
+              <a:defRPr kumimoji="1" sz="2400" kern="1200">
+                <a:solidFill>
+                  <a:schemeClr val="tx1"/>
+                </a:solidFill>
+                <a:latin typeface="+mn-lt"/>
+                <a:ea typeface="+mn-ea"/>
+                <a:cs typeface="+mn-cs"/>
+              </a:defRPr>
+            </a:lvl1pPr>
+            <a:lvl2pPr marL="457200" indent="0" algn="ctr" defTabSz="914400" rtl="0" eaLnBrk="1" latinLnBrk="0" hangingPunct="1">
+              <a:lnSpc>
+                <a:spcPct val="90000"/>
+              </a:lnSpc>
+              <a:spcBef>
+                <a:spcPts val="500"/>
+              </a:spcBef>
+              <a:buFont typeface="Arial" panose="020B0604020202020204" pitchFamily="34" charset="0"/>
+              <a:buNone/>
+              <a:defRPr kumimoji="1" sz="2000" kern="1200">
+                <a:solidFill>
+                  <a:schemeClr val="tx1"/>
+                </a:solidFill>
+                <a:latin typeface="+mn-lt"/>
+                <a:ea typeface="+mn-ea"/>
+                <a:cs typeface="+mn-cs"/>
+              </a:defRPr>
+            </a:lvl2pPr>
+            <a:lvl3pPr marL="914400" indent="0" algn="ctr" defTabSz="914400" rtl="0" eaLnBrk="1" latinLnBrk="0" hangingPunct="1">
+              <a:lnSpc>
+                <a:spcPct val="90000"/>
+              </a:lnSpc>
+              <a:spcBef>
+                <a:spcPts val="500"/>
+              </a:spcBef>
+              <a:buFont typeface="Arial" panose="020B0604020202020204" pitchFamily="34" charset="0"/>
+              <a:buNone/>
+              <a:defRPr kumimoji="1" sz="1800" kern="1200">
+                <a:solidFill>
+                  <a:schemeClr val="tx1"/>
+                </a:solidFill>
+                <a:latin typeface="+mn-lt"/>
+                <a:ea typeface="+mn-ea"/>
+                <a:cs typeface="+mn-cs"/>
+              </a:defRPr>
+            </a:lvl3pPr>
+            <a:lvl4pPr marL="1371600" indent="0" algn="ctr" defTabSz="914400" rtl="0" eaLnBrk="1" latinLnBrk="0" hangingPunct="1">
+              <a:lnSpc>
+                <a:spcPct val="90000"/>
+              </a:lnSpc>
+              <a:spcBef>
+                <a:spcPts val="500"/>
+              </a:spcBef>
+              <a:buFont typeface="Arial" panose="020B0604020202020204" pitchFamily="34" charset="0"/>
+              <a:buNone/>
+              <a:defRPr kumimoji="1" sz="1600" kern="1200">
+                <a:solidFill>
+                  <a:schemeClr val="tx1"/>
+                </a:solidFill>
+                <a:latin typeface="+mn-lt"/>
+                <a:ea typeface="+mn-ea"/>
+                <a:cs typeface="+mn-cs"/>
+              </a:defRPr>
+            </a:lvl4pPr>
+            <a:lvl5pPr marL="1828800" indent="0" algn="ctr" defTabSz="914400" rtl="0" eaLnBrk="1" latinLnBrk="0" hangingPunct="1">
+              <a:lnSpc>
+                <a:spcPct val="90000"/>
+              </a:lnSpc>
+              <a:spcBef>
+                <a:spcPts val="500"/>
+              </a:spcBef>
+              <a:buFont typeface="Arial" panose="020B0604020202020204" pitchFamily="34" charset="0"/>
+              <a:buNone/>
+              <a:defRPr kumimoji="1" sz="1600" kern="1200">
+                <a:solidFill>
+                  <a:schemeClr val="tx1"/>
+                </a:solidFill>
+                <a:latin typeface="+mn-lt"/>
+                <a:ea typeface="+mn-ea"/>
+                <a:cs typeface="+mn-cs"/>
+              </a:defRPr>
+            </a:lvl5pPr>
+            <a:lvl6pPr marL="2286000" indent="0" algn="ctr" defTabSz="914400" rtl="0" eaLnBrk="1" latinLnBrk="0" hangingPunct="1">
+              <a:lnSpc>
+                <a:spcPct val="90000"/>
+              </a:lnSpc>
+              <a:spcBef>
+                <a:spcPts val="500"/>
+              </a:spcBef>
+              <a:buFont typeface="Arial" panose="020B0604020202020204" pitchFamily="34" charset="0"/>
+              <a:buNone/>
+              <a:defRPr kumimoji="1" sz="1600" kern="1200">
+                <a:solidFill>
+                  <a:schemeClr val="tx1"/>
+                </a:solidFill>
+                <a:latin typeface="+mn-lt"/>
+                <a:ea typeface="+mn-ea"/>
+                <a:cs typeface="+mn-cs"/>
+              </a:defRPr>
+            </a:lvl6pPr>
+            <a:lvl7pPr marL="2743200" indent="0" algn="ctr" defTabSz="914400" rtl="0" eaLnBrk="1" latinLnBrk="0" hangingPunct="1">
+              <a:lnSpc>
+                <a:spcPct val="90000"/>
+              </a:lnSpc>
+              <a:spcBef>
+                <a:spcPts val="500"/>
+              </a:spcBef>
+              <a:buFont typeface="Arial" panose="020B0604020202020204" pitchFamily="34" charset="0"/>
+              <a:buNone/>
+              <a:defRPr kumimoji="1" sz="1600" kern="1200">
+                <a:solidFill>
+                  <a:schemeClr val="tx1"/>
+                </a:solidFill>
+                <a:latin typeface="+mn-lt"/>
+                <a:ea typeface="+mn-ea"/>
+                <a:cs typeface="+mn-cs"/>
+              </a:defRPr>
+            </a:lvl7pPr>
+            <a:lvl8pPr marL="3200400" indent="0" algn="ctr" defTabSz="914400" rtl="0" eaLnBrk="1" latinLnBrk="0" hangingPunct="1">
+              <a:lnSpc>
+                <a:spcPct val="90000"/>
+              </a:lnSpc>
+              <a:spcBef>
+                <a:spcPts val="500"/>
+              </a:spcBef>
+              <a:buFont typeface="Arial" panose="020B0604020202020204" pitchFamily="34" charset="0"/>
+              <a:buNone/>
+              <a:defRPr kumimoji="1" sz="1600" kern="1200">
+                <a:solidFill>
+                  <a:schemeClr val="tx1"/>
+                </a:solidFill>
+                <a:latin typeface="+mn-lt"/>
+                <a:ea typeface="+mn-ea"/>
+                <a:cs typeface="+mn-cs"/>
+              </a:defRPr>
+            </a:lvl8pPr>
+            <a:lvl9pPr marL="3657600" indent="0" algn="ctr" defTabSz="914400" rtl="0" eaLnBrk="1" latinLnBrk="0" hangingPunct="1">
+              <a:lnSpc>
+                <a:spcPct val="90000"/>
+              </a:lnSpc>
+              <a:spcBef>
+                <a:spcPts val="500"/>
+              </a:spcBef>
+              <a:buFont typeface="Arial" panose="020B0604020202020204" pitchFamily="34" charset="0"/>
+              <a:buNone/>
+              <a:defRPr kumimoji="1" sz="1600" kern="1200">
+                <a:solidFill>
+                  <a:schemeClr val="tx1"/>
+                </a:solidFill>
+                <a:latin typeface="+mn-lt"/>
+                <a:ea typeface="+mn-ea"/>
+                <a:cs typeface="+mn-cs"/>
+              </a:defRPr>
+            </a:lvl9pPr>
+          </a:lstStyle>
+          <a:p>
+            <a:r>
+              <a:rPr lang="en-US" altLang="ja-JP" sz="1400">
+                <a:latin typeface="HGS明朝E" panose="02020900000000000000" pitchFamily="18" charset="-128"/>
+                <a:ea typeface="HGS明朝E" panose="02020900000000000000" pitchFamily="18" charset="-128"/>
+              </a:rPr>
+              <a:t>Chapter 1 : </a:t>
+            </a:r>
+            <a:r>
+              <a:rPr lang="ja-JP" altLang="en-US" sz="1400">
+                <a:latin typeface="HGS明朝E" panose="02020900000000000000" pitchFamily="18" charset="-128"/>
+                <a:ea typeface="HGS明朝E" panose="02020900000000000000" pitchFamily="18" charset="-128"/>
+              </a:rPr>
+              <a:t>全体概要</a:t>
+            </a:r>
+            <a:endParaRPr lang="ja-JP" altLang="en-US" sz="1400" dirty="0">
+              <a:latin typeface="HGS明朝E" panose="02020900000000000000" pitchFamily="18" charset="-128"/>
+              <a:ea typeface="HGS明朝E" panose="02020900000000000000" pitchFamily="18" charset="-128"/>
+            </a:endParaRPr>
+          </a:p>
+        </p:txBody>
+      </p:sp>
     </p:spTree>
     <p:extLst>
       <p:ext uri="{BB962C8B-B14F-4D97-AF65-F5344CB8AC3E}">
@@ -6816,49 +8149,6 @@
           </a:p>
         </p:txBody>
       </p:sp>
-      <p:sp>
-        <p:nvSpPr>
-          <p:cNvPr id="3" name="字幕 2">
-            <a:extLst>
-              <a:ext uri="{FF2B5EF4-FFF2-40B4-BE49-F238E27FC236}">
-                <a16:creationId xmlns:a16="http://schemas.microsoft.com/office/drawing/2014/main" id="{BC841A83-753F-795A-B583-657607D44D25}"/>
-              </a:ext>
-            </a:extLst>
-          </p:cNvPr>
-          <p:cNvSpPr>
-            <a:spLocks noGrp="1"/>
-          </p:cNvSpPr>
-          <p:nvPr>
-            <p:ph type="subTitle" idx="1"/>
-          </p:nvPr>
-        </p:nvSpPr>
-        <p:spPr>
-          <a:xfrm>
-            <a:off x="0" y="0"/>
-            <a:ext cx="2001068" cy="318986"/>
-          </a:xfrm>
-        </p:spPr>
-        <p:txBody>
-          <a:bodyPr>
-            <a:normAutofit/>
-          </a:bodyPr>
-          <a:lstStyle/>
-          <a:p>
-            <a:pPr algn="l"/>
-            <a:r>
-              <a:rPr lang="ja-JP" altLang="en-US" sz="1400" dirty="0">
-                <a:latin typeface="HGS明朝E" panose="02020900000000000000" pitchFamily="18" charset="-128"/>
-                <a:ea typeface="HGS明朝E" panose="02020900000000000000" pitchFamily="18" charset="-128"/>
-              </a:rPr>
-              <a:t>チケット予約システム</a:t>
-            </a:r>
-            <a:endParaRPr kumimoji="1" lang="ja-JP" altLang="en-US" sz="1400" dirty="0">
-              <a:latin typeface="HGS明朝E" panose="02020900000000000000" pitchFamily="18" charset="-128"/>
-              <a:ea typeface="HGS明朝E" panose="02020900000000000000" pitchFamily="18" charset="-128"/>
-            </a:endParaRPr>
-          </a:p>
-        </p:txBody>
-      </p:sp>
       <p:pic>
         <p:nvPicPr>
           <p:cNvPr id="4" name="図 3" descr="黒い背景に白い文字がある&#10;&#10;低い精度で自動的に生成された説明">
@@ -6969,18 +8259,25 @@
           <a:lstStyle/>
           <a:p>
             <a:r>
+              <a:rPr lang="en-US" altLang="ja-JP" sz="2800" dirty="0">
+                <a:latin typeface="HGS明朝E" panose="02020900000000000000" pitchFamily="18" charset="-128"/>
+                <a:ea typeface="HGS明朝E" panose="02020900000000000000" pitchFamily="18" charset="-128"/>
+              </a:rPr>
+              <a:t>Section 3</a:t>
+            </a:r>
+            <a:r>
               <a:rPr kumimoji="1" lang="en-US" altLang="ja-JP" sz="2800" dirty="0">
                 <a:latin typeface="HGS明朝E" panose="02020900000000000000" pitchFamily="18" charset="-128"/>
                 <a:ea typeface="HGS明朝E" panose="02020900000000000000" pitchFamily="18" charset="-128"/>
               </a:rPr>
-              <a:t>Chapter 1 : </a:t>
+              <a:t> : </a:t>
             </a:r>
             <a:r>
               <a:rPr kumimoji="1" lang="ja-JP" altLang="en-US" sz="2800" dirty="0">
                 <a:latin typeface="HGS明朝E" panose="02020900000000000000" pitchFamily="18" charset="-128"/>
                 <a:ea typeface="HGS明朝E" panose="02020900000000000000" pitchFamily="18" charset="-128"/>
               </a:rPr>
-              <a:t>全体概要</a:t>
+              <a:t>管理者</a:t>
             </a:r>
           </a:p>
         </p:txBody>
@@ -7698,6 +8995,219 @@
               <a:rPr kumimoji="1" lang="ja-JP" altLang="en-US" sz="1400" dirty="0"/>
               <a:t>公演作成</a:t>
             </a:r>
+          </a:p>
+        </p:txBody>
+      </p:sp>
+      <p:sp>
+        <p:nvSpPr>
+          <p:cNvPr id="7" name="字幕 2">
+            <a:extLst>
+              <a:ext uri="{FF2B5EF4-FFF2-40B4-BE49-F238E27FC236}">
+                <a16:creationId xmlns:a16="http://schemas.microsoft.com/office/drawing/2014/main" id="{FA888007-8DD4-D0DC-D39D-B49564D8D825}"/>
+              </a:ext>
+            </a:extLst>
+          </p:cNvPr>
+          <p:cNvSpPr txBox="1">
+            <a:spLocks/>
+          </p:cNvSpPr>
+          <p:nvPr/>
+        </p:nvSpPr>
+        <p:spPr>
+          <a:xfrm>
+            <a:off x="0" y="0"/>
+            <a:ext cx="2001068" cy="318986"/>
+          </a:xfrm>
+          <a:prstGeom prst="rect">
+            <a:avLst/>
+          </a:prstGeom>
+        </p:spPr>
+        <p:txBody>
+          <a:bodyPr vert="horz" lIns="91440" tIns="45720" rIns="91440" bIns="45720" rtlCol="0">
+            <a:normAutofit/>
+          </a:bodyPr>
+          <a:lstStyle>
+            <a:lvl1pPr marL="0" indent="0" algn="ctr" defTabSz="914400" rtl="0" eaLnBrk="1" latinLnBrk="0" hangingPunct="1">
+              <a:lnSpc>
+                <a:spcPct val="90000"/>
+              </a:lnSpc>
+              <a:spcBef>
+                <a:spcPts val="1000"/>
+              </a:spcBef>
+              <a:buFont typeface="Arial" panose="020B0604020202020204" pitchFamily="34" charset="0"/>
+              <a:buNone/>
+              <a:defRPr kumimoji="1" sz="2400" kern="1200">
+                <a:solidFill>
+                  <a:schemeClr val="tx1"/>
+                </a:solidFill>
+                <a:latin typeface="+mn-lt"/>
+                <a:ea typeface="+mn-ea"/>
+                <a:cs typeface="+mn-cs"/>
+              </a:defRPr>
+            </a:lvl1pPr>
+            <a:lvl2pPr marL="457200" indent="0" algn="ctr" defTabSz="914400" rtl="0" eaLnBrk="1" latinLnBrk="0" hangingPunct="1">
+              <a:lnSpc>
+                <a:spcPct val="90000"/>
+              </a:lnSpc>
+              <a:spcBef>
+                <a:spcPts val="500"/>
+              </a:spcBef>
+              <a:buFont typeface="Arial" panose="020B0604020202020204" pitchFamily="34" charset="0"/>
+              <a:buNone/>
+              <a:defRPr kumimoji="1" sz="2000" kern="1200">
+                <a:solidFill>
+                  <a:schemeClr val="tx1"/>
+                </a:solidFill>
+                <a:latin typeface="+mn-lt"/>
+                <a:ea typeface="+mn-ea"/>
+                <a:cs typeface="+mn-cs"/>
+              </a:defRPr>
+            </a:lvl2pPr>
+            <a:lvl3pPr marL="914400" indent="0" algn="ctr" defTabSz="914400" rtl="0" eaLnBrk="1" latinLnBrk="0" hangingPunct="1">
+              <a:lnSpc>
+                <a:spcPct val="90000"/>
+              </a:lnSpc>
+              <a:spcBef>
+                <a:spcPts val="500"/>
+              </a:spcBef>
+              <a:buFont typeface="Arial" panose="020B0604020202020204" pitchFamily="34" charset="0"/>
+              <a:buNone/>
+              <a:defRPr kumimoji="1" sz="1800" kern="1200">
+                <a:solidFill>
+                  <a:schemeClr val="tx1"/>
+                </a:solidFill>
+                <a:latin typeface="+mn-lt"/>
+                <a:ea typeface="+mn-ea"/>
+                <a:cs typeface="+mn-cs"/>
+              </a:defRPr>
+            </a:lvl3pPr>
+            <a:lvl4pPr marL="1371600" indent="0" algn="ctr" defTabSz="914400" rtl="0" eaLnBrk="1" latinLnBrk="0" hangingPunct="1">
+              <a:lnSpc>
+                <a:spcPct val="90000"/>
+              </a:lnSpc>
+              <a:spcBef>
+                <a:spcPts val="500"/>
+              </a:spcBef>
+              <a:buFont typeface="Arial" panose="020B0604020202020204" pitchFamily="34" charset="0"/>
+              <a:buNone/>
+              <a:defRPr kumimoji="1" sz="1600" kern="1200">
+                <a:solidFill>
+                  <a:schemeClr val="tx1"/>
+                </a:solidFill>
+                <a:latin typeface="+mn-lt"/>
+                <a:ea typeface="+mn-ea"/>
+                <a:cs typeface="+mn-cs"/>
+              </a:defRPr>
+            </a:lvl4pPr>
+            <a:lvl5pPr marL="1828800" indent="0" algn="ctr" defTabSz="914400" rtl="0" eaLnBrk="1" latinLnBrk="0" hangingPunct="1">
+              <a:lnSpc>
+                <a:spcPct val="90000"/>
+              </a:lnSpc>
+              <a:spcBef>
+                <a:spcPts val="500"/>
+              </a:spcBef>
+              <a:buFont typeface="Arial" panose="020B0604020202020204" pitchFamily="34" charset="0"/>
+              <a:buNone/>
+              <a:defRPr kumimoji="1" sz="1600" kern="1200">
+                <a:solidFill>
+                  <a:schemeClr val="tx1"/>
+                </a:solidFill>
+                <a:latin typeface="+mn-lt"/>
+                <a:ea typeface="+mn-ea"/>
+                <a:cs typeface="+mn-cs"/>
+              </a:defRPr>
+            </a:lvl5pPr>
+            <a:lvl6pPr marL="2286000" indent="0" algn="ctr" defTabSz="914400" rtl="0" eaLnBrk="1" latinLnBrk="0" hangingPunct="1">
+              <a:lnSpc>
+                <a:spcPct val="90000"/>
+              </a:lnSpc>
+              <a:spcBef>
+                <a:spcPts val="500"/>
+              </a:spcBef>
+              <a:buFont typeface="Arial" panose="020B0604020202020204" pitchFamily="34" charset="0"/>
+              <a:buNone/>
+              <a:defRPr kumimoji="1" sz="1600" kern="1200">
+                <a:solidFill>
+                  <a:schemeClr val="tx1"/>
+                </a:solidFill>
+                <a:latin typeface="+mn-lt"/>
+                <a:ea typeface="+mn-ea"/>
+                <a:cs typeface="+mn-cs"/>
+              </a:defRPr>
+            </a:lvl6pPr>
+            <a:lvl7pPr marL="2743200" indent="0" algn="ctr" defTabSz="914400" rtl="0" eaLnBrk="1" latinLnBrk="0" hangingPunct="1">
+              <a:lnSpc>
+                <a:spcPct val="90000"/>
+              </a:lnSpc>
+              <a:spcBef>
+                <a:spcPts val="500"/>
+              </a:spcBef>
+              <a:buFont typeface="Arial" panose="020B0604020202020204" pitchFamily="34" charset="0"/>
+              <a:buNone/>
+              <a:defRPr kumimoji="1" sz="1600" kern="1200">
+                <a:solidFill>
+                  <a:schemeClr val="tx1"/>
+                </a:solidFill>
+                <a:latin typeface="+mn-lt"/>
+                <a:ea typeface="+mn-ea"/>
+                <a:cs typeface="+mn-cs"/>
+              </a:defRPr>
+            </a:lvl7pPr>
+            <a:lvl8pPr marL="3200400" indent="0" algn="ctr" defTabSz="914400" rtl="0" eaLnBrk="1" latinLnBrk="0" hangingPunct="1">
+              <a:lnSpc>
+                <a:spcPct val="90000"/>
+              </a:lnSpc>
+              <a:spcBef>
+                <a:spcPts val="500"/>
+              </a:spcBef>
+              <a:buFont typeface="Arial" panose="020B0604020202020204" pitchFamily="34" charset="0"/>
+              <a:buNone/>
+              <a:defRPr kumimoji="1" sz="1600" kern="1200">
+                <a:solidFill>
+                  <a:schemeClr val="tx1"/>
+                </a:solidFill>
+                <a:latin typeface="+mn-lt"/>
+                <a:ea typeface="+mn-ea"/>
+                <a:cs typeface="+mn-cs"/>
+              </a:defRPr>
+            </a:lvl8pPr>
+            <a:lvl9pPr marL="3657600" indent="0" algn="ctr" defTabSz="914400" rtl="0" eaLnBrk="1" latinLnBrk="0" hangingPunct="1">
+              <a:lnSpc>
+                <a:spcPct val="90000"/>
+              </a:lnSpc>
+              <a:spcBef>
+                <a:spcPts val="500"/>
+              </a:spcBef>
+              <a:buFont typeface="Arial" panose="020B0604020202020204" pitchFamily="34" charset="0"/>
+              <a:buNone/>
+              <a:defRPr kumimoji="1" sz="1600" kern="1200">
+                <a:solidFill>
+                  <a:schemeClr val="tx1"/>
+                </a:solidFill>
+                <a:latin typeface="+mn-lt"/>
+                <a:ea typeface="+mn-ea"/>
+                <a:cs typeface="+mn-cs"/>
+              </a:defRPr>
+            </a:lvl9pPr>
+          </a:lstStyle>
+          <a:p>
+            <a:r>
+              <a:rPr lang="en-US" altLang="ja-JP" sz="1400">
+                <a:latin typeface="HGS明朝E" panose="02020900000000000000" pitchFamily="18" charset="-128"/>
+                <a:ea typeface="HGS明朝E" panose="02020900000000000000" pitchFamily="18" charset="-128"/>
+              </a:rPr>
+              <a:t>Chapter 1 : </a:t>
+            </a:r>
+            <a:r>
+              <a:rPr lang="ja-JP" altLang="en-US" sz="1400">
+                <a:latin typeface="HGS明朝E" panose="02020900000000000000" pitchFamily="18" charset="-128"/>
+                <a:ea typeface="HGS明朝E" panose="02020900000000000000" pitchFamily="18" charset="-128"/>
+              </a:rPr>
+              <a:t>全体概要</a:t>
+            </a:r>
+            <a:endParaRPr lang="ja-JP" altLang="en-US" sz="1400" dirty="0">
+              <a:latin typeface="HGS明朝E" panose="02020900000000000000" pitchFamily="18" charset="-128"/>
+              <a:ea typeface="HGS明朝E" panose="02020900000000000000" pitchFamily="18" charset="-128"/>
+            </a:endParaRPr>
           </a:p>
         </p:txBody>
       </p:sp>
@@ -7854,49 +9364,6 @@
           </a:p>
         </p:txBody>
       </p:sp>
-      <p:sp>
-        <p:nvSpPr>
-          <p:cNvPr id="3" name="字幕 2">
-            <a:extLst>
-              <a:ext uri="{FF2B5EF4-FFF2-40B4-BE49-F238E27FC236}">
-                <a16:creationId xmlns:a16="http://schemas.microsoft.com/office/drawing/2014/main" id="{7255DD67-DBA5-59C2-0732-389E70F42A9F}"/>
-              </a:ext>
-            </a:extLst>
-          </p:cNvPr>
-          <p:cNvSpPr>
-            <a:spLocks noGrp="1"/>
-          </p:cNvSpPr>
-          <p:nvPr>
-            <p:ph type="subTitle" idx="1"/>
-          </p:nvPr>
-        </p:nvSpPr>
-        <p:spPr>
-          <a:xfrm>
-            <a:off x="0" y="0"/>
-            <a:ext cx="2001068" cy="318986"/>
-          </a:xfrm>
-        </p:spPr>
-        <p:txBody>
-          <a:bodyPr>
-            <a:normAutofit/>
-          </a:bodyPr>
-          <a:lstStyle/>
-          <a:p>
-            <a:pPr algn="l"/>
-            <a:r>
-              <a:rPr lang="ja-JP" altLang="en-US" sz="1400" dirty="0">
-                <a:latin typeface="HGS明朝E" panose="02020900000000000000" pitchFamily="18" charset="-128"/>
-                <a:ea typeface="HGS明朝E" panose="02020900000000000000" pitchFamily="18" charset="-128"/>
-              </a:rPr>
-              <a:t>チケット予約システム</a:t>
-            </a:r>
-            <a:endParaRPr kumimoji="1" lang="ja-JP" altLang="en-US" sz="1400" dirty="0">
-              <a:latin typeface="HGS明朝E" panose="02020900000000000000" pitchFamily="18" charset="-128"/>
-              <a:ea typeface="HGS明朝E" panose="02020900000000000000" pitchFamily="18" charset="-128"/>
-            </a:endParaRPr>
-          </a:p>
-        </p:txBody>
-      </p:sp>
       <p:pic>
         <p:nvPicPr>
           <p:cNvPr id="4" name="図 3" descr="黒い背景に白い文字がある&#10;&#10;低い精度で自動的に生成された説明">
@@ -8007,18 +9474,25 @@
           <a:lstStyle/>
           <a:p>
             <a:r>
+              <a:rPr lang="en-US" altLang="ja-JP" sz="2800" dirty="0">
+                <a:latin typeface="HGS明朝E" panose="02020900000000000000" pitchFamily="18" charset="-128"/>
+                <a:ea typeface="HGS明朝E" panose="02020900000000000000" pitchFamily="18" charset="-128"/>
+              </a:rPr>
+              <a:t>Section</a:t>
+            </a:r>
+            <a:r>
               <a:rPr kumimoji="1" lang="en-US" altLang="ja-JP" sz="2800" dirty="0">
                 <a:latin typeface="HGS明朝E" panose="02020900000000000000" pitchFamily="18" charset="-128"/>
                 <a:ea typeface="HGS明朝E" panose="02020900000000000000" pitchFamily="18" charset="-128"/>
               </a:rPr>
-              <a:t>Chapter 1 : </a:t>
+              <a:t> 4 : </a:t>
             </a:r>
             <a:r>
               <a:rPr kumimoji="1" lang="ja-JP" altLang="en-US" sz="2800" dirty="0">
                 <a:latin typeface="HGS明朝E" panose="02020900000000000000" pitchFamily="18" charset="-128"/>
                 <a:ea typeface="HGS明朝E" panose="02020900000000000000" pitchFamily="18" charset="-128"/>
               </a:rPr>
-              <a:t>全体概要</a:t>
+              <a:t>予約者</a:t>
             </a:r>
           </a:p>
         </p:txBody>
@@ -8798,6 +10272,219 @@
               <a:rPr kumimoji="1" lang="ja-JP" altLang="en-US" sz="1400" dirty="0"/>
               <a:t>フォロー</a:t>
             </a:r>
+          </a:p>
+        </p:txBody>
+      </p:sp>
+      <p:sp>
+        <p:nvSpPr>
+          <p:cNvPr id="13" name="字幕 2">
+            <a:extLst>
+              <a:ext uri="{FF2B5EF4-FFF2-40B4-BE49-F238E27FC236}">
+                <a16:creationId xmlns:a16="http://schemas.microsoft.com/office/drawing/2014/main" id="{6267AF57-37A2-A240-5FC8-A1126BB7A52C}"/>
+              </a:ext>
+            </a:extLst>
+          </p:cNvPr>
+          <p:cNvSpPr txBox="1">
+            <a:spLocks/>
+          </p:cNvSpPr>
+          <p:nvPr/>
+        </p:nvSpPr>
+        <p:spPr>
+          <a:xfrm>
+            <a:off x="0" y="0"/>
+            <a:ext cx="2001068" cy="318986"/>
+          </a:xfrm>
+          <a:prstGeom prst="rect">
+            <a:avLst/>
+          </a:prstGeom>
+        </p:spPr>
+        <p:txBody>
+          <a:bodyPr vert="horz" lIns="91440" tIns="45720" rIns="91440" bIns="45720" rtlCol="0">
+            <a:normAutofit/>
+          </a:bodyPr>
+          <a:lstStyle>
+            <a:lvl1pPr marL="0" indent="0" algn="ctr" defTabSz="914400" rtl="0" eaLnBrk="1" latinLnBrk="0" hangingPunct="1">
+              <a:lnSpc>
+                <a:spcPct val="90000"/>
+              </a:lnSpc>
+              <a:spcBef>
+                <a:spcPts val="1000"/>
+              </a:spcBef>
+              <a:buFont typeface="Arial" panose="020B0604020202020204" pitchFamily="34" charset="0"/>
+              <a:buNone/>
+              <a:defRPr kumimoji="1" sz="2400" kern="1200">
+                <a:solidFill>
+                  <a:schemeClr val="tx1"/>
+                </a:solidFill>
+                <a:latin typeface="+mn-lt"/>
+                <a:ea typeface="+mn-ea"/>
+                <a:cs typeface="+mn-cs"/>
+              </a:defRPr>
+            </a:lvl1pPr>
+            <a:lvl2pPr marL="457200" indent="0" algn="ctr" defTabSz="914400" rtl="0" eaLnBrk="1" latinLnBrk="0" hangingPunct="1">
+              <a:lnSpc>
+                <a:spcPct val="90000"/>
+              </a:lnSpc>
+              <a:spcBef>
+                <a:spcPts val="500"/>
+              </a:spcBef>
+              <a:buFont typeface="Arial" panose="020B0604020202020204" pitchFamily="34" charset="0"/>
+              <a:buNone/>
+              <a:defRPr kumimoji="1" sz="2000" kern="1200">
+                <a:solidFill>
+                  <a:schemeClr val="tx1"/>
+                </a:solidFill>
+                <a:latin typeface="+mn-lt"/>
+                <a:ea typeface="+mn-ea"/>
+                <a:cs typeface="+mn-cs"/>
+              </a:defRPr>
+            </a:lvl2pPr>
+            <a:lvl3pPr marL="914400" indent="0" algn="ctr" defTabSz="914400" rtl="0" eaLnBrk="1" latinLnBrk="0" hangingPunct="1">
+              <a:lnSpc>
+                <a:spcPct val="90000"/>
+              </a:lnSpc>
+              <a:spcBef>
+                <a:spcPts val="500"/>
+              </a:spcBef>
+              <a:buFont typeface="Arial" panose="020B0604020202020204" pitchFamily="34" charset="0"/>
+              <a:buNone/>
+              <a:defRPr kumimoji="1" sz="1800" kern="1200">
+                <a:solidFill>
+                  <a:schemeClr val="tx1"/>
+                </a:solidFill>
+                <a:latin typeface="+mn-lt"/>
+                <a:ea typeface="+mn-ea"/>
+                <a:cs typeface="+mn-cs"/>
+              </a:defRPr>
+            </a:lvl3pPr>
+            <a:lvl4pPr marL="1371600" indent="0" algn="ctr" defTabSz="914400" rtl="0" eaLnBrk="1" latinLnBrk="0" hangingPunct="1">
+              <a:lnSpc>
+                <a:spcPct val="90000"/>
+              </a:lnSpc>
+              <a:spcBef>
+                <a:spcPts val="500"/>
+              </a:spcBef>
+              <a:buFont typeface="Arial" panose="020B0604020202020204" pitchFamily="34" charset="0"/>
+              <a:buNone/>
+              <a:defRPr kumimoji="1" sz="1600" kern="1200">
+                <a:solidFill>
+                  <a:schemeClr val="tx1"/>
+                </a:solidFill>
+                <a:latin typeface="+mn-lt"/>
+                <a:ea typeface="+mn-ea"/>
+                <a:cs typeface="+mn-cs"/>
+              </a:defRPr>
+            </a:lvl4pPr>
+            <a:lvl5pPr marL="1828800" indent="0" algn="ctr" defTabSz="914400" rtl="0" eaLnBrk="1" latinLnBrk="0" hangingPunct="1">
+              <a:lnSpc>
+                <a:spcPct val="90000"/>
+              </a:lnSpc>
+              <a:spcBef>
+                <a:spcPts val="500"/>
+              </a:spcBef>
+              <a:buFont typeface="Arial" panose="020B0604020202020204" pitchFamily="34" charset="0"/>
+              <a:buNone/>
+              <a:defRPr kumimoji="1" sz="1600" kern="1200">
+                <a:solidFill>
+                  <a:schemeClr val="tx1"/>
+                </a:solidFill>
+                <a:latin typeface="+mn-lt"/>
+                <a:ea typeface="+mn-ea"/>
+                <a:cs typeface="+mn-cs"/>
+              </a:defRPr>
+            </a:lvl5pPr>
+            <a:lvl6pPr marL="2286000" indent="0" algn="ctr" defTabSz="914400" rtl="0" eaLnBrk="1" latinLnBrk="0" hangingPunct="1">
+              <a:lnSpc>
+                <a:spcPct val="90000"/>
+              </a:lnSpc>
+              <a:spcBef>
+                <a:spcPts val="500"/>
+              </a:spcBef>
+              <a:buFont typeface="Arial" panose="020B0604020202020204" pitchFamily="34" charset="0"/>
+              <a:buNone/>
+              <a:defRPr kumimoji="1" sz="1600" kern="1200">
+                <a:solidFill>
+                  <a:schemeClr val="tx1"/>
+                </a:solidFill>
+                <a:latin typeface="+mn-lt"/>
+                <a:ea typeface="+mn-ea"/>
+                <a:cs typeface="+mn-cs"/>
+              </a:defRPr>
+            </a:lvl6pPr>
+            <a:lvl7pPr marL="2743200" indent="0" algn="ctr" defTabSz="914400" rtl="0" eaLnBrk="1" latinLnBrk="0" hangingPunct="1">
+              <a:lnSpc>
+                <a:spcPct val="90000"/>
+              </a:lnSpc>
+              <a:spcBef>
+                <a:spcPts val="500"/>
+              </a:spcBef>
+              <a:buFont typeface="Arial" panose="020B0604020202020204" pitchFamily="34" charset="0"/>
+              <a:buNone/>
+              <a:defRPr kumimoji="1" sz="1600" kern="1200">
+                <a:solidFill>
+                  <a:schemeClr val="tx1"/>
+                </a:solidFill>
+                <a:latin typeface="+mn-lt"/>
+                <a:ea typeface="+mn-ea"/>
+                <a:cs typeface="+mn-cs"/>
+              </a:defRPr>
+            </a:lvl7pPr>
+            <a:lvl8pPr marL="3200400" indent="0" algn="ctr" defTabSz="914400" rtl="0" eaLnBrk="1" latinLnBrk="0" hangingPunct="1">
+              <a:lnSpc>
+                <a:spcPct val="90000"/>
+              </a:lnSpc>
+              <a:spcBef>
+                <a:spcPts val="500"/>
+              </a:spcBef>
+              <a:buFont typeface="Arial" panose="020B0604020202020204" pitchFamily="34" charset="0"/>
+              <a:buNone/>
+              <a:defRPr kumimoji="1" sz="1600" kern="1200">
+                <a:solidFill>
+                  <a:schemeClr val="tx1"/>
+                </a:solidFill>
+                <a:latin typeface="+mn-lt"/>
+                <a:ea typeface="+mn-ea"/>
+                <a:cs typeface="+mn-cs"/>
+              </a:defRPr>
+            </a:lvl8pPr>
+            <a:lvl9pPr marL="3657600" indent="0" algn="ctr" defTabSz="914400" rtl="0" eaLnBrk="1" latinLnBrk="0" hangingPunct="1">
+              <a:lnSpc>
+                <a:spcPct val="90000"/>
+              </a:lnSpc>
+              <a:spcBef>
+                <a:spcPts val="500"/>
+              </a:spcBef>
+              <a:buFont typeface="Arial" panose="020B0604020202020204" pitchFamily="34" charset="0"/>
+              <a:buNone/>
+              <a:defRPr kumimoji="1" sz="1600" kern="1200">
+                <a:solidFill>
+                  <a:schemeClr val="tx1"/>
+                </a:solidFill>
+                <a:latin typeface="+mn-lt"/>
+                <a:ea typeface="+mn-ea"/>
+                <a:cs typeface="+mn-cs"/>
+              </a:defRPr>
+            </a:lvl9pPr>
+          </a:lstStyle>
+          <a:p>
+            <a:r>
+              <a:rPr lang="en-US" altLang="ja-JP" sz="1400">
+                <a:latin typeface="HGS明朝E" panose="02020900000000000000" pitchFamily="18" charset="-128"/>
+                <a:ea typeface="HGS明朝E" panose="02020900000000000000" pitchFamily="18" charset="-128"/>
+              </a:rPr>
+              <a:t>Chapter 1 : </a:t>
+            </a:r>
+            <a:r>
+              <a:rPr lang="ja-JP" altLang="en-US" sz="1400">
+                <a:latin typeface="HGS明朝E" panose="02020900000000000000" pitchFamily="18" charset="-128"/>
+                <a:ea typeface="HGS明朝E" panose="02020900000000000000" pitchFamily="18" charset="-128"/>
+              </a:rPr>
+              <a:t>全体概要</a:t>
+            </a:r>
+            <a:endParaRPr lang="ja-JP" altLang="en-US" sz="1400" dirty="0">
+              <a:latin typeface="HGS明朝E" panose="02020900000000000000" pitchFamily="18" charset="-128"/>
+              <a:ea typeface="HGS明朝E" panose="02020900000000000000" pitchFamily="18" charset="-128"/>
+            </a:endParaRPr>
           </a:p>
         </p:txBody>
       </p:sp>
@@ -9347,22 +11034,24 @@
         </p:spPr>
         <p:txBody>
           <a:bodyPr>
-            <a:normAutofit/>
+            <a:normAutofit fontScale="85000" lnSpcReduction="10000"/>
           </a:bodyPr>
           <a:lstStyle/>
           <a:p>
-            <a:pPr algn="l"/>
-            <a:r>
-              <a:rPr lang="ja-JP" altLang="en-US" sz="1400" dirty="0">
+            <a:r>
+              <a:rPr kumimoji="1" lang="en-US" altLang="ja-JP" sz="1400" dirty="0">
                 <a:latin typeface="HGS明朝E" panose="02020900000000000000" pitchFamily="18" charset="-128"/>
                 <a:ea typeface="HGS明朝E" panose="02020900000000000000" pitchFamily="18" charset="-128"/>
               </a:rPr>
-              <a:t>チケット予約システム</a:t>
-            </a:r>
-            <a:endParaRPr kumimoji="1" lang="ja-JP" altLang="en-US" sz="1400" dirty="0">
-              <a:latin typeface="HGS明朝E" panose="02020900000000000000" pitchFamily="18" charset="-128"/>
-              <a:ea typeface="HGS明朝E" panose="02020900000000000000" pitchFamily="18" charset="-128"/>
-            </a:endParaRPr>
+              <a:t>Chapter 2 : </a:t>
+            </a:r>
+            <a:r>
+              <a:rPr kumimoji="1" lang="ja-JP" altLang="en-US" sz="1400" dirty="0">
+                <a:latin typeface="HGS明朝E" panose="02020900000000000000" pitchFamily="18" charset="-128"/>
+                <a:ea typeface="HGS明朝E" panose="02020900000000000000" pitchFamily="18" charset="-128"/>
+              </a:rPr>
+              <a:t>システム概要</a:t>
+            </a:r>
           </a:p>
         </p:txBody>
       </p:sp>
@@ -9480,14 +11169,14 @@
                 <a:latin typeface="HGS明朝E" panose="02020900000000000000" pitchFamily="18" charset="-128"/>
                 <a:ea typeface="HGS明朝E" panose="02020900000000000000" pitchFamily="18" charset="-128"/>
               </a:rPr>
-              <a:t>Chapter 2 : </a:t>
+              <a:t>Section 1 : MVC</a:t>
             </a:r>
             <a:r>
               <a:rPr kumimoji="1" lang="ja-JP" altLang="en-US" sz="2800" dirty="0">
                 <a:latin typeface="HGS明朝E" panose="02020900000000000000" pitchFamily="18" charset="-128"/>
                 <a:ea typeface="HGS明朝E" panose="02020900000000000000" pitchFamily="18" charset="-128"/>
               </a:rPr>
-              <a:t>システム概要</a:t>
+              <a:t>概要</a:t>
             </a:r>
           </a:p>
         </p:txBody>
@@ -11914,6 +13603,260 @@
     <p:extLst>
       <p:ext uri="{BB962C8B-B14F-4D97-AF65-F5344CB8AC3E}">
         <p14:creationId xmlns:p14="http://schemas.microsoft.com/office/powerpoint/2010/main" val="1424593308"/>
+      </p:ext>
+    </p:extLst>
+  </p:cSld>
+  <p:clrMapOvr>
+    <a:masterClrMapping/>
+  </p:clrMapOvr>
+</p:sld>
+</file>
+
+<file path=ppt/slides/slide9.xml><?xml version="1.0" encoding="utf-8"?>
+<p:sld xmlns:a="http://schemas.openxmlformats.org/drawingml/2006/main" xmlns:r="http://schemas.openxmlformats.org/officeDocument/2006/relationships" xmlns:p="http://schemas.openxmlformats.org/presentationml/2006/main">
+  <p:cSld>
+    <p:spTree>
+      <p:nvGrpSpPr>
+        <p:cNvPr id="1" name="">
+          <a:extLst>
+            <a:ext uri="{FF2B5EF4-FFF2-40B4-BE49-F238E27FC236}">
+              <a16:creationId xmlns:a16="http://schemas.microsoft.com/office/drawing/2014/main" id="{42E3019E-BE2C-5C1B-9F2E-CF6199A984D1}"/>
+            </a:ext>
+          </a:extLst>
+        </p:cNvPr>
+        <p:cNvGrpSpPr/>
+        <p:nvPr/>
+      </p:nvGrpSpPr>
+      <p:grpSpPr>
+        <a:xfrm>
+          <a:off x="0" y="0"/>
+          <a:ext cx="0" cy="0"/>
+          <a:chOff x="0" y="0"/>
+          <a:chExt cx="0" cy="0"/>
+        </a:xfrm>
+      </p:grpSpPr>
+      <p:sp>
+        <p:nvSpPr>
+          <p:cNvPr id="3" name="字幕 2">
+            <a:extLst>
+              <a:ext uri="{FF2B5EF4-FFF2-40B4-BE49-F238E27FC236}">
+                <a16:creationId xmlns:a16="http://schemas.microsoft.com/office/drawing/2014/main" id="{4DF2CE82-F51B-F932-ECC2-15402D28CFBF}"/>
+              </a:ext>
+            </a:extLst>
+          </p:cNvPr>
+          <p:cNvSpPr>
+            <a:spLocks noGrp="1"/>
+          </p:cNvSpPr>
+          <p:nvPr>
+            <p:ph type="subTitle" idx="1"/>
+          </p:nvPr>
+        </p:nvSpPr>
+        <p:spPr>
+          <a:xfrm>
+            <a:off x="0" y="0"/>
+            <a:ext cx="2001068" cy="318986"/>
+          </a:xfrm>
+        </p:spPr>
+        <p:txBody>
+          <a:bodyPr>
+            <a:normAutofit/>
+          </a:bodyPr>
+          <a:lstStyle/>
+          <a:p>
+            <a:pPr algn="l"/>
+            <a:r>
+              <a:rPr lang="ja-JP" altLang="en-US" sz="1400" dirty="0">
+                <a:latin typeface="HGS明朝E" panose="02020900000000000000" pitchFamily="18" charset="-128"/>
+                <a:ea typeface="HGS明朝E" panose="02020900000000000000" pitchFamily="18" charset="-128"/>
+              </a:rPr>
+              <a:t>チケット予約システム</a:t>
+            </a:r>
+            <a:endParaRPr kumimoji="1" lang="ja-JP" altLang="en-US" sz="1400" dirty="0">
+              <a:latin typeface="HGS明朝E" panose="02020900000000000000" pitchFamily="18" charset="-128"/>
+              <a:ea typeface="HGS明朝E" panose="02020900000000000000" pitchFamily="18" charset="-128"/>
+            </a:endParaRPr>
+          </a:p>
+        </p:txBody>
+      </p:sp>
+      <p:pic>
+        <p:nvPicPr>
+          <p:cNvPr id="4" name="図 3" descr="黒い背景に白い文字がある&#10;&#10;低い精度で自動的に生成された説明">
+            <a:extLst>
+              <a:ext uri="{FF2B5EF4-FFF2-40B4-BE49-F238E27FC236}">
+                <a16:creationId xmlns:a16="http://schemas.microsoft.com/office/drawing/2014/main" id="{6E1BB0A0-C38C-79FD-CA44-56697AD6C35A}"/>
+              </a:ext>
+            </a:extLst>
+          </p:cNvPr>
+          <p:cNvPicPr>
+            <a:picLocks noChangeAspect="1"/>
+          </p:cNvPicPr>
+          <p:nvPr/>
+        </p:nvPicPr>
+        <p:blipFill>
+          <a:blip r:embed="rId2">
+            <a:extLst>
+              <a:ext uri="{28A0092B-C50C-407E-A947-70E740481C1C}">
+                <a14:useLocalDpi xmlns:a14="http://schemas.microsoft.com/office/drawing/2010/main" val="0"/>
+              </a:ext>
+            </a:extLst>
+          </a:blip>
+          <a:stretch>
+            <a:fillRect/>
+          </a:stretch>
+        </p:blipFill>
+        <p:spPr>
+          <a:xfrm>
+            <a:off x="9982230" y="121271"/>
+            <a:ext cx="2001068" cy="636703"/>
+          </a:xfrm>
+          <a:prstGeom prst="rect">
+            <a:avLst/>
+          </a:prstGeom>
+        </p:spPr>
+      </p:pic>
+      <p:cxnSp>
+        <p:nvCxnSpPr>
+          <p:cNvPr id="9" name="直線コネクタ 8">
+            <a:extLst>
+              <a:ext uri="{FF2B5EF4-FFF2-40B4-BE49-F238E27FC236}">
+                <a16:creationId xmlns:a16="http://schemas.microsoft.com/office/drawing/2014/main" id="{FF2FDB34-3A26-8D66-F738-678894F5B56F}"/>
+              </a:ext>
+            </a:extLst>
+          </p:cNvPr>
+          <p:cNvCxnSpPr>
+            <a:cxnSpLocks/>
+          </p:cNvCxnSpPr>
+          <p:nvPr/>
+        </p:nvCxnSpPr>
+        <p:spPr>
+          <a:xfrm>
+            <a:off x="0" y="757974"/>
+            <a:ext cx="9513651" cy="0"/>
+          </a:xfrm>
+          <a:prstGeom prst="line">
+            <a:avLst/>
+          </a:prstGeom>
+          <a:ln>
+            <a:solidFill>
+              <a:schemeClr val="accent4">
+                <a:lumMod val="50000"/>
+              </a:schemeClr>
+            </a:solidFill>
+          </a:ln>
+        </p:spPr>
+        <p:style>
+          <a:lnRef idx="2">
+            <a:schemeClr val="accent1"/>
+          </a:lnRef>
+          <a:fillRef idx="0">
+            <a:schemeClr val="accent1"/>
+          </a:fillRef>
+          <a:effectRef idx="1">
+            <a:schemeClr val="accent1"/>
+          </a:effectRef>
+          <a:fontRef idx="minor">
+            <a:schemeClr val="tx1"/>
+          </a:fontRef>
+        </p:style>
+      </p:cxnSp>
+      <p:sp>
+        <p:nvSpPr>
+          <p:cNvPr id="15" name="テキスト ボックス 14">
+            <a:extLst>
+              <a:ext uri="{FF2B5EF4-FFF2-40B4-BE49-F238E27FC236}">
+                <a16:creationId xmlns:a16="http://schemas.microsoft.com/office/drawing/2014/main" id="{69413587-649C-4D45-9DE9-37963480B4E6}"/>
+              </a:ext>
+            </a:extLst>
+          </p:cNvPr>
+          <p:cNvSpPr txBox="1"/>
+          <p:nvPr/>
+        </p:nvSpPr>
+        <p:spPr>
+          <a:xfrm>
+            <a:off x="1050587" y="233464"/>
+            <a:ext cx="8463063" cy="523220"/>
+          </a:xfrm>
+          <a:prstGeom prst="rect">
+            <a:avLst/>
+          </a:prstGeom>
+          <a:noFill/>
+        </p:spPr>
+        <p:txBody>
+          <a:bodyPr wrap="square" rtlCol="0">
+            <a:spAutoFit/>
+          </a:bodyPr>
+          <a:lstStyle/>
+          <a:p>
+            <a:r>
+              <a:rPr kumimoji="1" lang="en-US" altLang="ja-JP" sz="2800" dirty="0">
+                <a:latin typeface="HGS明朝E" panose="02020900000000000000" pitchFamily="18" charset="-128"/>
+                <a:ea typeface="HGS明朝E" panose="02020900000000000000" pitchFamily="18" charset="-128"/>
+              </a:rPr>
+              <a:t>Chapter 3 : </a:t>
+            </a:r>
+            <a:r>
+              <a:rPr kumimoji="1" lang="ja-JP" altLang="en-US" sz="2800" dirty="0">
+                <a:latin typeface="HGS明朝E" panose="02020900000000000000" pitchFamily="18" charset="-128"/>
+                <a:ea typeface="HGS明朝E" panose="02020900000000000000" pitchFamily="18" charset="-128"/>
+              </a:rPr>
+              <a:t>画面設計</a:t>
+            </a:r>
+          </a:p>
+        </p:txBody>
+      </p:sp>
+      <p:sp>
+        <p:nvSpPr>
+          <p:cNvPr id="17" name="テキスト ボックス 16">
+            <a:extLst>
+              <a:ext uri="{FF2B5EF4-FFF2-40B4-BE49-F238E27FC236}">
+                <a16:creationId xmlns:a16="http://schemas.microsoft.com/office/drawing/2014/main" id="{B31D4DAB-4B54-91ED-3815-33D209A200D2}"/>
+              </a:ext>
+            </a:extLst>
+          </p:cNvPr>
+          <p:cNvSpPr txBox="1"/>
+          <p:nvPr/>
+        </p:nvSpPr>
+        <p:spPr>
+          <a:xfrm>
+            <a:off x="1000534" y="3075057"/>
+            <a:ext cx="10560266" cy="707886"/>
+          </a:xfrm>
+          <a:prstGeom prst="rect">
+            <a:avLst/>
+          </a:prstGeom>
+          <a:noFill/>
+        </p:spPr>
+        <p:txBody>
+          <a:bodyPr wrap="square" rtlCol="0">
+            <a:spAutoFit/>
+          </a:bodyPr>
+          <a:lstStyle/>
+          <a:p>
+            <a:r>
+              <a:rPr lang="en-US" altLang="ja-JP" sz="4000" dirty="0">
+                <a:latin typeface="HGS明朝E" panose="02020900000000000000" pitchFamily="18" charset="-128"/>
+                <a:ea typeface="HGS明朝E" panose="02020900000000000000" pitchFamily="18" charset="-128"/>
+              </a:rPr>
+              <a:t>Chapter 3 : </a:t>
+            </a:r>
+            <a:r>
+              <a:rPr lang="ja-JP" altLang="en-US" sz="4000" dirty="0">
+                <a:latin typeface="HGS明朝E" panose="02020900000000000000" pitchFamily="18" charset="-128"/>
+                <a:ea typeface="HGS明朝E" panose="02020900000000000000" pitchFamily="18" charset="-128"/>
+              </a:rPr>
+              <a:t>画面設計</a:t>
+            </a:r>
+            <a:endParaRPr lang="en-US" altLang="ja-JP" sz="4000" dirty="0">
+              <a:latin typeface="HGS明朝E" panose="02020900000000000000" pitchFamily="18" charset="-128"/>
+              <a:ea typeface="HGS明朝E" panose="02020900000000000000" pitchFamily="18" charset="-128"/>
+            </a:endParaRPr>
+          </a:p>
+        </p:txBody>
+      </p:sp>
+    </p:spTree>
+    <p:extLst>
+      <p:ext uri="{BB962C8B-B14F-4D97-AF65-F5344CB8AC3E}">
+        <p14:creationId xmlns:p14="http://schemas.microsoft.com/office/powerpoint/2010/main" val="1387511721"/>
       </p:ext>
     </p:extLst>
   </p:cSld>
